--- a/Image/Banners.pptx
+++ b/Image/Banners.pptx
@@ -8,10 +8,16 @@
     <p:sldId id="259" r:id="rId2"/>
     <p:sldId id="260" r:id="rId3"/>
     <p:sldId id="261" r:id="rId4"/>
-    <p:sldId id="263" r:id="rId5"/>
-    <p:sldId id="264" r:id="rId6"/>
+    <p:sldId id="266" r:id="rId5"/>
+    <p:sldId id="267" r:id="rId6"/>
     <p:sldId id="262" r:id="rId7"/>
     <p:sldId id="265" r:id="rId8"/>
+    <p:sldId id="263" r:id="rId9"/>
+    <p:sldId id="264" r:id="rId10"/>
+    <p:sldId id="268" r:id="rId11"/>
+    <p:sldId id="269" r:id="rId12"/>
+    <p:sldId id="270" r:id="rId13"/>
+    <p:sldId id="271" r:id="rId14"/>
   </p:sldIdLst>
   <p:sldSz cx="14630400" cy="2743200"/>
   <p:notesSz cx="6858000" cy="9144000"/>
@@ -249,7 +255,7 @@
           <a:p>
             <a:fld id="{B46AAE34-CC7D-44A2-8AD8-29A5577BC5DC}" type="datetimeFigureOut">
               <a:rPr lang="en-US" smtClean="0"/>
-              <a:t>8/18/2021</a:t>
+              <a:t>11/18/2021</a:t>
             </a:fld>
             <a:endParaRPr lang="en-US"/>
           </a:p>
@@ -419,7 +425,7 @@
           <a:p>
             <a:fld id="{B46AAE34-CC7D-44A2-8AD8-29A5577BC5DC}" type="datetimeFigureOut">
               <a:rPr lang="en-US" smtClean="0"/>
-              <a:t>8/18/2021</a:t>
+              <a:t>11/18/2021</a:t>
             </a:fld>
             <a:endParaRPr lang="en-US"/>
           </a:p>
@@ -599,7 +605,7 @@
           <a:p>
             <a:fld id="{B46AAE34-CC7D-44A2-8AD8-29A5577BC5DC}" type="datetimeFigureOut">
               <a:rPr lang="en-US" smtClean="0"/>
-              <a:t>8/18/2021</a:t>
+              <a:t>11/18/2021</a:t>
             </a:fld>
             <a:endParaRPr lang="en-US"/>
           </a:p>
@@ -769,7 +775,7 @@
           <a:p>
             <a:fld id="{B46AAE34-CC7D-44A2-8AD8-29A5577BC5DC}" type="datetimeFigureOut">
               <a:rPr lang="en-US" smtClean="0"/>
-              <a:t>8/18/2021</a:t>
+              <a:t>11/18/2021</a:t>
             </a:fld>
             <a:endParaRPr lang="en-US"/>
           </a:p>
@@ -1015,7 +1021,7 @@
           <a:p>
             <a:fld id="{B46AAE34-CC7D-44A2-8AD8-29A5577BC5DC}" type="datetimeFigureOut">
               <a:rPr lang="en-US" smtClean="0"/>
-              <a:t>8/18/2021</a:t>
+              <a:t>11/18/2021</a:t>
             </a:fld>
             <a:endParaRPr lang="en-US"/>
           </a:p>
@@ -1247,7 +1253,7 @@
           <a:p>
             <a:fld id="{B46AAE34-CC7D-44A2-8AD8-29A5577BC5DC}" type="datetimeFigureOut">
               <a:rPr lang="en-US" smtClean="0"/>
-              <a:t>8/18/2021</a:t>
+              <a:t>11/18/2021</a:t>
             </a:fld>
             <a:endParaRPr lang="en-US"/>
           </a:p>
@@ -1614,7 +1620,7 @@
           <a:p>
             <a:fld id="{B46AAE34-CC7D-44A2-8AD8-29A5577BC5DC}" type="datetimeFigureOut">
               <a:rPr lang="en-US" smtClean="0"/>
-              <a:t>8/18/2021</a:t>
+              <a:t>11/18/2021</a:t>
             </a:fld>
             <a:endParaRPr lang="en-US"/>
           </a:p>
@@ -1732,7 +1738,7 @@
           <a:p>
             <a:fld id="{B46AAE34-CC7D-44A2-8AD8-29A5577BC5DC}" type="datetimeFigureOut">
               <a:rPr lang="en-US" smtClean="0"/>
-              <a:t>8/18/2021</a:t>
+              <a:t>11/18/2021</a:t>
             </a:fld>
             <a:endParaRPr lang="en-US"/>
           </a:p>
@@ -1827,7 +1833,7 @@
           <a:p>
             <a:fld id="{B46AAE34-CC7D-44A2-8AD8-29A5577BC5DC}" type="datetimeFigureOut">
               <a:rPr lang="en-US" smtClean="0"/>
-              <a:t>8/18/2021</a:t>
+              <a:t>11/18/2021</a:t>
             </a:fld>
             <a:endParaRPr lang="en-US"/>
           </a:p>
@@ -2104,7 +2110,7 @@
           <a:p>
             <a:fld id="{B46AAE34-CC7D-44A2-8AD8-29A5577BC5DC}" type="datetimeFigureOut">
               <a:rPr lang="en-US" smtClean="0"/>
-              <a:t>8/18/2021</a:t>
+              <a:t>11/18/2021</a:t>
             </a:fld>
             <a:endParaRPr lang="en-US"/>
           </a:p>
@@ -2361,7 +2367,7 @@
           <a:p>
             <a:fld id="{B46AAE34-CC7D-44A2-8AD8-29A5577BC5DC}" type="datetimeFigureOut">
               <a:rPr lang="en-US" smtClean="0"/>
-              <a:t>8/18/2021</a:t>
+              <a:t>11/18/2021</a:t>
             </a:fld>
             <a:endParaRPr lang="en-US"/>
           </a:p>
@@ -2574,7 +2580,7 @@
           <a:p>
             <a:fld id="{B46AAE34-CC7D-44A2-8AD8-29A5577BC5DC}" type="datetimeFigureOut">
               <a:rPr lang="en-US" smtClean="0"/>
-              <a:t>8/18/2021</a:t>
+              <a:t>11/18/2021</a:t>
             </a:fld>
             <a:endParaRPr lang="en-US"/>
           </a:p>
@@ -3456,9 +3462,958 @@
 </p:sld>
 </file>
 
+<file path=ppt/slides/slide10.xml><?xml version="1.0" encoding="utf-8"?>
+<p:sld xmlns:a="http://schemas.openxmlformats.org/drawingml/2006/main" xmlns:r="http://schemas.openxmlformats.org/officeDocument/2006/relationships" xmlns:p="http://schemas.openxmlformats.org/presentationml/2006/main">
+  <p:cSld>
+    <p:spTree>
+      <p:nvGrpSpPr>
+        <p:cNvPr id="1" name=""/>
+        <p:cNvGrpSpPr/>
+        <p:nvPr/>
+      </p:nvGrpSpPr>
+      <p:grpSpPr>
+        <a:xfrm>
+          <a:off x="0" y="0"/>
+          <a:ext cx="0" cy="0"/>
+          <a:chOff x="0" y="0"/>
+          <a:chExt cx="0" cy="0"/>
+        </a:xfrm>
+      </p:grpSpPr>
+      <p:sp>
+        <p:nvSpPr>
+          <p:cNvPr id="9" name="TextBox 8">
+            <a:extLst>
+              <a:ext uri="{FF2B5EF4-FFF2-40B4-BE49-F238E27FC236}">
+                <a16:creationId xmlns:a16="http://schemas.microsoft.com/office/drawing/2014/main" id="{95343033-0742-40F4-BD0C-4AE6F575980C}"/>
+              </a:ext>
+            </a:extLst>
+          </p:cNvPr>
+          <p:cNvSpPr txBox="1"/>
+          <p:nvPr/>
+        </p:nvSpPr>
+        <p:spPr>
+          <a:xfrm>
+            <a:off x="0" y="909935"/>
+            <a:ext cx="14630400" cy="2585323"/>
+          </a:xfrm>
+          <a:prstGeom prst="rect">
+            <a:avLst/>
+          </a:prstGeom>
+          <a:noFill/>
+        </p:spPr>
+        <p:txBody>
+          <a:bodyPr wrap="square" rtlCol="0">
+            <a:spAutoFit/>
+          </a:bodyPr>
+          <a:lstStyle/>
+          <a:p>
+            <a:pPr algn="ctr"/>
+            <a:r>
+              <a:rPr lang="en-US" sz="5400" dirty="0">
+                <a:solidFill>
+                  <a:srgbClr val="286CC0"/>
+                </a:solidFill>
+                <a:effectLst/>
+                <a:latin typeface="Calibri" panose="020F0502020204030204" pitchFamily="34" charset="0"/>
+                <a:ea typeface="Calibri" panose="020F0502020204030204" pitchFamily="34" charset="0"/>
+                <a:cs typeface="Times New Roman" panose="02020603050405020304" pitchFamily="18" charset="0"/>
+              </a:rPr>
+              <a:t>Getting Started- </a:t>
+            </a:r>
+            <a:r>
+              <a:rPr lang="en-US" sz="3600" dirty="0">
+                <a:solidFill>
+                  <a:schemeClr val="accent2">
+                    <a:lumMod val="75000"/>
+                  </a:schemeClr>
+                </a:solidFill>
+                <a:latin typeface="Helvetica Neue"/>
+              </a:rPr>
+              <a:t>Cheminformatics</a:t>
+            </a:r>
+            <a:endParaRPr lang="en-US" sz="5400" dirty="0">
+              <a:solidFill>
+                <a:schemeClr val="accent2">
+                  <a:lumMod val="75000"/>
+                </a:schemeClr>
+              </a:solidFill>
+              <a:effectLst/>
+              <a:latin typeface="Calibri" panose="020F0502020204030204" pitchFamily="34" charset="0"/>
+              <a:ea typeface="Calibri" panose="020F0502020204030204" pitchFamily="34" charset="0"/>
+              <a:cs typeface="Times New Roman" panose="02020603050405020304" pitchFamily="18" charset="0"/>
+            </a:endParaRPr>
+          </a:p>
+          <a:p>
+            <a:pPr algn="ctr"/>
+            <a:r>
+              <a:rPr lang="en-US" sz="5400" b="0" i="0" dirty="0">
+                <a:solidFill>
+                  <a:srgbClr val="333333"/>
+                </a:solidFill>
+                <a:effectLst/>
+                <a:latin typeface="Helvetica Neue"/>
+              </a:rPr>
+              <a:t> </a:t>
+            </a:r>
+          </a:p>
+          <a:p>
+            <a:pPr algn="ctr"/>
+            <a:endParaRPr lang="en-US" sz="5400" dirty="0">
+              <a:solidFill>
+                <a:srgbClr val="286CC0"/>
+              </a:solidFill>
+            </a:endParaRPr>
+          </a:p>
+        </p:txBody>
+      </p:sp>
+      <p:pic>
+        <p:nvPicPr>
+          <p:cNvPr id="11" name="Picture 10">
+            <a:extLst>
+              <a:ext uri="{FF2B5EF4-FFF2-40B4-BE49-F238E27FC236}">
+                <a16:creationId xmlns:a16="http://schemas.microsoft.com/office/drawing/2014/main" id="{70333E6D-FF40-4328-8A11-6C889750B8A4}"/>
+              </a:ext>
+            </a:extLst>
+          </p:cNvPr>
+          <p:cNvPicPr>
+            <a:picLocks noChangeAspect="1"/>
+          </p:cNvPicPr>
+          <p:nvPr/>
+        </p:nvPicPr>
+        <p:blipFill>
+          <a:blip r:embed="rId2"/>
+          <a:stretch>
+            <a:fillRect/>
+          </a:stretch>
+        </p:blipFill>
+        <p:spPr>
+          <a:xfrm>
+            <a:off x="13009941" y="0"/>
+            <a:ext cx="1620459" cy="1248355"/>
+          </a:xfrm>
+          <a:prstGeom prst="ellipse">
+            <a:avLst/>
+          </a:prstGeom>
+          <a:ln>
+            <a:noFill/>
+          </a:ln>
+          <a:effectLst>
+            <a:softEdge rad="112500"/>
+          </a:effectLst>
+        </p:spPr>
+      </p:pic>
+      <p:pic>
+        <p:nvPicPr>
+          <p:cNvPr id="14" name="Picture 13">
+            <a:extLst>
+              <a:ext uri="{FF2B5EF4-FFF2-40B4-BE49-F238E27FC236}">
+                <a16:creationId xmlns:a16="http://schemas.microsoft.com/office/drawing/2014/main" id="{68916ECB-23DB-4998-A24A-458AAFFADC67}"/>
+              </a:ext>
+            </a:extLst>
+          </p:cNvPr>
+          <p:cNvPicPr>
+            <a:picLocks noChangeAspect="1"/>
+          </p:cNvPicPr>
+          <p:nvPr/>
+        </p:nvPicPr>
+        <p:blipFill>
+          <a:blip r:embed="rId3">
+            <a:clrChange>
+              <a:clrFrom>
+                <a:srgbClr val="FFFFFF"/>
+              </a:clrFrom>
+              <a:clrTo>
+                <a:srgbClr val="FFFFFF">
+                  <a:alpha val="0"/>
+                </a:srgbClr>
+              </a:clrTo>
+            </a:clrChange>
+          </a:blip>
+          <a:stretch>
+            <a:fillRect/>
+          </a:stretch>
+        </p:blipFill>
+        <p:spPr>
+          <a:xfrm>
+            <a:off x="135175" y="214388"/>
+            <a:ext cx="2587660" cy="990339"/>
+          </a:xfrm>
+          <a:prstGeom prst="rect">
+            <a:avLst/>
+          </a:prstGeom>
+        </p:spPr>
+      </p:pic>
+      <p:cxnSp>
+        <p:nvCxnSpPr>
+          <p:cNvPr id="10" name="Straight Connector 9">
+            <a:extLst>
+              <a:ext uri="{FF2B5EF4-FFF2-40B4-BE49-F238E27FC236}">
+                <a16:creationId xmlns:a16="http://schemas.microsoft.com/office/drawing/2014/main" id="{75ECFB75-7731-4D6E-A854-3DBDCD81A9EA}"/>
+              </a:ext>
+            </a:extLst>
+          </p:cNvPr>
+          <p:cNvCxnSpPr>
+            <a:cxnSpLocks/>
+          </p:cNvCxnSpPr>
+          <p:nvPr/>
+        </p:nvCxnSpPr>
+        <p:spPr>
+          <a:xfrm>
+            <a:off x="3101009" y="1848778"/>
+            <a:ext cx="8412481" cy="0"/>
+          </a:xfrm>
+          <a:prstGeom prst="line">
+            <a:avLst/>
+          </a:prstGeom>
+          <a:ln w="69850">
+            <a:solidFill>
+              <a:srgbClr val="286CC0"/>
+            </a:solidFill>
+          </a:ln>
+        </p:spPr>
+        <p:style>
+          <a:lnRef idx="1">
+            <a:schemeClr val="accent1"/>
+          </a:lnRef>
+          <a:fillRef idx="0">
+            <a:schemeClr val="accent1"/>
+          </a:fillRef>
+          <a:effectRef idx="0">
+            <a:schemeClr val="accent1"/>
+          </a:effectRef>
+          <a:fontRef idx="minor">
+            <a:schemeClr val="tx1"/>
+          </a:fontRef>
+        </p:style>
+      </p:cxnSp>
+    </p:spTree>
+    <p:extLst>
+      <p:ext uri="{BB962C8B-B14F-4D97-AF65-F5344CB8AC3E}">
+        <p14:creationId xmlns:p14="http://schemas.microsoft.com/office/powerpoint/2010/main" val="105738763"/>
+      </p:ext>
+    </p:extLst>
+  </p:cSld>
+  <p:clrMapOvr>
+    <a:masterClrMapping/>
+  </p:clrMapOvr>
+</p:sld>
+</file>
+
+<file path=ppt/slides/slide11.xml><?xml version="1.0" encoding="utf-8"?>
+<p:sld xmlns:a="http://schemas.openxmlformats.org/drawingml/2006/main" xmlns:r="http://schemas.openxmlformats.org/officeDocument/2006/relationships" xmlns:p="http://schemas.openxmlformats.org/presentationml/2006/main">
+  <p:cSld>
+    <p:spTree>
+      <p:nvGrpSpPr>
+        <p:cNvPr id="1" name=""/>
+        <p:cNvGrpSpPr/>
+        <p:nvPr/>
+      </p:nvGrpSpPr>
+      <p:grpSpPr>
+        <a:xfrm>
+          <a:off x="0" y="0"/>
+          <a:ext cx="0" cy="0"/>
+          <a:chOff x="0" y="0"/>
+          <a:chExt cx="0" cy="0"/>
+        </a:xfrm>
+      </p:grpSpPr>
+      <p:sp>
+        <p:nvSpPr>
+          <p:cNvPr id="9" name="TextBox 8">
+            <a:extLst>
+              <a:ext uri="{FF2B5EF4-FFF2-40B4-BE49-F238E27FC236}">
+                <a16:creationId xmlns:a16="http://schemas.microsoft.com/office/drawing/2014/main" id="{95343033-0742-40F4-BD0C-4AE6F575980C}"/>
+              </a:ext>
+            </a:extLst>
+          </p:cNvPr>
+          <p:cNvSpPr txBox="1"/>
+          <p:nvPr/>
+        </p:nvSpPr>
+        <p:spPr>
+          <a:xfrm>
+            <a:off x="0" y="909935"/>
+            <a:ext cx="14630400" cy="1200329"/>
+          </a:xfrm>
+          <a:prstGeom prst="rect">
+            <a:avLst/>
+          </a:prstGeom>
+          <a:noFill/>
+        </p:spPr>
+        <p:txBody>
+          <a:bodyPr wrap="square" rtlCol="0">
+            <a:spAutoFit/>
+          </a:bodyPr>
+          <a:lstStyle/>
+          <a:p>
+            <a:pPr algn="ctr"/>
+            <a:r>
+              <a:rPr lang="en-US" sz="3600" dirty="0">
+                <a:solidFill>
+                  <a:schemeClr val="accent2">
+                    <a:lumMod val="75000"/>
+                  </a:schemeClr>
+                </a:solidFill>
+                <a:latin typeface="Helvetica Neue"/>
+              </a:rPr>
+              <a:t>Cheminformatics With </a:t>
+            </a:r>
+            <a:r>
+              <a:rPr lang="en-US" sz="3600" b="0" i="1" dirty="0" err="1">
+                <a:solidFill>
+                  <a:schemeClr val="accent2">
+                    <a:lumMod val="75000"/>
+                  </a:schemeClr>
+                </a:solidFill>
+                <a:effectLst/>
+                <a:latin typeface="Helvetica Neue"/>
+              </a:rPr>
+              <a:t>ChemmineR</a:t>
+            </a:r>
+            <a:endParaRPr lang="en-US" sz="3600" b="0" i="0" dirty="0">
+              <a:solidFill>
+                <a:schemeClr val="accent2">
+                  <a:lumMod val="75000"/>
+                </a:schemeClr>
+              </a:solidFill>
+              <a:effectLst/>
+              <a:latin typeface="Helvetica Neue"/>
+            </a:endParaRPr>
+          </a:p>
+          <a:p>
+            <a:pPr algn="ctr"/>
+            <a:r>
+              <a:rPr lang="en-US" sz="3600" dirty="0">
+                <a:solidFill>
+                  <a:schemeClr val="accent2">
+                    <a:lumMod val="75000"/>
+                  </a:schemeClr>
+                </a:solidFill>
+                <a:latin typeface="Helvetica Neue"/>
+              </a:rPr>
+              <a:t> </a:t>
+            </a:r>
+            <a:endParaRPr lang="en-US" sz="5400" dirty="0">
+              <a:solidFill>
+                <a:schemeClr val="accent2">
+                  <a:lumMod val="75000"/>
+                </a:schemeClr>
+              </a:solidFill>
+              <a:effectLst/>
+              <a:latin typeface="Calibri" panose="020F0502020204030204" pitchFamily="34" charset="0"/>
+              <a:ea typeface="Calibri" panose="020F0502020204030204" pitchFamily="34" charset="0"/>
+              <a:cs typeface="Times New Roman" panose="02020603050405020304" pitchFamily="18" charset="0"/>
+            </a:endParaRPr>
+          </a:p>
+        </p:txBody>
+      </p:sp>
+      <p:pic>
+        <p:nvPicPr>
+          <p:cNvPr id="11" name="Picture 10">
+            <a:extLst>
+              <a:ext uri="{FF2B5EF4-FFF2-40B4-BE49-F238E27FC236}">
+                <a16:creationId xmlns:a16="http://schemas.microsoft.com/office/drawing/2014/main" id="{70333E6D-FF40-4328-8A11-6C889750B8A4}"/>
+              </a:ext>
+            </a:extLst>
+          </p:cNvPr>
+          <p:cNvPicPr>
+            <a:picLocks noChangeAspect="1"/>
+          </p:cNvPicPr>
+          <p:nvPr/>
+        </p:nvPicPr>
+        <p:blipFill>
+          <a:blip r:embed="rId2"/>
+          <a:stretch>
+            <a:fillRect/>
+          </a:stretch>
+        </p:blipFill>
+        <p:spPr>
+          <a:xfrm>
+            <a:off x="13009941" y="0"/>
+            <a:ext cx="1620459" cy="1248355"/>
+          </a:xfrm>
+          <a:prstGeom prst="ellipse">
+            <a:avLst/>
+          </a:prstGeom>
+          <a:ln>
+            <a:noFill/>
+          </a:ln>
+          <a:effectLst>
+            <a:softEdge rad="112500"/>
+          </a:effectLst>
+        </p:spPr>
+      </p:pic>
+      <p:pic>
+        <p:nvPicPr>
+          <p:cNvPr id="14" name="Picture 13">
+            <a:extLst>
+              <a:ext uri="{FF2B5EF4-FFF2-40B4-BE49-F238E27FC236}">
+                <a16:creationId xmlns:a16="http://schemas.microsoft.com/office/drawing/2014/main" id="{68916ECB-23DB-4998-A24A-458AAFFADC67}"/>
+              </a:ext>
+            </a:extLst>
+          </p:cNvPr>
+          <p:cNvPicPr>
+            <a:picLocks noChangeAspect="1"/>
+          </p:cNvPicPr>
+          <p:nvPr/>
+        </p:nvPicPr>
+        <p:blipFill>
+          <a:blip r:embed="rId3">
+            <a:clrChange>
+              <a:clrFrom>
+                <a:srgbClr val="FFFFFF"/>
+              </a:clrFrom>
+              <a:clrTo>
+                <a:srgbClr val="FFFFFF">
+                  <a:alpha val="0"/>
+                </a:srgbClr>
+              </a:clrTo>
+            </a:clrChange>
+          </a:blip>
+          <a:stretch>
+            <a:fillRect/>
+          </a:stretch>
+        </p:blipFill>
+        <p:spPr>
+          <a:xfrm>
+            <a:off x="135175" y="214388"/>
+            <a:ext cx="2587660" cy="990339"/>
+          </a:xfrm>
+          <a:prstGeom prst="rect">
+            <a:avLst/>
+          </a:prstGeom>
+        </p:spPr>
+      </p:pic>
+      <p:cxnSp>
+        <p:nvCxnSpPr>
+          <p:cNvPr id="10" name="Straight Connector 9">
+            <a:extLst>
+              <a:ext uri="{FF2B5EF4-FFF2-40B4-BE49-F238E27FC236}">
+                <a16:creationId xmlns:a16="http://schemas.microsoft.com/office/drawing/2014/main" id="{75ECFB75-7731-4D6E-A854-3DBDCD81A9EA}"/>
+              </a:ext>
+            </a:extLst>
+          </p:cNvPr>
+          <p:cNvCxnSpPr>
+            <a:cxnSpLocks/>
+          </p:cNvCxnSpPr>
+          <p:nvPr/>
+        </p:nvCxnSpPr>
+        <p:spPr>
+          <a:xfrm>
+            <a:off x="3283889" y="1705654"/>
+            <a:ext cx="8412481" cy="0"/>
+          </a:xfrm>
+          <a:prstGeom prst="line">
+            <a:avLst/>
+          </a:prstGeom>
+          <a:ln w="69850">
+            <a:solidFill>
+              <a:srgbClr val="286CC0"/>
+            </a:solidFill>
+          </a:ln>
+        </p:spPr>
+        <p:style>
+          <a:lnRef idx="1">
+            <a:schemeClr val="accent1"/>
+          </a:lnRef>
+          <a:fillRef idx="0">
+            <a:schemeClr val="accent1"/>
+          </a:fillRef>
+          <a:effectRef idx="0">
+            <a:schemeClr val="accent1"/>
+          </a:effectRef>
+          <a:fontRef idx="minor">
+            <a:schemeClr val="tx1"/>
+          </a:fontRef>
+        </p:style>
+      </p:cxnSp>
+    </p:spTree>
+    <p:extLst>
+      <p:ext uri="{BB962C8B-B14F-4D97-AF65-F5344CB8AC3E}">
+        <p14:creationId xmlns:p14="http://schemas.microsoft.com/office/powerpoint/2010/main" val="1424937702"/>
+      </p:ext>
+    </p:extLst>
+  </p:cSld>
+  <p:clrMapOvr>
+    <a:masterClrMapping/>
+  </p:clrMapOvr>
+</p:sld>
+</file>
+
+<file path=ppt/slides/slide12.xml><?xml version="1.0" encoding="utf-8"?>
+<p:sld xmlns:a="http://schemas.openxmlformats.org/drawingml/2006/main" xmlns:r="http://schemas.openxmlformats.org/officeDocument/2006/relationships" xmlns:p="http://schemas.openxmlformats.org/presentationml/2006/main">
+  <p:cSld>
+    <p:spTree>
+      <p:nvGrpSpPr>
+        <p:cNvPr id="1" name=""/>
+        <p:cNvGrpSpPr/>
+        <p:nvPr/>
+      </p:nvGrpSpPr>
+      <p:grpSpPr>
+        <a:xfrm>
+          <a:off x="0" y="0"/>
+          <a:ext cx="0" cy="0"/>
+          <a:chOff x="0" y="0"/>
+          <a:chExt cx="0" cy="0"/>
+        </a:xfrm>
+      </p:grpSpPr>
+      <p:sp>
+        <p:nvSpPr>
+          <p:cNvPr id="9" name="TextBox 8">
+            <a:extLst>
+              <a:ext uri="{FF2B5EF4-FFF2-40B4-BE49-F238E27FC236}">
+                <a16:creationId xmlns:a16="http://schemas.microsoft.com/office/drawing/2014/main" id="{95343033-0742-40F4-BD0C-4AE6F575980C}"/>
+              </a:ext>
+            </a:extLst>
+          </p:cNvPr>
+          <p:cNvSpPr txBox="1"/>
+          <p:nvPr/>
+        </p:nvSpPr>
+        <p:spPr>
+          <a:xfrm>
+            <a:off x="0" y="709557"/>
+            <a:ext cx="14630400" cy="2031325"/>
+          </a:xfrm>
+          <a:prstGeom prst="rect">
+            <a:avLst/>
+          </a:prstGeom>
+          <a:noFill/>
+        </p:spPr>
+        <p:txBody>
+          <a:bodyPr wrap="square" rtlCol="0">
+            <a:spAutoFit/>
+          </a:bodyPr>
+          <a:lstStyle/>
+          <a:p>
+            <a:pPr algn="ctr"/>
+            <a:r>
+              <a:rPr lang="en-US" sz="3600" dirty="0">
+                <a:solidFill>
+                  <a:schemeClr val="accent2">
+                    <a:lumMod val="75000"/>
+                  </a:schemeClr>
+                </a:solidFill>
+                <a:latin typeface="Helvetica Neue"/>
+              </a:rPr>
+              <a:t>Cheminformatics With </a:t>
+            </a:r>
+            <a:r>
+              <a:rPr lang="en-US" sz="3600" b="0" i="1" dirty="0" err="1">
+                <a:solidFill>
+                  <a:schemeClr val="accent2">
+                    <a:lumMod val="75000"/>
+                  </a:schemeClr>
+                </a:solidFill>
+                <a:effectLst/>
+                <a:latin typeface="Helvetica Neue"/>
+              </a:rPr>
+              <a:t>rCDK</a:t>
+            </a:r>
+            <a:endParaRPr lang="en-US" sz="3600" b="0" i="0" dirty="0">
+              <a:solidFill>
+                <a:schemeClr val="accent2">
+                  <a:lumMod val="75000"/>
+                </a:schemeClr>
+              </a:solidFill>
+              <a:effectLst/>
+              <a:latin typeface="Helvetica Neue"/>
+            </a:endParaRPr>
+          </a:p>
+          <a:p>
+            <a:pPr algn="ctr"/>
+            <a:r>
+              <a:rPr lang="en-US" sz="3600" dirty="0">
+                <a:solidFill>
+                  <a:schemeClr val="accent2">
+                    <a:lumMod val="75000"/>
+                  </a:schemeClr>
+                </a:solidFill>
+                <a:latin typeface="Helvetica Neue"/>
+              </a:rPr>
+              <a:t> </a:t>
+            </a:r>
+            <a:endParaRPr lang="en-US" sz="5400" dirty="0">
+              <a:solidFill>
+                <a:schemeClr val="accent2">
+                  <a:lumMod val="75000"/>
+                </a:schemeClr>
+              </a:solidFill>
+              <a:effectLst/>
+              <a:latin typeface="Calibri" panose="020F0502020204030204" pitchFamily="34" charset="0"/>
+              <a:ea typeface="Calibri" panose="020F0502020204030204" pitchFamily="34" charset="0"/>
+              <a:cs typeface="Times New Roman" panose="02020603050405020304" pitchFamily="18" charset="0"/>
+            </a:endParaRPr>
+          </a:p>
+          <a:p>
+            <a:pPr algn="ctr"/>
+            <a:r>
+              <a:rPr lang="en-US" sz="5400" b="0" i="0" dirty="0">
+                <a:solidFill>
+                  <a:srgbClr val="333333"/>
+                </a:solidFill>
+                <a:effectLst/>
+                <a:latin typeface="Helvetica Neue"/>
+              </a:rPr>
+              <a:t> </a:t>
+            </a:r>
+          </a:p>
+        </p:txBody>
+      </p:sp>
+      <p:pic>
+        <p:nvPicPr>
+          <p:cNvPr id="11" name="Picture 10">
+            <a:extLst>
+              <a:ext uri="{FF2B5EF4-FFF2-40B4-BE49-F238E27FC236}">
+                <a16:creationId xmlns:a16="http://schemas.microsoft.com/office/drawing/2014/main" id="{70333E6D-FF40-4328-8A11-6C889750B8A4}"/>
+              </a:ext>
+            </a:extLst>
+          </p:cNvPr>
+          <p:cNvPicPr>
+            <a:picLocks noChangeAspect="1"/>
+          </p:cNvPicPr>
+          <p:nvPr/>
+        </p:nvPicPr>
+        <p:blipFill>
+          <a:blip r:embed="rId2"/>
+          <a:stretch>
+            <a:fillRect/>
+          </a:stretch>
+        </p:blipFill>
+        <p:spPr>
+          <a:xfrm>
+            <a:off x="13009941" y="0"/>
+            <a:ext cx="1620459" cy="1248355"/>
+          </a:xfrm>
+          <a:prstGeom prst="ellipse">
+            <a:avLst/>
+          </a:prstGeom>
+          <a:ln>
+            <a:noFill/>
+          </a:ln>
+          <a:effectLst>
+            <a:softEdge rad="112500"/>
+          </a:effectLst>
+        </p:spPr>
+      </p:pic>
+      <p:pic>
+        <p:nvPicPr>
+          <p:cNvPr id="14" name="Picture 13">
+            <a:extLst>
+              <a:ext uri="{FF2B5EF4-FFF2-40B4-BE49-F238E27FC236}">
+                <a16:creationId xmlns:a16="http://schemas.microsoft.com/office/drawing/2014/main" id="{68916ECB-23DB-4998-A24A-458AAFFADC67}"/>
+              </a:ext>
+            </a:extLst>
+          </p:cNvPr>
+          <p:cNvPicPr>
+            <a:picLocks noChangeAspect="1"/>
+          </p:cNvPicPr>
+          <p:nvPr/>
+        </p:nvPicPr>
+        <p:blipFill>
+          <a:blip r:embed="rId3">
+            <a:clrChange>
+              <a:clrFrom>
+                <a:srgbClr val="FFFFFF"/>
+              </a:clrFrom>
+              <a:clrTo>
+                <a:srgbClr val="FFFFFF">
+                  <a:alpha val="0"/>
+                </a:srgbClr>
+              </a:clrTo>
+            </a:clrChange>
+          </a:blip>
+          <a:stretch>
+            <a:fillRect/>
+          </a:stretch>
+        </p:blipFill>
+        <p:spPr>
+          <a:xfrm>
+            <a:off x="135175" y="214388"/>
+            <a:ext cx="2587660" cy="990339"/>
+          </a:xfrm>
+          <a:prstGeom prst="rect">
+            <a:avLst/>
+          </a:prstGeom>
+        </p:spPr>
+      </p:pic>
+      <p:cxnSp>
+        <p:nvCxnSpPr>
+          <p:cNvPr id="10" name="Straight Connector 9">
+            <a:extLst>
+              <a:ext uri="{FF2B5EF4-FFF2-40B4-BE49-F238E27FC236}">
+                <a16:creationId xmlns:a16="http://schemas.microsoft.com/office/drawing/2014/main" id="{75ECFB75-7731-4D6E-A854-3DBDCD81A9EA}"/>
+              </a:ext>
+            </a:extLst>
+          </p:cNvPr>
+          <p:cNvCxnSpPr>
+            <a:cxnSpLocks/>
+          </p:cNvCxnSpPr>
+          <p:nvPr/>
+        </p:nvCxnSpPr>
+        <p:spPr>
+          <a:xfrm>
+            <a:off x="3283889" y="1705654"/>
+            <a:ext cx="8412481" cy="0"/>
+          </a:xfrm>
+          <a:prstGeom prst="line">
+            <a:avLst/>
+          </a:prstGeom>
+          <a:ln w="69850">
+            <a:solidFill>
+              <a:srgbClr val="286CC0"/>
+            </a:solidFill>
+          </a:ln>
+        </p:spPr>
+        <p:style>
+          <a:lnRef idx="1">
+            <a:schemeClr val="accent1"/>
+          </a:lnRef>
+          <a:fillRef idx="0">
+            <a:schemeClr val="accent1"/>
+          </a:fillRef>
+          <a:effectRef idx="0">
+            <a:schemeClr val="accent1"/>
+          </a:effectRef>
+          <a:fontRef idx="minor">
+            <a:schemeClr val="tx1"/>
+          </a:fontRef>
+        </p:style>
+      </p:cxnSp>
+    </p:spTree>
+    <p:extLst>
+      <p:ext uri="{BB962C8B-B14F-4D97-AF65-F5344CB8AC3E}">
+        <p14:creationId xmlns:p14="http://schemas.microsoft.com/office/powerpoint/2010/main" val="3698109576"/>
+      </p:ext>
+    </p:extLst>
+  </p:cSld>
+  <p:clrMapOvr>
+    <a:masterClrMapping/>
+  </p:clrMapOvr>
+</p:sld>
+</file>
+
+<file path=ppt/slides/slide13.xml><?xml version="1.0" encoding="utf-8"?>
+<p:sld xmlns:a="http://schemas.openxmlformats.org/drawingml/2006/main" xmlns:r="http://schemas.openxmlformats.org/officeDocument/2006/relationships" xmlns:p="http://schemas.openxmlformats.org/presentationml/2006/main">
+  <p:cSld>
+    <p:bg>
+      <p:bgPr>
+        <a:solidFill>
+          <a:schemeClr val="accent1">
+            <a:lumMod val="20000"/>
+            <a:lumOff val="80000"/>
+          </a:schemeClr>
+        </a:solidFill>
+        <a:effectLst/>
+      </p:bgPr>
+    </p:bg>
+    <p:spTree>
+      <p:nvGrpSpPr>
+        <p:cNvPr id="1" name=""/>
+        <p:cNvGrpSpPr/>
+        <p:nvPr/>
+      </p:nvGrpSpPr>
+      <p:grpSpPr>
+        <a:xfrm>
+          <a:off x="0" y="0"/>
+          <a:ext cx="0" cy="0"/>
+          <a:chOff x="0" y="0"/>
+          <a:chExt cx="0" cy="0"/>
+        </a:xfrm>
+      </p:grpSpPr>
+      <p:sp>
+        <p:nvSpPr>
+          <p:cNvPr id="9" name="TextBox 8">
+            <a:extLst>
+              <a:ext uri="{FF2B5EF4-FFF2-40B4-BE49-F238E27FC236}">
+                <a16:creationId xmlns:a16="http://schemas.microsoft.com/office/drawing/2014/main" id="{95343033-0742-40F4-BD0C-4AE6F575980C}"/>
+              </a:ext>
+            </a:extLst>
+          </p:cNvPr>
+          <p:cNvSpPr txBox="1"/>
+          <p:nvPr/>
+        </p:nvSpPr>
+        <p:spPr>
+          <a:xfrm>
+            <a:off x="0" y="909935"/>
+            <a:ext cx="14630400" cy="769441"/>
+          </a:xfrm>
+          <a:prstGeom prst="rect">
+            <a:avLst/>
+          </a:prstGeom>
+          <a:noFill/>
+        </p:spPr>
+        <p:txBody>
+          <a:bodyPr wrap="square" rtlCol="0">
+            <a:spAutoFit/>
+          </a:bodyPr>
+          <a:lstStyle/>
+          <a:p>
+            <a:pPr algn="ctr"/>
+            <a:r>
+              <a:rPr lang="en-US" sz="4400" dirty="0">
+                <a:solidFill>
+                  <a:srgbClr val="286CC0"/>
+                </a:solidFill>
+                <a:effectLst/>
+                <a:latin typeface="Calibri" panose="020F0502020204030204" pitchFamily="34" charset="0"/>
+                <a:ea typeface="Calibri" panose="020F0502020204030204" pitchFamily="34" charset="0"/>
+                <a:cs typeface="Times New Roman" panose="02020603050405020304" pitchFamily="18" charset="0"/>
+              </a:rPr>
+              <a:t>ICP-MS data Processing and Analysis</a:t>
+            </a:r>
+            <a:endParaRPr lang="en-US" sz="4400" dirty="0">
+              <a:solidFill>
+                <a:srgbClr val="286CC0"/>
+              </a:solidFill>
+            </a:endParaRPr>
+          </a:p>
+        </p:txBody>
+      </p:sp>
+      <p:pic>
+        <p:nvPicPr>
+          <p:cNvPr id="11" name="Picture 10">
+            <a:extLst>
+              <a:ext uri="{FF2B5EF4-FFF2-40B4-BE49-F238E27FC236}">
+                <a16:creationId xmlns:a16="http://schemas.microsoft.com/office/drawing/2014/main" id="{70333E6D-FF40-4328-8A11-6C889750B8A4}"/>
+              </a:ext>
+            </a:extLst>
+          </p:cNvPr>
+          <p:cNvPicPr>
+            <a:picLocks noChangeAspect="1"/>
+          </p:cNvPicPr>
+          <p:nvPr/>
+        </p:nvPicPr>
+        <p:blipFill>
+          <a:blip r:embed="rId2"/>
+          <a:stretch>
+            <a:fillRect/>
+          </a:stretch>
+        </p:blipFill>
+        <p:spPr>
+          <a:xfrm>
+            <a:off x="13009941" y="0"/>
+            <a:ext cx="1620459" cy="1248355"/>
+          </a:xfrm>
+          <a:prstGeom prst="ellipse">
+            <a:avLst/>
+          </a:prstGeom>
+          <a:ln>
+            <a:noFill/>
+          </a:ln>
+          <a:effectLst>
+            <a:softEdge rad="112500"/>
+          </a:effectLst>
+        </p:spPr>
+      </p:pic>
+      <p:pic>
+        <p:nvPicPr>
+          <p:cNvPr id="14" name="Picture 13">
+            <a:extLst>
+              <a:ext uri="{FF2B5EF4-FFF2-40B4-BE49-F238E27FC236}">
+                <a16:creationId xmlns:a16="http://schemas.microsoft.com/office/drawing/2014/main" id="{68916ECB-23DB-4998-A24A-458AAFFADC67}"/>
+              </a:ext>
+            </a:extLst>
+          </p:cNvPr>
+          <p:cNvPicPr>
+            <a:picLocks noChangeAspect="1"/>
+          </p:cNvPicPr>
+          <p:nvPr/>
+        </p:nvPicPr>
+        <p:blipFill>
+          <a:blip r:embed="rId3">
+            <a:clrChange>
+              <a:clrFrom>
+                <a:srgbClr val="FFFFFF"/>
+              </a:clrFrom>
+              <a:clrTo>
+                <a:srgbClr val="FFFFFF">
+                  <a:alpha val="0"/>
+                </a:srgbClr>
+              </a:clrTo>
+            </a:clrChange>
+          </a:blip>
+          <a:stretch>
+            <a:fillRect/>
+          </a:stretch>
+        </p:blipFill>
+        <p:spPr>
+          <a:xfrm>
+            <a:off x="135175" y="214388"/>
+            <a:ext cx="2587660" cy="990339"/>
+          </a:xfrm>
+          <a:prstGeom prst="rect">
+            <a:avLst/>
+          </a:prstGeom>
+        </p:spPr>
+      </p:pic>
+      <p:cxnSp>
+        <p:nvCxnSpPr>
+          <p:cNvPr id="10" name="Straight Connector 9">
+            <a:extLst>
+              <a:ext uri="{FF2B5EF4-FFF2-40B4-BE49-F238E27FC236}">
+                <a16:creationId xmlns:a16="http://schemas.microsoft.com/office/drawing/2014/main" id="{75ECFB75-7731-4D6E-A854-3DBDCD81A9EA}"/>
+              </a:ext>
+            </a:extLst>
+          </p:cNvPr>
+          <p:cNvCxnSpPr>
+            <a:cxnSpLocks/>
+          </p:cNvCxnSpPr>
+          <p:nvPr/>
+        </p:nvCxnSpPr>
+        <p:spPr>
+          <a:xfrm>
+            <a:off x="3180522" y="1824924"/>
+            <a:ext cx="8396577" cy="0"/>
+          </a:xfrm>
+          <a:prstGeom prst="line">
+            <a:avLst/>
+          </a:prstGeom>
+          <a:ln w="69850">
+            <a:solidFill>
+              <a:srgbClr val="286CC0"/>
+            </a:solidFill>
+          </a:ln>
+        </p:spPr>
+        <p:style>
+          <a:lnRef idx="1">
+            <a:schemeClr val="accent1"/>
+          </a:lnRef>
+          <a:fillRef idx="0">
+            <a:schemeClr val="accent1"/>
+          </a:fillRef>
+          <a:effectRef idx="0">
+            <a:schemeClr val="accent1"/>
+          </a:effectRef>
+          <a:fontRef idx="minor">
+            <a:schemeClr val="tx1"/>
+          </a:fontRef>
+        </p:style>
+      </p:cxnSp>
+    </p:spTree>
+    <p:extLst>
+      <p:ext uri="{BB962C8B-B14F-4D97-AF65-F5344CB8AC3E}">
+        <p14:creationId xmlns:p14="http://schemas.microsoft.com/office/powerpoint/2010/main" val="2492138440"/>
+      </p:ext>
+    </p:extLst>
+  </p:cSld>
+  <p:clrMapOvr>
+    <a:masterClrMapping/>
+  </p:clrMapOvr>
+</p:sld>
+</file>
+
 <file path=ppt/slides/slide2.xml><?xml version="1.0" encoding="utf-8"?>
 <p:sld xmlns:a="http://schemas.openxmlformats.org/drawingml/2006/main" xmlns:r="http://schemas.openxmlformats.org/officeDocument/2006/relationships" xmlns:p="http://schemas.openxmlformats.org/presentationml/2006/main">
   <p:cSld>
+    <p:bg>
+      <p:bgPr>
+        <a:solidFill>
+          <a:schemeClr val="accent1">
+            <a:lumMod val="20000"/>
+            <a:lumOff val="80000"/>
+          </a:schemeClr>
+        </a:solidFill>
+        <a:effectLst/>
+      </p:bgPr>
+    </p:bg>
     <p:spTree>
       <p:nvGrpSpPr>
         <p:cNvPr id="1" name=""/>
@@ -3496,7 +4451,7 @@
         </p:blipFill>
         <p:spPr>
           <a:xfrm>
-            <a:off x="3202407" y="49974"/>
+            <a:off x="4538226" y="113585"/>
             <a:ext cx="4331114" cy="2396762"/>
           </a:xfrm>
           <a:prstGeom prst="rect">
@@ -3686,6 +4641,17 @@
 <file path=ppt/slides/slide3.xml><?xml version="1.0" encoding="utf-8"?>
 <p:sld xmlns:a="http://schemas.openxmlformats.org/drawingml/2006/main" xmlns:r="http://schemas.openxmlformats.org/officeDocument/2006/relationships" xmlns:p="http://schemas.openxmlformats.org/presentationml/2006/main">
   <p:cSld>
+    <p:bg>
+      <p:bgPr>
+        <a:solidFill>
+          <a:schemeClr val="accent1">
+            <a:lumMod val="20000"/>
+            <a:lumOff val="80000"/>
+          </a:schemeClr>
+        </a:solidFill>
+        <a:effectLst/>
+      </p:bgPr>
+    </p:bg>
     <p:spTree>
       <p:nvGrpSpPr>
         <p:cNvPr id="1" name=""/>
@@ -3824,44 +4790,6 @@
           <a:prstGeom prst="rect">
             <a:avLst/>
           </a:prstGeom>
-        </p:spPr>
-      </p:pic>
-      <p:pic>
-        <p:nvPicPr>
-          <p:cNvPr id="3" name="Picture 2">
-            <a:extLst>
-              <a:ext uri="{FF2B5EF4-FFF2-40B4-BE49-F238E27FC236}">
-                <a16:creationId xmlns:a16="http://schemas.microsoft.com/office/drawing/2014/main" id="{1C662046-59AB-4EB7-B050-F3591A4377D7}"/>
-              </a:ext>
-            </a:extLst>
-          </p:cNvPr>
-          <p:cNvPicPr>
-            <a:picLocks noChangeAspect="1"/>
-          </p:cNvPicPr>
-          <p:nvPr/>
-        </p:nvPicPr>
-        <p:blipFill>
-          <a:blip r:embed="rId4">
-            <a:alphaModFix amt="4000"/>
-          </a:blip>
-          <a:stretch>
-            <a:fillRect/>
-          </a:stretch>
-        </p:blipFill>
-        <p:spPr>
-          <a:xfrm>
-            <a:off x="7343030" y="-90603"/>
-            <a:ext cx="4192925" cy="2924405"/>
-          </a:xfrm>
-          <a:prstGeom prst="rect">
-            <a:avLst/>
-          </a:prstGeom>
-          <a:ln>
-            <a:noFill/>
-          </a:ln>
-          <a:effectLst>
-            <a:softEdge rad="112500"/>
-          </a:effectLst>
         </p:spPr>
       </p:pic>
       <p:cxnSp>
@@ -3976,7 +4904,7 @@
                 <a:ea typeface="Calibri" panose="020F0502020204030204" pitchFamily="34" charset="0"/>
                 <a:cs typeface="Times New Roman" panose="02020603050405020304" pitchFamily="18" charset="0"/>
               </a:rPr>
-              <a:t>R Data Input and Data Type  </a:t>
+              <a:t>Introduction to Using R</a:t>
             </a:r>
             <a:endParaRPr lang="en-US" sz="5400" dirty="0">
               <a:solidFill>
@@ -4109,7 +5037,7 @@
     </p:spTree>
     <p:extLst>
       <p:ext uri="{BB962C8B-B14F-4D97-AF65-F5344CB8AC3E}">
-        <p14:creationId xmlns:p14="http://schemas.microsoft.com/office/powerpoint/2010/main" val="773549360"/>
+        <p14:creationId xmlns:p14="http://schemas.microsoft.com/office/powerpoint/2010/main" val="3212688384"/>
       </p:ext>
     </p:extLst>
   </p:cSld>
@@ -4151,7 +5079,7 @@
         <p:spPr>
           <a:xfrm>
             <a:off x="0" y="909935"/>
-            <a:ext cx="14630400" cy="923330"/>
+            <a:ext cx="14630400" cy="769441"/>
           </a:xfrm>
           <a:prstGeom prst="rect">
             <a:avLst/>
@@ -4166,7 +5094,7 @@
           <a:p>
             <a:pPr algn="ctr"/>
             <a:r>
-              <a:rPr lang="en-US" sz="5400" dirty="0">
+              <a:rPr lang="en-US" sz="4400" dirty="0">
                 <a:solidFill>
                   <a:srgbClr val="286CC0"/>
                 </a:solidFill>
@@ -4175,9 +5103,9 @@
                 <a:ea typeface="Calibri" panose="020F0502020204030204" pitchFamily="34" charset="0"/>
                 <a:cs typeface="Times New Roman" panose="02020603050405020304" pitchFamily="18" charset="0"/>
               </a:rPr>
-              <a:t>Data Wrangling</a:t>
-            </a:r>
-            <a:endParaRPr lang="en-US" sz="5400" dirty="0">
+              <a:t>Importing/Exporting  Data into/From R</a:t>
+            </a:r>
+            <a:endParaRPr lang="en-US" sz="4400" dirty="0">
               <a:solidFill>
                 <a:srgbClr val="286CC0"/>
               </a:solidFill>
@@ -4278,8 +5206,8 @@
         </p:nvCxnSpPr>
         <p:spPr>
           <a:xfrm>
-            <a:off x="3331597" y="1824924"/>
-            <a:ext cx="8022866" cy="0"/>
+            <a:off x="2846567" y="1824924"/>
+            <a:ext cx="8937266" cy="0"/>
           </a:xfrm>
           <a:prstGeom prst="line">
             <a:avLst/>
@@ -4308,7 +5236,7 @@
     </p:spTree>
     <p:extLst>
       <p:ext uri="{BB962C8B-B14F-4D97-AF65-F5344CB8AC3E}">
-        <p14:creationId xmlns:p14="http://schemas.microsoft.com/office/powerpoint/2010/main" val="350584560"/>
+        <p14:creationId xmlns:p14="http://schemas.microsoft.com/office/powerpoint/2010/main" val="331033175"/>
       </p:ext>
     </p:extLst>
   </p:cSld>
@@ -4705,6 +5633,426 @@
     <p:extLst>
       <p:ext uri="{BB962C8B-B14F-4D97-AF65-F5344CB8AC3E}">
         <p14:creationId xmlns:p14="http://schemas.microsoft.com/office/powerpoint/2010/main" val="1893343646"/>
+      </p:ext>
+    </p:extLst>
+  </p:cSld>
+  <p:clrMapOvr>
+    <a:masterClrMapping/>
+  </p:clrMapOvr>
+</p:sld>
+</file>
+
+<file path=ppt/slides/slide8.xml><?xml version="1.0" encoding="utf-8"?>
+<p:sld xmlns:a="http://schemas.openxmlformats.org/drawingml/2006/main" xmlns:r="http://schemas.openxmlformats.org/officeDocument/2006/relationships" xmlns:p="http://schemas.openxmlformats.org/presentationml/2006/main">
+  <p:cSld>
+    <p:bg>
+      <p:bgPr>
+        <a:solidFill>
+          <a:schemeClr val="accent1">
+            <a:lumMod val="20000"/>
+            <a:lumOff val="80000"/>
+          </a:schemeClr>
+        </a:solidFill>
+        <a:effectLst/>
+      </p:bgPr>
+    </p:bg>
+    <p:spTree>
+      <p:nvGrpSpPr>
+        <p:cNvPr id="1" name=""/>
+        <p:cNvGrpSpPr/>
+        <p:nvPr/>
+      </p:nvGrpSpPr>
+      <p:grpSpPr>
+        <a:xfrm>
+          <a:off x="0" y="0"/>
+          <a:ext cx="0" cy="0"/>
+          <a:chOff x="0" y="0"/>
+          <a:chExt cx="0" cy="0"/>
+        </a:xfrm>
+      </p:grpSpPr>
+      <p:sp>
+        <p:nvSpPr>
+          <p:cNvPr id="9" name="TextBox 8">
+            <a:extLst>
+              <a:ext uri="{FF2B5EF4-FFF2-40B4-BE49-F238E27FC236}">
+                <a16:creationId xmlns:a16="http://schemas.microsoft.com/office/drawing/2014/main" id="{95343033-0742-40F4-BD0C-4AE6F575980C}"/>
+              </a:ext>
+            </a:extLst>
+          </p:cNvPr>
+          <p:cNvSpPr txBox="1"/>
+          <p:nvPr/>
+        </p:nvSpPr>
+        <p:spPr>
+          <a:xfrm>
+            <a:off x="0" y="909935"/>
+            <a:ext cx="14630400" cy="923330"/>
+          </a:xfrm>
+          <a:prstGeom prst="rect">
+            <a:avLst/>
+          </a:prstGeom>
+          <a:noFill/>
+        </p:spPr>
+        <p:txBody>
+          <a:bodyPr wrap="square" rtlCol="0">
+            <a:spAutoFit/>
+          </a:bodyPr>
+          <a:lstStyle/>
+          <a:p>
+            <a:pPr algn="ctr"/>
+            <a:r>
+              <a:rPr lang="en-US" sz="5400" dirty="0">
+                <a:solidFill>
+                  <a:srgbClr val="286CC0"/>
+                </a:solidFill>
+                <a:effectLst/>
+                <a:latin typeface="Calibri" panose="020F0502020204030204" pitchFamily="34" charset="0"/>
+                <a:ea typeface="Calibri" panose="020F0502020204030204" pitchFamily="34" charset="0"/>
+                <a:cs typeface="Times New Roman" panose="02020603050405020304" pitchFamily="18" charset="0"/>
+              </a:rPr>
+              <a:t>Curve Fitting With R</a:t>
+            </a:r>
+            <a:endParaRPr lang="en-US" sz="5400" dirty="0">
+              <a:solidFill>
+                <a:srgbClr val="286CC0"/>
+              </a:solidFill>
+            </a:endParaRPr>
+          </a:p>
+        </p:txBody>
+      </p:sp>
+      <p:pic>
+        <p:nvPicPr>
+          <p:cNvPr id="11" name="Picture 10">
+            <a:extLst>
+              <a:ext uri="{FF2B5EF4-FFF2-40B4-BE49-F238E27FC236}">
+                <a16:creationId xmlns:a16="http://schemas.microsoft.com/office/drawing/2014/main" id="{70333E6D-FF40-4328-8A11-6C889750B8A4}"/>
+              </a:ext>
+            </a:extLst>
+          </p:cNvPr>
+          <p:cNvPicPr>
+            <a:picLocks noChangeAspect="1"/>
+          </p:cNvPicPr>
+          <p:nvPr/>
+        </p:nvPicPr>
+        <p:blipFill>
+          <a:blip r:embed="rId2"/>
+          <a:stretch>
+            <a:fillRect/>
+          </a:stretch>
+        </p:blipFill>
+        <p:spPr>
+          <a:xfrm>
+            <a:off x="13009941" y="0"/>
+            <a:ext cx="1620459" cy="1248355"/>
+          </a:xfrm>
+          <a:prstGeom prst="ellipse">
+            <a:avLst/>
+          </a:prstGeom>
+          <a:ln>
+            <a:noFill/>
+          </a:ln>
+          <a:effectLst>
+            <a:softEdge rad="112500"/>
+          </a:effectLst>
+        </p:spPr>
+      </p:pic>
+      <p:pic>
+        <p:nvPicPr>
+          <p:cNvPr id="14" name="Picture 13">
+            <a:extLst>
+              <a:ext uri="{FF2B5EF4-FFF2-40B4-BE49-F238E27FC236}">
+                <a16:creationId xmlns:a16="http://schemas.microsoft.com/office/drawing/2014/main" id="{68916ECB-23DB-4998-A24A-458AAFFADC67}"/>
+              </a:ext>
+            </a:extLst>
+          </p:cNvPr>
+          <p:cNvPicPr>
+            <a:picLocks noChangeAspect="1"/>
+          </p:cNvPicPr>
+          <p:nvPr/>
+        </p:nvPicPr>
+        <p:blipFill>
+          <a:blip r:embed="rId3">
+            <a:clrChange>
+              <a:clrFrom>
+                <a:srgbClr val="FFFFFF"/>
+              </a:clrFrom>
+              <a:clrTo>
+                <a:srgbClr val="FFFFFF">
+                  <a:alpha val="0"/>
+                </a:srgbClr>
+              </a:clrTo>
+            </a:clrChange>
+          </a:blip>
+          <a:stretch>
+            <a:fillRect/>
+          </a:stretch>
+        </p:blipFill>
+        <p:spPr>
+          <a:xfrm>
+            <a:off x="135175" y="214388"/>
+            <a:ext cx="2587660" cy="990339"/>
+          </a:xfrm>
+          <a:prstGeom prst="rect">
+            <a:avLst/>
+          </a:prstGeom>
+        </p:spPr>
+      </p:pic>
+      <p:cxnSp>
+        <p:nvCxnSpPr>
+          <p:cNvPr id="10" name="Straight Connector 9">
+            <a:extLst>
+              <a:ext uri="{FF2B5EF4-FFF2-40B4-BE49-F238E27FC236}">
+                <a16:creationId xmlns:a16="http://schemas.microsoft.com/office/drawing/2014/main" id="{75ECFB75-7731-4D6E-A854-3DBDCD81A9EA}"/>
+              </a:ext>
+            </a:extLst>
+          </p:cNvPr>
+          <p:cNvCxnSpPr>
+            <a:cxnSpLocks/>
+          </p:cNvCxnSpPr>
+          <p:nvPr/>
+        </p:nvCxnSpPr>
+        <p:spPr>
+          <a:xfrm>
+            <a:off x="3331597" y="1824924"/>
+            <a:ext cx="8022866" cy="0"/>
+          </a:xfrm>
+          <a:prstGeom prst="line">
+            <a:avLst/>
+          </a:prstGeom>
+          <a:ln w="69850">
+            <a:solidFill>
+              <a:srgbClr val="286CC0"/>
+            </a:solidFill>
+          </a:ln>
+        </p:spPr>
+        <p:style>
+          <a:lnRef idx="1">
+            <a:schemeClr val="accent1"/>
+          </a:lnRef>
+          <a:fillRef idx="0">
+            <a:schemeClr val="accent1"/>
+          </a:fillRef>
+          <a:effectRef idx="0">
+            <a:schemeClr val="accent1"/>
+          </a:effectRef>
+          <a:fontRef idx="minor">
+            <a:schemeClr val="tx1"/>
+          </a:fontRef>
+        </p:style>
+      </p:cxnSp>
+    </p:spTree>
+    <p:extLst>
+      <p:ext uri="{BB962C8B-B14F-4D97-AF65-F5344CB8AC3E}">
+        <p14:creationId xmlns:p14="http://schemas.microsoft.com/office/powerpoint/2010/main" val="773549360"/>
+      </p:ext>
+    </p:extLst>
+  </p:cSld>
+  <p:clrMapOvr>
+    <a:masterClrMapping/>
+  </p:clrMapOvr>
+</p:sld>
+</file>
+
+<file path=ppt/slides/slide9.xml><?xml version="1.0" encoding="utf-8"?>
+<p:sld xmlns:a="http://schemas.openxmlformats.org/drawingml/2006/main" xmlns:r="http://schemas.openxmlformats.org/officeDocument/2006/relationships" xmlns:p="http://schemas.openxmlformats.org/presentationml/2006/main">
+  <p:cSld>
+    <p:bg>
+      <p:bgPr>
+        <a:solidFill>
+          <a:schemeClr val="accent1">
+            <a:lumMod val="20000"/>
+            <a:lumOff val="80000"/>
+          </a:schemeClr>
+        </a:solidFill>
+        <a:effectLst/>
+      </p:bgPr>
+    </p:bg>
+    <p:spTree>
+      <p:nvGrpSpPr>
+        <p:cNvPr id="1" name=""/>
+        <p:cNvGrpSpPr/>
+        <p:nvPr/>
+      </p:nvGrpSpPr>
+      <p:grpSpPr>
+        <a:xfrm>
+          <a:off x="0" y="0"/>
+          <a:ext cx="0" cy="0"/>
+          <a:chOff x="0" y="0"/>
+          <a:chExt cx="0" cy="0"/>
+        </a:xfrm>
+      </p:grpSpPr>
+      <p:sp>
+        <p:nvSpPr>
+          <p:cNvPr id="9" name="TextBox 8">
+            <a:extLst>
+              <a:ext uri="{FF2B5EF4-FFF2-40B4-BE49-F238E27FC236}">
+                <a16:creationId xmlns:a16="http://schemas.microsoft.com/office/drawing/2014/main" id="{95343033-0742-40F4-BD0C-4AE6F575980C}"/>
+              </a:ext>
+            </a:extLst>
+          </p:cNvPr>
+          <p:cNvSpPr txBox="1"/>
+          <p:nvPr/>
+        </p:nvSpPr>
+        <p:spPr>
+          <a:xfrm>
+            <a:off x="0" y="909935"/>
+            <a:ext cx="14630400" cy="923330"/>
+          </a:xfrm>
+          <a:prstGeom prst="rect">
+            <a:avLst/>
+          </a:prstGeom>
+          <a:noFill/>
+        </p:spPr>
+        <p:txBody>
+          <a:bodyPr wrap="square" rtlCol="0">
+            <a:spAutoFit/>
+          </a:bodyPr>
+          <a:lstStyle/>
+          <a:p>
+            <a:pPr algn="ctr"/>
+            <a:r>
+              <a:rPr lang="en-US" sz="5400" dirty="0">
+                <a:solidFill>
+                  <a:srgbClr val="286CC0"/>
+                </a:solidFill>
+                <a:effectLst/>
+                <a:latin typeface="Calibri" panose="020F0502020204030204" pitchFamily="34" charset="0"/>
+                <a:ea typeface="Calibri" panose="020F0502020204030204" pitchFamily="34" charset="0"/>
+                <a:cs typeface="Times New Roman" panose="02020603050405020304" pitchFamily="18" charset="0"/>
+              </a:rPr>
+              <a:t>Cheminformatics with R</a:t>
+            </a:r>
+            <a:endParaRPr lang="en-US" sz="5400" dirty="0">
+              <a:solidFill>
+                <a:srgbClr val="286CC0"/>
+              </a:solidFill>
+            </a:endParaRPr>
+          </a:p>
+        </p:txBody>
+      </p:sp>
+      <p:pic>
+        <p:nvPicPr>
+          <p:cNvPr id="11" name="Picture 10">
+            <a:extLst>
+              <a:ext uri="{FF2B5EF4-FFF2-40B4-BE49-F238E27FC236}">
+                <a16:creationId xmlns:a16="http://schemas.microsoft.com/office/drawing/2014/main" id="{70333E6D-FF40-4328-8A11-6C889750B8A4}"/>
+              </a:ext>
+            </a:extLst>
+          </p:cNvPr>
+          <p:cNvPicPr>
+            <a:picLocks noChangeAspect="1"/>
+          </p:cNvPicPr>
+          <p:nvPr/>
+        </p:nvPicPr>
+        <p:blipFill>
+          <a:blip r:embed="rId2"/>
+          <a:stretch>
+            <a:fillRect/>
+          </a:stretch>
+        </p:blipFill>
+        <p:spPr>
+          <a:xfrm>
+            <a:off x="13009941" y="0"/>
+            <a:ext cx="1620459" cy="1248355"/>
+          </a:xfrm>
+          <a:prstGeom prst="ellipse">
+            <a:avLst/>
+          </a:prstGeom>
+          <a:ln>
+            <a:noFill/>
+          </a:ln>
+          <a:effectLst>
+            <a:softEdge rad="112500"/>
+          </a:effectLst>
+        </p:spPr>
+      </p:pic>
+      <p:pic>
+        <p:nvPicPr>
+          <p:cNvPr id="14" name="Picture 13">
+            <a:extLst>
+              <a:ext uri="{FF2B5EF4-FFF2-40B4-BE49-F238E27FC236}">
+                <a16:creationId xmlns:a16="http://schemas.microsoft.com/office/drawing/2014/main" id="{68916ECB-23DB-4998-A24A-458AAFFADC67}"/>
+              </a:ext>
+            </a:extLst>
+          </p:cNvPr>
+          <p:cNvPicPr>
+            <a:picLocks noChangeAspect="1"/>
+          </p:cNvPicPr>
+          <p:nvPr/>
+        </p:nvPicPr>
+        <p:blipFill>
+          <a:blip r:embed="rId3">
+            <a:clrChange>
+              <a:clrFrom>
+                <a:srgbClr val="FFFFFF"/>
+              </a:clrFrom>
+              <a:clrTo>
+                <a:srgbClr val="FFFFFF">
+                  <a:alpha val="0"/>
+                </a:srgbClr>
+              </a:clrTo>
+            </a:clrChange>
+          </a:blip>
+          <a:stretch>
+            <a:fillRect/>
+          </a:stretch>
+        </p:blipFill>
+        <p:spPr>
+          <a:xfrm>
+            <a:off x="135175" y="214388"/>
+            <a:ext cx="2587660" cy="990339"/>
+          </a:xfrm>
+          <a:prstGeom prst="rect">
+            <a:avLst/>
+          </a:prstGeom>
+        </p:spPr>
+      </p:pic>
+      <p:cxnSp>
+        <p:nvCxnSpPr>
+          <p:cNvPr id="10" name="Straight Connector 9">
+            <a:extLst>
+              <a:ext uri="{FF2B5EF4-FFF2-40B4-BE49-F238E27FC236}">
+                <a16:creationId xmlns:a16="http://schemas.microsoft.com/office/drawing/2014/main" id="{75ECFB75-7731-4D6E-A854-3DBDCD81A9EA}"/>
+              </a:ext>
+            </a:extLst>
+          </p:cNvPr>
+          <p:cNvCxnSpPr>
+            <a:cxnSpLocks/>
+          </p:cNvCxnSpPr>
+          <p:nvPr/>
+        </p:nvCxnSpPr>
+        <p:spPr>
+          <a:xfrm>
+            <a:off x="3331597" y="1824924"/>
+            <a:ext cx="8022866" cy="0"/>
+          </a:xfrm>
+          <a:prstGeom prst="line">
+            <a:avLst/>
+          </a:prstGeom>
+          <a:ln w="69850">
+            <a:solidFill>
+              <a:srgbClr val="286CC0"/>
+            </a:solidFill>
+          </a:ln>
+        </p:spPr>
+        <p:style>
+          <a:lnRef idx="1">
+            <a:schemeClr val="accent1"/>
+          </a:lnRef>
+          <a:fillRef idx="0">
+            <a:schemeClr val="accent1"/>
+          </a:fillRef>
+          <a:effectRef idx="0">
+            <a:schemeClr val="accent1"/>
+          </a:effectRef>
+          <a:fontRef idx="minor">
+            <a:schemeClr val="tx1"/>
+          </a:fontRef>
+        </p:style>
+      </p:cxnSp>
+    </p:spTree>
+    <p:extLst>
+      <p:ext uri="{BB962C8B-B14F-4D97-AF65-F5344CB8AC3E}">
+        <p14:creationId xmlns:p14="http://schemas.microsoft.com/office/powerpoint/2010/main" val="350584560"/>
       </p:ext>
     </p:extLst>
   </p:cSld>

--- a/Image/Banners.pptx
+++ b/Image/Banners.pptx
@@ -10,14 +10,17 @@
     <p:sldId id="261" r:id="rId4"/>
     <p:sldId id="266" r:id="rId5"/>
     <p:sldId id="267" r:id="rId6"/>
-    <p:sldId id="262" r:id="rId7"/>
-    <p:sldId id="265" r:id="rId8"/>
-    <p:sldId id="263" r:id="rId9"/>
-    <p:sldId id="264" r:id="rId10"/>
-    <p:sldId id="268" r:id="rId11"/>
-    <p:sldId id="269" r:id="rId12"/>
-    <p:sldId id="270" r:id="rId13"/>
-    <p:sldId id="271" r:id="rId14"/>
+    <p:sldId id="274" r:id="rId7"/>
+    <p:sldId id="272" r:id="rId8"/>
+    <p:sldId id="265" r:id="rId9"/>
+    <p:sldId id="273" r:id="rId10"/>
+    <p:sldId id="262" r:id="rId11"/>
+    <p:sldId id="263" r:id="rId12"/>
+    <p:sldId id="264" r:id="rId13"/>
+    <p:sldId id="268" r:id="rId14"/>
+    <p:sldId id="269" r:id="rId15"/>
+    <p:sldId id="270" r:id="rId16"/>
+    <p:sldId id="271" r:id="rId17"/>
   </p:sldIdLst>
   <p:sldSz cx="14630400" cy="2743200"/>
   <p:notesSz cx="6858000" cy="9144000"/>
@@ -255,7 +258,7 @@
           <a:p>
             <a:fld id="{B46AAE34-CC7D-44A2-8AD8-29A5577BC5DC}" type="datetimeFigureOut">
               <a:rPr lang="en-US" smtClean="0"/>
-              <a:t>11/18/2021</a:t>
+              <a:t>10/26/2022</a:t>
             </a:fld>
             <a:endParaRPr lang="en-US"/>
           </a:p>
@@ -425,7 +428,7 @@
           <a:p>
             <a:fld id="{B46AAE34-CC7D-44A2-8AD8-29A5577BC5DC}" type="datetimeFigureOut">
               <a:rPr lang="en-US" smtClean="0"/>
-              <a:t>11/18/2021</a:t>
+              <a:t>10/26/2022</a:t>
             </a:fld>
             <a:endParaRPr lang="en-US"/>
           </a:p>
@@ -605,7 +608,7 @@
           <a:p>
             <a:fld id="{B46AAE34-CC7D-44A2-8AD8-29A5577BC5DC}" type="datetimeFigureOut">
               <a:rPr lang="en-US" smtClean="0"/>
-              <a:t>11/18/2021</a:t>
+              <a:t>10/26/2022</a:t>
             </a:fld>
             <a:endParaRPr lang="en-US"/>
           </a:p>
@@ -775,7 +778,7 @@
           <a:p>
             <a:fld id="{B46AAE34-CC7D-44A2-8AD8-29A5577BC5DC}" type="datetimeFigureOut">
               <a:rPr lang="en-US" smtClean="0"/>
-              <a:t>11/18/2021</a:t>
+              <a:t>10/26/2022</a:t>
             </a:fld>
             <a:endParaRPr lang="en-US"/>
           </a:p>
@@ -1021,7 +1024,7 @@
           <a:p>
             <a:fld id="{B46AAE34-CC7D-44A2-8AD8-29A5577BC5DC}" type="datetimeFigureOut">
               <a:rPr lang="en-US" smtClean="0"/>
-              <a:t>11/18/2021</a:t>
+              <a:t>10/26/2022</a:t>
             </a:fld>
             <a:endParaRPr lang="en-US"/>
           </a:p>
@@ -1253,7 +1256,7 @@
           <a:p>
             <a:fld id="{B46AAE34-CC7D-44A2-8AD8-29A5577BC5DC}" type="datetimeFigureOut">
               <a:rPr lang="en-US" smtClean="0"/>
-              <a:t>11/18/2021</a:t>
+              <a:t>10/26/2022</a:t>
             </a:fld>
             <a:endParaRPr lang="en-US"/>
           </a:p>
@@ -1620,7 +1623,7 @@
           <a:p>
             <a:fld id="{B46AAE34-CC7D-44A2-8AD8-29A5577BC5DC}" type="datetimeFigureOut">
               <a:rPr lang="en-US" smtClean="0"/>
-              <a:t>11/18/2021</a:t>
+              <a:t>10/26/2022</a:t>
             </a:fld>
             <a:endParaRPr lang="en-US"/>
           </a:p>
@@ -1738,7 +1741,7 @@
           <a:p>
             <a:fld id="{B46AAE34-CC7D-44A2-8AD8-29A5577BC5DC}" type="datetimeFigureOut">
               <a:rPr lang="en-US" smtClean="0"/>
-              <a:t>11/18/2021</a:t>
+              <a:t>10/26/2022</a:t>
             </a:fld>
             <a:endParaRPr lang="en-US"/>
           </a:p>
@@ -1833,7 +1836,7 @@
           <a:p>
             <a:fld id="{B46AAE34-CC7D-44A2-8AD8-29A5577BC5DC}" type="datetimeFigureOut">
               <a:rPr lang="en-US" smtClean="0"/>
-              <a:t>11/18/2021</a:t>
+              <a:t>10/26/2022</a:t>
             </a:fld>
             <a:endParaRPr lang="en-US"/>
           </a:p>
@@ -2110,7 +2113,7 @@
           <a:p>
             <a:fld id="{B46AAE34-CC7D-44A2-8AD8-29A5577BC5DC}" type="datetimeFigureOut">
               <a:rPr lang="en-US" smtClean="0"/>
-              <a:t>11/18/2021</a:t>
+              <a:t>10/26/2022</a:t>
             </a:fld>
             <a:endParaRPr lang="en-US"/>
           </a:p>
@@ -2367,7 +2370,7 @@
           <a:p>
             <a:fld id="{B46AAE34-CC7D-44A2-8AD8-29A5577BC5DC}" type="datetimeFigureOut">
               <a:rPr lang="en-US" smtClean="0"/>
-              <a:t>11/18/2021</a:t>
+              <a:t>10/26/2022</a:t>
             </a:fld>
             <a:endParaRPr lang="en-US"/>
           </a:p>
@@ -2580,7 +2583,7 @@
           <a:p>
             <a:fld id="{B46AAE34-CC7D-44A2-8AD8-29A5577BC5DC}" type="datetimeFigureOut">
               <a:rPr lang="en-US" smtClean="0"/>
-              <a:t>11/18/2021</a:t>
+              <a:t>10/26/2022</a:t>
             </a:fld>
             <a:endParaRPr lang="en-US"/>
           </a:p>
@@ -3315,47 +3318,6 @@
       </p:pic>
       <p:pic>
         <p:nvPicPr>
-          <p:cNvPr id="5" name="Picture 4">
-            <a:extLst>
-              <a:ext uri="{FF2B5EF4-FFF2-40B4-BE49-F238E27FC236}">
-                <a16:creationId xmlns:a16="http://schemas.microsoft.com/office/drawing/2014/main" id="{284B0E18-D7F2-4104-9760-CC21F2B33CA7}"/>
-              </a:ext>
-            </a:extLst>
-          </p:cNvPr>
-          <p:cNvPicPr>
-            <a:picLocks noChangeAspect="1"/>
-          </p:cNvPicPr>
-          <p:nvPr/>
-        </p:nvPicPr>
-        <p:blipFill>
-          <a:blip r:embed="rId9">
-            <a:clrChange>
-              <a:clrFrom>
-                <a:srgbClr val="FFFFFF"/>
-              </a:clrFrom>
-              <a:clrTo>
-                <a:srgbClr val="FFFFFF">
-                  <a:alpha val="0"/>
-                </a:srgbClr>
-              </a:clrTo>
-            </a:clrChange>
-          </a:blip>
-          <a:stretch>
-            <a:fillRect/>
-          </a:stretch>
-        </p:blipFill>
-        <p:spPr>
-          <a:xfrm>
-            <a:off x="149277" y="88177"/>
-            <a:ext cx="2652405" cy="1015118"/>
-          </a:xfrm>
-          <a:prstGeom prst="rect">
-            <a:avLst/>
-          </a:prstGeom>
-        </p:spPr>
-      </p:pic>
-      <p:pic>
-        <p:nvPicPr>
           <p:cNvPr id="9" name="Picture 8" descr="Diagram&#10;&#10;Description automatically generated">
             <a:extLst>
               <a:ext uri="{FF2B5EF4-FFF2-40B4-BE49-F238E27FC236}">
@@ -3369,7 +3331,7 @@
           <p:nvPr/>
         </p:nvPicPr>
         <p:blipFill>
-          <a:blip r:embed="rId10">
+          <a:blip r:embed="rId9">
             <a:clrChange>
               <a:clrFrom>
                 <a:srgbClr val="FFFFFF"/>
@@ -3449,6 +3411,30 @@
           </a:fontRef>
         </p:style>
       </p:cxnSp>
+      <p:pic>
+        <p:nvPicPr>
+          <p:cNvPr id="11" name="Picture 10"/>
+          <p:cNvPicPr>
+            <a:picLocks noChangeAspect="1"/>
+          </p:cNvPicPr>
+          <p:nvPr/>
+        </p:nvPicPr>
+        <p:blipFill>
+          <a:blip r:embed="rId10"/>
+          <a:stretch>
+            <a:fillRect/>
+          </a:stretch>
+        </p:blipFill>
+        <p:spPr>
+          <a:xfrm>
+            <a:off x="140465" y="170320"/>
+            <a:ext cx="2823072" cy="609527"/>
+          </a:xfrm>
+          <a:prstGeom prst="rect">
+            <a:avLst/>
+          </a:prstGeom>
+        </p:spPr>
+      </p:pic>
     </p:spTree>
     <p:extLst>
       <p:ext uri="{BB962C8B-B14F-4D97-AF65-F5344CB8AC3E}">
@@ -3493,8 +3479,8 @@
         </p:nvSpPr>
         <p:spPr>
           <a:xfrm>
-            <a:off x="0" y="909935"/>
-            <a:ext cx="14630400" cy="2585323"/>
+            <a:off x="0" y="1412245"/>
+            <a:ext cx="14630400" cy="1015663"/>
           </a:xfrm>
           <a:prstGeom prst="rect">
             <a:avLst/>
@@ -3509,7 +3495,7 @@
           <a:p>
             <a:pPr algn="ctr"/>
             <a:r>
-              <a:rPr lang="en-US" sz="5400" dirty="0">
+              <a:rPr lang="en-US" sz="6000" dirty="0">
                 <a:solidFill>
                   <a:srgbClr val="286CC0"/>
                 </a:solidFill>
@@ -3518,47 +3504,588 @@
                 <a:ea typeface="Calibri" panose="020F0502020204030204" pitchFamily="34" charset="0"/>
                 <a:cs typeface="Times New Roman" panose="02020603050405020304" pitchFamily="18" charset="0"/>
               </a:rPr>
+              <a:t>Data </a:t>
+            </a:r>
+            <a:r>
+              <a:rPr lang="en-US" sz="6000" dirty="0" smtClean="0">
+                <a:solidFill>
+                  <a:srgbClr val="286CC0"/>
+                </a:solidFill>
+                <a:effectLst/>
+                <a:latin typeface="Calibri" panose="020F0502020204030204" pitchFamily="34" charset="0"/>
+                <a:ea typeface="Calibri" panose="020F0502020204030204" pitchFamily="34" charset="0"/>
+                <a:cs typeface="Times New Roman" panose="02020603050405020304" pitchFamily="18" charset="0"/>
+              </a:rPr>
+              <a:t>Visualization with R</a:t>
+            </a:r>
+            <a:endParaRPr lang="en-US" sz="6000" dirty="0">
+              <a:solidFill>
+                <a:srgbClr val="286CC0"/>
+              </a:solidFill>
+            </a:endParaRPr>
+          </a:p>
+        </p:txBody>
+      </p:sp>
+      <p:pic>
+        <p:nvPicPr>
+          <p:cNvPr id="13" name="Picture 12"/>
+          <p:cNvPicPr>
+            <a:picLocks noChangeAspect="1"/>
+          </p:cNvPicPr>
+          <p:nvPr/>
+        </p:nvPicPr>
+        <p:blipFill>
+          <a:blip r:embed="rId2"/>
+          <a:stretch>
+            <a:fillRect/>
+          </a:stretch>
+        </p:blipFill>
+        <p:spPr>
+          <a:xfrm>
+            <a:off x="140464" y="170320"/>
+            <a:ext cx="4364725" cy="942384"/>
+          </a:xfrm>
+          <a:prstGeom prst="rect">
+            <a:avLst/>
+          </a:prstGeom>
+        </p:spPr>
+      </p:pic>
+      <p:cxnSp>
+        <p:nvCxnSpPr>
+          <p:cNvPr id="15" name="Straight Connector 14">
+            <a:extLst>
+              <a:ext uri="{FF2B5EF4-FFF2-40B4-BE49-F238E27FC236}">
+                <a16:creationId xmlns:a16="http://schemas.microsoft.com/office/drawing/2014/main" id="{75ECFB75-7731-4D6E-A854-3DBDCD81A9EA}"/>
+              </a:ext>
+            </a:extLst>
+          </p:cNvPr>
+          <p:cNvCxnSpPr>
+            <a:cxnSpLocks/>
+          </p:cNvCxnSpPr>
+          <p:nvPr/>
+        </p:nvCxnSpPr>
+        <p:spPr>
+          <a:xfrm flipV="1">
+            <a:off x="0" y="2390660"/>
+            <a:ext cx="14630400" cy="2"/>
+          </a:xfrm>
+          <a:prstGeom prst="line">
+            <a:avLst/>
+          </a:prstGeom>
+          <a:ln w="69850">
+            <a:solidFill>
+              <a:srgbClr val="286CC0"/>
+            </a:solidFill>
+          </a:ln>
+        </p:spPr>
+        <p:style>
+          <a:lnRef idx="1">
+            <a:schemeClr val="accent1"/>
+          </a:lnRef>
+          <a:fillRef idx="0">
+            <a:schemeClr val="accent1"/>
+          </a:fillRef>
+          <a:effectRef idx="0">
+            <a:schemeClr val="accent1"/>
+          </a:effectRef>
+          <a:fontRef idx="minor">
+            <a:schemeClr val="tx1"/>
+          </a:fontRef>
+        </p:style>
+      </p:cxnSp>
+      <p:pic>
+        <p:nvPicPr>
+          <p:cNvPr id="16" name="Picture 15">
+            <a:extLst>
+              <a:ext uri="{FF2B5EF4-FFF2-40B4-BE49-F238E27FC236}">
+                <a16:creationId xmlns:a16="http://schemas.microsoft.com/office/drawing/2014/main" id="{70333E6D-FF40-4328-8A11-6C889750B8A4}"/>
+              </a:ext>
+            </a:extLst>
+          </p:cNvPr>
+          <p:cNvPicPr>
+            <a:picLocks noChangeAspect="1"/>
+          </p:cNvPicPr>
+          <p:nvPr/>
+        </p:nvPicPr>
+        <p:blipFill>
+          <a:blip r:embed="rId3"/>
+          <a:stretch>
+            <a:fillRect/>
+          </a:stretch>
+        </p:blipFill>
+        <p:spPr>
+          <a:xfrm>
+            <a:off x="12613998" y="0"/>
+            <a:ext cx="2016402" cy="1553378"/>
+          </a:xfrm>
+          <a:prstGeom prst="ellipse">
+            <a:avLst/>
+          </a:prstGeom>
+          <a:ln>
+            <a:noFill/>
+          </a:ln>
+          <a:effectLst>
+            <a:softEdge rad="112500"/>
+          </a:effectLst>
+        </p:spPr>
+      </p:pic>
+    </p:spTree>
+    <p:extLst>
+      <p:ext uri="{BB962C8B-B14F-4D97-AF65-F5344CB8AC3E}">
+        <p14:creationId xmlns:p14="http://schemas.microsoft.com/office/powerpoint/2010/main" val="2015510881"/>
+      </p:ext>
+    </p:extLst>
+  </p:cSld>
+  <p:clrMapOvr>
+    <a:masterClrMapping/>
+  </p:clrMapOvr>
+</p:sld>
+</file>
+
+<file path=ppt/slides/slide11.xml><?xml version="1.0" encoding="utf-8"?>
+<p:sld xmlns:a="http://schemas.openxmlformats.org/drawingml/2006/main" xmlns:r="http://schemas.openxmlformats.org/officeDocument/2006/relationships" xmlns:p="http://schemas.openxmlformats.org/presentationml/2006/main">
+  <p:cSld>
+    <p:spTree>
+      <p:nvGrpSpPr>
+        <p:cNvPr id="1" name=""/>
+        <p:cNvGrpSpPr/>
+        <p:nvPr/>
+      </p:nvGrpSpPr>
+      <p:grpSpPr>
+        <a:xfrm>
+          <a:off x="0" y="0"/>
+          <a:ext cx="0" cy="0"/>
+          <a:chOff x="0" y="0"/>
+          <a:chExt cx="0" cy="0"/>
+        </a:xfrm>
+      </p:grpSpPr>
+      <p:sp>
+        <p:nvSpPr>
+          <p:cNvPr id="9" name="TextBox 8">
+            <a:extLst>
+              <a:ext uri="{FF2B5EF4-FFF2-40B4-BE49-F238E27FC236}">
+                <a16:creationId xmlns:a16="http://schemas.microsoft.com/office/drawing/2014/main" id="{95343033-0742-40F4-BD0C-4AE6F575980C}"/>
+              </a:ext>
+            </a:extLst>
+          </p:cNvPr>
+          <p:cNvSpPr txBox="1"/>
+          <p:nvPr/>
+        </p:nvSpPr>
+        <p:spPr>
+          <a:xfrm>
+            <a:off x="-5221" y="1347508"/>
+            <a:ext cx="14630400" cy="1015663"/>
+          </a:xfrm>
+          <a:prstGeom prst="rect">
+            <a:avLst/>
+          </a:prstGeom>
+          <a:noFill/>
+        </p:spPr>
+        <p:txBody>
+          <a:bodyPr wrap="square" rtlCol="0">
+            <a:spAutoFit/>
+          </a:bodyPr>
+          <a:lstStyle/>
+          <a:p>
+            <a:pPr algn="ctr"/>
+            <a:r>
+              <a:rPr lang="en-US" sz="6000" dirty="0">
+                <a:solidFill>
+                  <a:srgbClr val="286CC0"/>
+                </a:solidFill>
+                <a:effectLst/>
+                <a:latin typeface="Calibri" panose="020F0502020204030204" pitchFamily="34" charset="0"/>
+                <a:ea typeface="Calibri" panose="020F0502020204030204" pitchFamily="34" charset="0"/>
+                <a:cs typeface="Times New Roman" panose="02020603050405020304" pitchFamily="18" charset="0"/>
+              </a:rPr>
+              <a:t>Curve </a:t>
+            </a:r>
+            <a:r>
+              <a:rPr lang="en-US" sz="6000" dirty="0" smtClean="0">
+                <a:solidFill>
+                  <a:srgbClr val="286CC0"/>
+                </a:solidFill>
+                <a:effectLst/>
+                <a:latin typeface="Calibri" panose="020F0502020204030204" pitchFamily="34" charset="0"/>
+                <a:ea typeface="Calibri" panose="020F0502020204030204" pitchFamily="34" charset="0"/>
+                <a:cs typeface="Times New Roman" panose="02020603050405020304" pitchFamily="18" charset="0"/>
+              </a:rPr>
+              <a:t>Fitting with R</a:t>
+            </a:r>
+            <a:endParaRPr lang="en-US" sz="6000" dirty="0">
+              <a:solidFill>
+                <a:srgbClr val="286CC0"/>
+              </a:solidFill>
+            </a:endParaRPr>
+          </a:p>
+        </p:txBody>
+      </p:sp>
+      <p:pic>
+        <p:nvPicPr>
+          <p:cNvPr id="8" name="Picture 7"/>
+          <p:cNvPicPr>
+            <a:picLocks noChangeAspect="1"/>
+          </p:cNvPicPr>
+          <p:nvPr/>
+        </p:nvPicPr>
+        <p:blipFill>
+          <a:blip r:embed="rId2"/>
+          <a:stretch>
+            <a:fillRect/>
+          </a:stretch>
+        </p:blipFill>
+        <p:spPr>
+          <a:xfrm>
+            <a:off x="140464" y="170320"/>
+            <a:ext cx="4364725" cy="942384"/>
+          </a:xfrm>
+          <a:prstGeom prst="rect">
+            <a:avLst/>
+          </a:prstGeom>
+        </p:spPr>
+      </p:pic>
+      <p:cxnSp>
+        <p:nvCxnSpPr>
+          <p:cNvPr id="12" name="Straight Connector 11">
+            <a:extLst>
+              <a:ext uri="{FF2B5EF4-FFF2-40B4-BE49-F238E27FC236}">
+                <a16:creationId xmlns:a16="http://schemas.microsoft.com/office/drawing/2014/main" id="{75ECFB75-7731-4D6E-A854-3DBDCD81A9EA}"/>
+              </a:ext>
+            </a:extLst>
+          </p:cNvPr>
+          <p:cNvCxnSpPr>
+            <a:cxnSpLocks/>
+          </p:cNvCxnSpPr>
+          <p:nvPr/>
+        </p:nvCxnSpPr>
+        <p:spPr>
+          <a:xfrm flipV="1">
+            <a:off x="0" y="2390660"/>
+            <a:ext cx="14630400" cy="2"/>
+          </a:xfrm>
+          <a:prstGeom prst="line">
+            <a:avLst/>
+          </a:prstGeom>
+          <a:ln w="69850">
+            <a:solidFill>
+              <a:srgbClr val="286CC0"/>
+            </a:solidFill>
+          </a:ln>
+        </p:spPr>
+        <p:style>
+          <a:lnRef idx="1">
+            <a:schemeClr val="accent1"/>
+          </a:lnRef>
+          <a:fillRef idx="0">
+            <a:schemeClr val="accent1"/>
+          </a:fillRef>
+          <a:effectRef idx="0">
+            <a:schemeClr val="accent1"/>
+          </a:effectRef>
+          <a:fontRef idx="minor">
+            <a:schemeClr val="tx1"/>
+          </a:fontRef>
+        </p:style>
+      </p:cxnSp>
+      <p:pic>
+        <p:nvPicPr>
+          <p:cNvPr id="13" name="Picture 12">
+            <a:extLst>
+              <a:ext uri="{FF2B5EF4-FFF2-40B4-BE49-F238E27FC236}">
+                <a16:creationId xmlns:a16="http://schemas.microsoft.com/office/drawing/2014/main" id="{70333E6D-FF40-4328-8A11-6C889750B8A4}"/>
+              </a:ext>
+            </a:extLst>
+          </p:cNvPr>
+          <p:cNvPicPr>
+            <a:picLocks noChangeAspect="1"/>
+          </p:cNvPicPr>
+          <p:nvPr/>
+        </p:nvPicPr>
+        <p:blipFill>
+          <a:blip r:embed="rId3"/>
+          <a:stretch>
+            <a:fillRect/>
+          </a:stretch>
+        </p:blipFill>
+        <p:spPr>
+          <a:xfrm>
+            <a:off x="12613998" y="0"/>
+            <a:ext cx="2016402" cy="1553378"/>
+          </a:xfrm>
+          <a:prstGeom prst="ellipse">
+            <a:avLst/>
+          </a:prstGeom>
+          <a:ln>
+            <a:noFill/>
+          </a:ln>
+          <a:effectLst>
+            <a:softEdge rad="112500"/>
+          </a:effectLst>
+        </p:spPr>
+      </p:pic>
+    </p:spTree>
+    <p:extLst>
+      <p:ext uri="{BB962C8B-B14F-4D97-AF65-F5344CB8AC3E}">
+        <p14:creationId xmlns:p14="http://schemas.microsoft.com/office/powerpoint/2010/main" val="773549360"/>
+      </p:ext>
+    </p:extLst>
+  </p:cSld>
+  <p:clrMapOvr>
+    <a:masterClrMapping/>
+  </p:clrMapOvr>
+</p:sld>
+</file>
+
+<file path=ppt/slides/slide12.xml><?xml version="1.0" encoding="utf-8"?>
+<p:sld xmlns:a="http://schemas.openxmlformats.org/drawingml/2006/main" xmlns:r="http://schemas.openxmlformats.org/officeDocument/2006/relationships" xmlns:p="http://schemas.openxmlformats.org/presentationml/2006/main" showMasterSp="0">
+  <p:cSld>
+    <p:spTree>
+      <p:nvGrpSpPr>
+        <p:cNvPr id="1" name=""/>
+        <p:cNvGrpSpPr/>
+        <p:nvPr/>
+      </p:nvGrpSpPr>
+      <p:grpSpPr>
+        <a:xfrm>
+          <a:off x="0" y="0"/>
+          <a:ext cx="0" cy="0"/>
+          <a:chOff x="0" y="0"/>
+          <a:chExt cx="0" cy="0"/>
+        </a:xfrm>
+      </p:grpSpPr>
+      <p:sp>
+        <p:nvSpPr>
+          <p:cNvPr id="9" name="TextBox 8">
+            <a:extLst>
+              <a:ext uri="{FF2B5EF4-FFF2-40B4-BE49-F238E27FC236}">
+                <a16:creationId xmlns:a16="http://schemas.microsoft.com/office/drawing/2014/main" id="{95343033-0742-40F4-BD0C-4AE6F575980C}"/>
+              </a:ext>
+            </a:extLst>
+          </p:cNvPr>
+          <p:cNvSpPr txBox="1"/>
+          <p:nvPr/>
+        </p:nvSpPr>
+        <p:spPr>
+          <a:xfrm>
+            <a:off x="0" y="1353285"/>
+            <a:ext cx="14630400" cy="1015663"/>
+          </a:xfrm>
+          <a:prstGeom prst="rect">
+            <a:avLst/>
+          </a:prstGeom>
+          <a:noFill/>
+        </p:spPr>
+        <p:txBody>
+          <a:bodyPr wrap="square" rtlCol="0">
+            <a:spAutoFit/>
+          </a:bodyPr>
+          <a:lstStyle/>
+          <a:p>
+            <a:pPr algn="ctr"/>
+            <a:r>
+              <a:rPr lang="en-US" sz="6000" dirty="0">
+                <a:solidFill>
+                  <a:srgbClr val="286CC0"/>
+                </a:solidFill>
+                <a:effectLst/>
+                <a:latin typeface="Calibri" panose="020F0502020204030204" pitchFamily="34" charset="0"/>
+                <a:ea typeface="Calibri" panose="020F0502020204030204" pitchFamily="34" charset="0"/>
+                <a:cs typeface="Times New Roman" panose="02020603050405020304" pitchFamily="18" charset="0"/>
+              </a:rPr>
+              <a:t>Cheminformatics with R</a:t>
+            </a:r>
+            <a:endParaRPr lang="en-US" sz="6000" dirty="0">
+              <a:solidFill>
+                <a:srgbClr val="286CC0"/>
+              </a:solidFill>
+            </a:endParaRPr>
+          </a:p>
+        </p:txBody>
+      </p:sp>
+      <p:pic>
+        <p:nvPicPr>
+          <p:cNvPr id="8" name="Picture 7"/>
+          <p:cNvPicPr>
+            <a:picLocks noChangeAspect="1"/>
+          </p:cNvPicPr>
+          <p:nvPr/>
+        </p:nvPicPr>
+        <p:blipFill>
+          <a:blip r:embed="rId2"/>
+          <a:stretch>
+            <a:fillRect/>
+          </a:stretch>
+        </p:blipFill>
+        <p:spPr>
+          <a:xfrm>
+            <a:off x="140464" y="170320"/>
+            <a:ext cx="4364725" cy="942384"/>
+          </a:xfrm>
+          <a:prstGeom prst="rect">
+            <a:avLst/>
+          </a:prstGeom>
+        </p:spPr>
+      </p:pic>
+      <p:cxnSp>
+        <p:nvCxnSpPr>
+          <p:cNvPr id="12" name="Straight Connector 11">
+            <a:extLst>
+              <a:ext uri="{FF2B5EF4-FFF2-40B4-BE49-F238E27FC236}">
+                <a16:creationId xmlns:a16="http://schemas.microsoft.com/office/drawing/2014/main" id="{75ECFB75-7731-4D6E-A854-3DBDCD81A9EA}"/>
+              </a:ext>
+            </a:extLst>
+          </p:cNvPr>
+          <p:cNvCxnSpPr>
+            <a:cxnSpLocks/>
+          </p:cNvCxnSpPr>
+          <p:nvPr/>
+        </p:nvCxnSpPr>
+        <p:spPr>
+          <a:xfrm flipV="1">
+            <a:off x="0" y="2390660"/>
+            <a:ext cx="14630400" cy="2"/>
+          </a:xfrm>
+          <a:prstGeom prst="line">
+            <a:avLst/>
+          </a:prstGeom>
+          <a:ln w="69850">
+            <a:solidFill>
+              <a:srgbClr val="286CC0"/>
+            </a:solidFill>
+          </a:ln>
+        </p:spPr>
+        <p:style>
+          <a:lnRef idx="1">
+            <a:schemeClr val="accent1"/>
+          </a:lnRef>
+          <a:fillRef idx="0">
+            <a:schemeClr val="accent1"/>
+          </a:fillRef>
+          <a:effectRef idx="0">
+            <a:schemeClr val="accent1"/>
+          </a:effectRef>
+          <a:fontRef idx="minor">
+            <a:schemeClr val="tx1"/>
+          </a:fontRef>
+        </p:style>
+      </p:cxnSp>
+      <p:pic>
+        <p:nvPicPr>
+          <p:cNvPr id="13" name="Picture 12">
+            <a:extLst>
+              <a:ext uri="{FF2B5EF4-FFF2-40B4-BE49-F238E27FC236}">
+                <a16:creationId xmlns:a16="http://schemas.microsoft.com/office/drawing/2014/main" id="{70333E6D-FF40-4328-8A11-6C889750B8A4}"/>
+              </a:ext>
+            </a:extLst>
+          </p:cNvPr>
+          <p:cNvPicPr>
+            <a:picLocks noChangeAspect="1"/>
+          </p:cNvPicPr>
+          <p:nvPr/>
+        </p:nvPicPr>
+        <p:blipFill>
+          <a:blip r:embed="rId3"/>
+          <a:stretch>
+            <a:fillRect/>
+          </a:stretch>
+        </p:blipFill>
+        <p:spPr>
+          <a:xfrm>
+            <a:off x="12613998" y="0"/>
+            <a:ext cx="2016402" cy="1553378"/>
+          </a:xfrm>
+          <a:prstGeom prst="ellipse">
+            <a:avLst/>
+          </a:prstGeom>
+          <a:ln>
+            <a:noFill/>
+          </a:ln>
+          <a:effectLst>
+            <a:softEdge rad="112500"/>
+          </a:effectLst>
+        </p:spPr>
+      </p:pic>
+    </p:spTree>
+    <p:extLst>
+      <p:ext uri="{BB962C8B-B14F-4D97-AF65-F5344CB8AC3E}">
+        <p14:creationId xmlns:p14="http://schemas.microsoft.com/office/powerpoint/2010/main" val="350584560"/>
+      </p:ext>
+    </p:extLst>
+  </p:cSld>
+  <p:clrMapOvr>
+    <a:masterClrMapping/>
+  </p:clrMapOvr>
+</p:sld>
+</file>
+
+<file path=ppt/slides/slide13.xml><?xml version="1.0" encoding="utf-8"?>
+<p:sld xmlns:a="http://schemas.openxmlformats.org/drawingml/2006/main" xmlns:r="http://schemas.openxmlformats.org/officeDocument/2006/relationships" xmlns:p="http://schemas.openxmlformats.org/presentationml/2006/main">
+  <p:cSld>
+    <p:spTree>
+      <p:nvGrpSpPr>
+        <p:cNvPr id="1" name=""/>
+        <p:cNvGrpSpPr/>
+        <p:nvPr/>
+      </p:nvGrpSpPr>
+      <p:grpSpPr>
+        <a:xfrm>
+          <a:off x="0" y="0"/>
+          <a:ext cx="0" cy="0"/>
+          <a:chOff x="0" y="0"/>
+          <a:chExt cx="0" cy="0"/>
+        </a:xfrm>
+      </p:grpSpPr>
+      <p:sp>
+        <p:nvSpPr>
+          <p:cNvPr id="9" name="TextBox 8">
+            <a:extLst>
+              <a:ext uri="{FF2B5EF4-FFF2-40B4-BE49-F238E27FC236}">
+                <a16:creationId xmlns:a16="http://schemas.microsoft.com/office/drawing/2014/main" id="{95343033-0742-40F4-BD0C-4AE6F575980C}"/>
+              </a:ext>
+            </a:extLst>
+          </p:cNvPr>
+          <p:cNvSpPr txBox="1"/>
+          <p:nvPr/>
+        </p:nvSpPr>
+        <p:spPr>
+          <a:xfrm>
+            <a:off x="0" y="1359860"/>
+            <a:ext cx="14630400" cy="1015663"/>
+          </a:xfrm>
+          <a:prstGeom prst="rect">
+            <a:avLst/>
+          </a:prstGeom>
+          <a:noFill/>
+        </p:spPr>
+        <p:txBody>
+          <a:bodyPr wrap="square" rtlCol="0">
+            <a:spAutoFit/>
+          </a:bodyPr>
+          <a:lstStyle/>
+          <a:p>
+            <a:pPr algn="ctr"/>
+            <a:r>
+              <a:rPr lang="en-US" sz="6000" dirty="0">
+                <a:solidFill>
+                  <a:srgbClr val="286CC0"/>
+                </a:solidFill>
+                <a:effectLst/>
+                <a:ea typeface="Calibri" panose="020F0502020204030204" pitchFamily="34" charset="0"/>
+                <a:cs typeface="Times New Roman" panose="02020603050405020304" pitchFamily="18" charset="0"/>
+              </a:rPr>
               <a:t>Getting Started- </a:t>
             </a:r>
             <a:r>
-              <a:rPr lang="en-US" sz="3600" dirty="0">
+              <a:rPr lang="en-US" sz="6000" dirty="0" smtClean="0">
                 <a:solidFill>
                   <a:schemeClr val="accent2">
                     <a:lumMod val="75000"/>
                   </a:schemeClr>
                 </a:solidFill>
-                <a:latin typeface="Helvetica Neue"/>
               </a:rPr>
               <a:t>Cheminformatics</a:t>
             </a:r>
-            <a:endParaRPr lang="en-US" sz="5400" dirty="0">
-              <a:solidFill>
-                <a:schemeClr val="accent2">
-                  <a:lumMod val="75000"/>
-                </a:schemeClr>
-              </a:solidFill>
-              <a:effectLst/>
-              <a:latin typeface="Calibri" panose="020F0502020204030204" pitchFamily="34" charset="0"/>
-              <a:ea typeface="Calibri" panose="020F0502020204030204" pitchFamily="34" charset="0"/>
-              <a:cs typeface="Times New Roman" panose="02020603050405020304" pitchFamily="18" charset="0"/>
-            </a:endParaRPr>
-          </a:p>
-          <a:p>
-            <a:pPr algn="ctr"/>
-            <a:r>
-              <a:rPr lang="en-US" sz="5400" b="0" i="0" dirty="0">
-                <a:solidFill>
-                  <a:srgbClr val="333333"/>
-                </a:solidFill>
-                <a:effectLst/>
-                <a:latin typeface="Helvetica Neue"/>
-              </a:rPr>
-              <a:t> </a:t>
-            </a:r>
-          </a:p>
-          <a:p>
-            <a:pPr algn="ctr"/>
-            <a:endParaRPr lang="en-US" sz="5400" dirty="0">
+            <a:endParaRPr lang="en-US" sz="6000" dirty="0">
               <a:solidFill>
                 <a:srgbClr val="286CC0"/>
               </a:solidFill>
@@ -3604,39 +4131,22 @@
       </p:pic>
       <p:pic>
         <p:nvPicPr>
-          <p:cNvPr id="14" name="Picture 13">
-            <a:extLst>
-              <a:ext uri="{FF2B5EF4-FFF2-40B4-BE49-F238E27FC236}">
-                <a16:creationId xmlns:a16="http://schemas.microsoft.com/office/drawing/2014/main" id="{68916ECB-23DB-4998-A24A-458AAFFADC67}"/>
-              </a:ext>
-            </a:extLst>
-          </p:cNvPr>
+          <p:cNvPr id="7" name="Picture 6"/>
           <p:cNvPicPr>
             <a:picLocks noChangeAspect="1"/>
           </p:cNvPicPr>
           <p:nvPr/>
         </p:nvPicPr>
         <p:blipFill>
-          <a:blip r:embed="rId3">
-            <a:clrChange>
-              <a:clrFrom>
-                <a:srgbClr val="FFFFFF"/>
-              </a:clrFrom>
-              <a:clrTo>
-                <a:srgbClr val="FFFFFF">
-                  <a:alpha val="0"/>
-                </a:srgbClr>
-              </a:clrTo>
-            </a:clrChange>
-          </a:blip>
+          <a:blip r:embed="rId3"/>
           <a:stretch>
             <a:fillRect/>
           </a:stretch>
         </p:blipFill>
         <p:spPr>
           <a:xfrm>
-            <a:off x="135175" y="214388"/>
-            <a:ext cx="2587660" cy="990339"/>
+            <a:off x="140464" y="170320"/>
+            <a:ext cx="4364725" cy="942384"/>
           </a:xfrm>
           <a:prstGeom prst="rect">
             <a:avLst/>
@@ -3645,7 +4155,7 @@
       </p:pic>
       <p:cxnSp>
         <p:nvCxnSpPr>
-          <p:cNvPr id="10" name="Straight Connector 9">
+          <p:cNvPr id="8" name="Straight Connector 7">
             <a:extLst>
               <a:ext uri="{FF2B5EF4-FFF2-40B4-BE49-F238E27FC236}">
                 <a16:creationId xmlns:a16="http://schemas.microsoft.com/office/drawing/2014/main" id="{75ECFB75-7731-4D6E-A854-3DBDCD81A9EA}"/>
@@ -3658,9 +4168,9 @@
           <p:nvPr/>
         </p:nvCxnSpPr>
         <p:spPr>
-          <a:xfrm>
-            <a:off x="3101009" y="1848778"/>
-            <a:ext cx="8412481" cy="0"/>
+          <a:xfrm flipV="1">
+            <a:off x="0" y="2390660"/>
+            <a:ext cx="14630400" cy="2"/>
           </a:xfrm>
           <a:prstGeom prst="line">
             <a:avLst/>
@@ -3699,7 +4209,7 @@
 </p:sld>
 </file>
 
-<file path=ppt/slides/slide11.xml><?xml version="1.0" encoding="utf-8"?>
+<file path=ppt/slides/slide14.xml><?xml version="1.0" encoding="utf-8"?>
 <p:sld xmlns:a="http://schemas.openxmlformats.org/drawingml/2006/main" xmlns:r="http://schemas.openxmlformats.org/officeDocument/2006/relationships" xmlns:p="http://schemas.openxmlformats.org/presentationml/2006/main">
   <p:cSld>
     <p:spTree>
@@ -3730,8 +4240,8 @@
         </p:nvSpPr>
         <p:spPr>
           <a:xfrm>
-            <a:off x="0" y="909935"/>
-            <a:ext cx="14630400" cy="1200329"/>
+            <a:off x="0" y="1365208"/>
+            <a:ext cx="14630400" cy="769441"/>
           </a:xfrm>
           <a:prstGeom prst="rect">
             <a:avLst/>
@@ -3746,7 +4256,7 @@
           <a:p>
             <a:pPr algn="ctr"/>
             <a:r>
-              <a:rPr lang="en-US" sz="3600" dirty="0">
+              <a:rPr lang="en-US" sz="4400" dirty="0">
                 <a:solidFill>
                   <a:schemeClr val="accent2">
                     <a:lumMod val="75000"/>
@@ -3757,7 +4267,7 @@
               <a:t>Cheminformatics With </a:t>
             </a:r>
             <a:r>
-              <a:rPr lang="en-US" sz="3600" b="0" i="1" dirty="0" err="1">
+              <a:rPr lang="en-US" sz="4400" b="0" i="1" dirty="0" err="1" smtClean="0">
                 <a:solidFill>
                   <a:schemeClr val="accent2">
                     <a:lumMod val="75000"/>
@@ -3768,20 +4278,8 @@
               </a:rPr>
               <a:t>ChemmineR</a:t>
             </a:r>
-            <a:endParaRPr lang="en-US" sz="3600" b="0" i="0" dirty="0">
-              <a:solidFill>
-                <a:schemeClr val="accent2">
-                  <a:lumMod val="75000"/>
-                </a:schemeClr>
-              </a:solidFill>
-              <a:effectLst/>
-              <a:latin typeface="Helvetica Neue"/>
-            </a:endParaRPr>
-          </a:p>
-          <a:p>
-            <a:pPr algn="ctr"/>
-            <a:r>
-              <a:rPr lang="en-US" sz="3600" dirty="0">
+            <a:r>
+              <a:rPr lang="en-US" sz="4400" dirty="0" smtClean="0">
                 <a:solidFill>
                   <a:schemeClr val="accent2">
                     <a:lumMod val="75000"/>
@@ -3791,7 +4289,7 @@
               </a:rPr>
               <a:t> </a:t>
             </a:r>
-            <a:endParaRPr lang="en-US" sz="5400" dirty="0">
+            <a:endParaRPr lang="en-US" sz="6600" dirty="0">
               <a:solidFill>
                 <a:schemeClr val="accent2">
                   <a:lumMod val="75000"/>
@@ -3839,47 +4337,6 @@
           <a:effectLst>
             <a:softEdge rad="112500"/>
           </a:effectLst>
-        </p:spPr>
-      </p:pic>
-      <p:pic>
-        <p:nvPicPr>
-          <p:cNvPr id="14" name="Picture 13">
-            <a:extLst>
-              <a:ext uri="{FF2B5EF4-FFF2-40B4-BE49-F238E27FC236}">
-                <a16:creationId xmlns:a16="http://schemas.microsoft.com/office/drawing/2014/main" id="{68916ECB-23DB-4998-A24A-458AAFFADC67}"/>
-              </a:ext>
-            </a:extLst>
-          </p:cNvPr>
-          <p:cNvPicPr>
-            <a:picLocks noChangeAspect="1"/>
-          </p:cNvPicPr>
-          <p:nvPr/>
-        </p:nvPicPr>
-        <p:blipFill>
-          <a:blip r:embed="rId3">
-            <a:clrChange>
-              <a:clrFrom>
-                <a:srgbClr val="FFFFFF"/>
-              </a:clrFrom>
-              <a:clrTo>
-                <a:srgbClr val="FFFFFF">
-                  <a:alpha val="0"/>
-                </a:srgbClr>
-              </a:clrTo>
-            </a:clrChange>
-          </a:blip>
-          <a:stretch>
-            <a:fillRect/>
-          </a:stretch>
-        </p:blipFill>
-        <p:spPr>
-          <a:xfrm>
-            <a:off x="135175" y="214388"/>
-            <a:ext cx="2587660" cy="990339"/>
-          </a:xfrm>
-          <a:prstGeom prst="rect">
-            <a:avLst/>
-          </a:prstGeom>
         </p:spPr>
       </p:pic>
       <p:cxnSp>
@@ -3897,9 +4354,9 @@
           <p:nvPr/>
         </p:nvCxnSpPr>
         <p:spPr>
-          <a:xfrm>
-            <a:off x="3283889" y="1705654"/>
-            <a:ext cx="8412481" cy="0"/>
+          <a:xfrm flipV="1">
+            <a:off x="3062689" y="2110264"/>
+            <a:ext cx="8622664" cy="24385"/>
           </a:xfrm>
           <a:prstGeom prst="line">
             <a:avLst/>
@@ -3925,6 +4382,30 @@
           </a:fontRef>
         </p:style>
       </p:cxnSp>
+      <p:pic>
+        <p:nvPicPr>
+          <p:cNvPr id="7" name="Picture 6"/>
+          <p:cNvPicPr>
+            <a:picLocks noChangeAspect="1"/>
+          </p:cNvPicPr>
+          <p:nvPr/>
+        </p:nvPicPr>
+        <p:blipFill>
+          <a:blip r:embed="rId3"/>
+          <a:stretch>
+            <a:fillRect/>
+          </a:stretch>
+        </p:blipFill>
+        <p:spPr>
+          <a:xfrm>
+            <a:off x="140464" y="170320"/>
+            <a:ext cx="4364725" cy="942384"/>
+          </a:xfrm>
+          <a:prstGeom prst="rect">
+            <a:avLst/>
+          </a:prstGeom>
+        </p:spPr>
+      </p:pic>
     </p:spTree>
     <p:extLst>
       <p:ext uri="{BB962C8B-B14F-4D97-AF65-F5344CB8AC3E}">
@@ -3938,7 +4419,7 @@
 </p:sld>
 </file>
 
-<file path=ppt/slides/slide12.xml><?xml version="1.0" encoding="utf-8"?>
+<file path=ppt/slides/slide15.xml><?xml version="1.0" encoding="utf-8"?>
 <p:sld xmlns:a="http://schemas.openxmlformats.org/drawingml/2006/main" xmlns:r="http://schemas.openxmlformats.org/officeDocument/2006/relationships" xmlns:p="http://schemas.openxmlformats.org/presentationml/2006/main">
   <p:cSld>
     <p:spTree>
@@ -3969,8 +4450,8 @@
         </p:nvSpPr>
         <p:spPr>
           <a:xfrm>
-            <a:off x="0" y="709557"/>
-            <a:ext cx="14630400" cy="2031325"/>
+            <a:off x="0" y="1112704"/>
+            <a:ext cx="14630400" cy="923330"/>
           </a:xfrm>
           <a:prstGeom prst="rect">
             <a:avLst/>
@@ -3996,7 +4477,7 @@
               <a:t>Cheminformatics With </a:t>
             </a:r>
             <a:r>
-              <a:rPr lang="en-US" sz="3600" b="0" i="1" dirty="0" err="1">
+              <a:rPr lang="en-US" sz="3600" b="0" i="1" dirty="0" err="1" smtClean="0">
                 <a:solidFill>
                   <a:schemeClr val="accent2">
                     <a:lumMod val="75000"/>
@@ -4007,43 +4488,6 @@
               </a:rPr>
               <a:t>rCDK</a:t>
             </a:r>
-            <a:endParaRPr lang="en-US" sz="3600" b="0" i="0" dirty="0">
-              <a:solidFill>
-                <a:schemeClr val="accent2">
-                  <a:lumMod val="75000"/>
-                </a:schemeClr>
-              </a:solidFill>
-              <a:effectLst/>
-              <a:latin typeface="Helvetica Neue"/>
-            </a:endParaRPr>
-          </a:p>
-          <a:p>
-            <a:pPr algn="ctr"/>
-            <a:r>
-              <a:rPr lang="en-US" sz="3600" dirty="0">
-                <a:solidFill>
-                  <a:schemeClr val="accent2">
-                    <a:lumMod val="75000"/>
-                  </a:schemeClr>
-                </a:solidFill>
-                <a:latin typeface="Helvetica Neue"/>
-              </a:rPr>
-              <a:t> </a:t>
-            </a:r>
-            <a:endParaRPr lang="en-US" sz="5400" dirty="0">
-              <a:solidFill>
-                <a:schemeClr val="accent2">
-                  <a:lumMod val="75000"/>
-                </a:schemeClr>
-              </a:solidFill>
-              <a:effectLst/>
-              <a:latin typeface="Calibri" panose="020F0502020204030204" pitchFamily="34" charset="0"/>
-              <a:ea typeface="Calibri" panose="020F0502020204030204" pitchFamily="34" charset="0"/>
-              <a:cs typeface="Times New Roman" panose="02020603050405020304" pitchFamily="18" charset="0"/>
-            </a:endParaRPr>
-          </a:p>
-          <a:p>
-            <a:pPr algn="ctr"/>
             <a:r>
               <a:rPr lang="en-US" sz="5400" b="0" i="0" dirty="0">
                 <a:solidFill>
@@ -4091,47 +4535,6 @@
           <a:effectLst>
             <a:softEdge rad="112500"/>
           </a:effectLst>
-        </p:spPr>
-      </p:pic>
-      <p:pic>
-        <p:nvPicPr>
-          <p:cNvPr id="14" name="Picture 13">
-            <a:extLst>
-              <a:ext uri="{FF2B5EF4-FFF2-40B4-BE49-F238E27FC236}">
-                <a16:creationId xmlns:a16="http://schemas.microsoft.com/office/drawing/2014/main" id="{68916ECB-23DB-4998-A24A-458AAFFADC67}"/>
-              </a:ext>
-            </a:extLst>
-          </p:cNvPr>
-          <p:cNvPicPr>
-            <a:picLocks noChangeAspect="1"/>
-          </p:cNvPicPr>
-          <p:nvPr/>
-        </p:nvPicPr>
-        <p:blipFill>
-          <a:blip r:embed="rId3">
-            <a:clrChange>
-              <a:clrFrom>
-                <a:srgbClr val="FFFFFF"/>
-              </a:clrFrom>
-              <a:clrTo>
-                <a:srgbClr val="FFFFFF">
-                  <a:alpha val="0"/>
-                </a:srgbClr>
-              </a:clrTo>
-            </a:clrChange>
-          </a:blip>
-          <a:stretch>
-            <a:fillRect/>
-          </a:stretch>
-        </p:blipFill>
-        <p:spPr>
-          <a:xfrm>
-            <a:off x="135175" y="214388"/>
-            <a:ext cx="2587660" cy="990339"/>
-          </a:xfrm>
-          <a:prstGeom prst="rect">
-            <a:avLst/>
-          </a:prstGeom>
         </p:spPr>
       </p:pic>
       <p:cxnSp>
@@ -4150,7 +4553,7 @@
         </p:nvCxnSpPr>
         <p:spPr>
           <a:xfrm>
-            <a:off x="3283889" y="1705654"/>
+            <a:off x="3283889" y="2058194"/>
             <a:ext cx="8412481" cy="0"/>
           </a:xfrm>
           <a:prstGeom prst="line">
@@ -4177,6 +4580,30 @@
           </a:fontRef>
         </p:style>
       </p:cxnSp>
+      <p:pic>
+        <p:nvPicPr>
+          <p:cNvPr id="7" name="Picture 6"/>
+          <p:cNvPicPr>
+            <a:picLocks noChangeAspect="1"/>
+          </p:cNvPicPr>
+          <p:nvPr/>
+        </p:nvPicPr>
+        <p:blipFill>
+          <a:blip r:embed="rId3"/>
+          <a:stretch>
+            <a:fillRect/>
+          </a:stretch>
+        </p:blipFill>
+        <p:spPr>
+          <a:xfrm>
+            <a:off x="140464" y="170320"/>
+            <a:ext cx="4364725" cy="942384"/>
+          </a:xfrm>
+          <a:prstGeom prst="rect">
+            <a:avLst/>
+          </a:prstGeom>
+        </p:spPr>
+      </p:pic>
     </p:spTree>
     <p:extLst>
       <p:ext uri="{BB962C8B-B14F-4D97-AF65-F5344CB8AC3E}">
@@ -4190,16 +4617,13 @@
 </p:sld>
 </file>
 
-<file path=ppt/slides/slide13.xml><?xml version="1.0" encoding="utf-8"?>
+<file path=ppt/slides/slide16.xml><?xml version="1.0" encoding="utf-8"?>
 <p:sld xmlns:a="http://schemas.openxmlformats.org/drawingml/2006/main" xmlns:r="http://schemas.openxmlformats.org/officeDocument/2006/relationships" xmlns:p="http://schemas.openxmlformats.org/presentationml/2006/main">
   <p:cSld>
     <p:bg>
       <p:bgPr>
         <a:solidFill>
-          <a:schemeClr val="accent1">
-            <a:lumMod val="20000"/>
-            <a:lumOff val="80000"/>
-          </a:schemeClr>
+          <a:schemeClr val="bg1"/>
         </a:solidFill>
         <a:effectLst/>
       </p:bgPr>
@@ -4232,7 +4656,7 @@
         </p:nvSpPr>
         <p:spPr>
           <a:xfrm>
-            <a:off x="0" y="909935"/>
+            <a:off x="0" y="1418048"/>
             <a:ext cx="14630400" cy="769441"/>
           </a:xfrm>
           <a:prstGeom prst="rect">
@@ -4301,47 +4725,6 @@
           <a:effectLst>
             <a:softEdge rad="112500"/>
           </a:effectLst>
-        </p:spPr>
-      </p:pic>
-      <p:pic>
-        <p:nvPicPr>
-          <p:cNvPr id="14" name="Picture 13">
-            <a:extLst>
-              <a:ext uri="{FF2B5EF4-FFF2-40B4-BE49-F238E27FC236}">
-                <a16:creationId xmlns:a16="http://schemas.microsoft.com/office/drawing/2014/main" id="{68916ECB-23DB-4998-A24A-458AAFFADC67}"/>
-              </a:ext>
-            </a:extLst>
-          </p:cNvPr>
-          <p:cNvPicPr>
-            <a:picLocks noChangeAspect="1"/>
-          </p:cNvPicPr>
-          <p:nvPr/>
-        </p:nvPicPr>
-        <p:blipFill>
-          <a:blip r:embed="rId3">
-            <a:clrChange>
-              <a:clrFrom>
-                <a:srgbClr val="FFFFFF"/>
-              </a:clrFrom>
-              <a:clrTo>
-                <a:srgbClr val="FFFFFF">
-                  <a:alpha val="0"/>
-                </a:srgbClr>
-              </a:clrTo>
-            </a:clrChange>
-          </a:blip>
-          <a:stretch>
-            <a:fillRect/>
-          </a:stretch>
-        </p:blipFill>
-        <p:spPr>
-          <a:xfrm>
-            <a:off x="135175" y="214388"/>
-            <a:ext cx="2587660" cy="990339"/>
-          </a:xfrm>
-          <a:prstGeom prst="rect">
-            <a:avLst/>
-          </a:prstGeom>
         </p:spPr>
       </p:pic>
       <p:cxnSp>
@@ -4360,7 +4743,7 @@
         </p:nvCxnSpPr>
         <p:spPr>
           <a:xfrm>
-            <a:off x="3180522" y="1824924"/>
+            <a:off x="3191539" y="2221531"/>
             <a:ext cx="8396577" cy="0"/>
           </a:xfrm>
           <a:prstGeom prst="line">
@@ -4387,6 +4770,30 @@
           </a:fontRef>
         </p:style>
       </p:cxnSp>
+      <p:pic>
+        <p:nvPicPr>
+          <p:cNvPr id="7" name="Picture 6"/>
+          <p:cNvPicPr>
+            <a:picLocks noChangeAspect="1"/>
+          </p:cNvPicPr>
+          <p:nvPr/>
+        </p:nvPicPr>
+        <p:blipFill>
+          <a:blip r:embed="rId3"/>
+          <a:stretch>
+            <a:fillRect/>
+          </a:stretch>
+        </p:blipFill>
+        <p:spPr>
+          <a:xfrm>
+            <a:off x="140464" y="170320"/>
+            <a:ext cx="4364725" cy="942384"/>
+          </a:xfrm>
+          <a:prstGeom prst="rect">
+            <a:avLst/>
+          </a:prstGeom>
+        </p:spPr>
+      </p:pic>
     </p:spTree>
     <p:extLst>
       <p:ext uri="{BB962C8B-B14F-4D97-AF65-F5344CB8AC3E}">
@@ -4406,10 +4813,7 @@
     <p:bg>
       <p:bgPr>
         <a:solidFill>
-          <a:schemeClr val="accent1">
-            <a:lumMod val="20000"/>
-            <a:lumOff val="80000"/>
-          </a:schemeClr>
+          <a:schemeClr val="bg1"/>
         </a:solidFill>
         <a:effectLst/>
       </p:bgPr>
@@ -4479,8 +4883,8 @@
         </p:nvSpPr>
         <p:spPr>
           <a:xfrm>
-            <a:off x="0" y="909935"/>
-            <a:ext cx="14630400" cy="923330"/>
+            <a:off x="0" y="1311966"/>
+            <a:ext cx="14630400" cy="1015663"/>
           </a:xfrm>
           <a:prstGeom prst="rect">
             <a:avLst/>
@@ -4495,7 +4899,7 @@
           <a:p>
             <a:pPr algn="ctr"/>
             <a:r>
-              <a:rPr lang="en-US" sz="5400" dirty="0">
+              <a:rPr lang="en-US" sz="6000" dirty="0">
                 <a:solidFill>
                   <a:srgbClr val="286CC0"/>
                 </a:solidFill>
@@ -4507,13 +4911,7 @@
       </p:sp>
       <p:pic>
         <p:nvPicPr>
-          <p:cNvPr id="11" name="Picture 10">
-            <a:extLst>
-              <a:ext uri="{FF2B5EF4-FFF2-40B4-BE49-F238E27FC236}">
-                <a16:creationId xmlns:a16="http://schemas.microsoft.com/office/drawing/2014/main" id="{70333E6D-FF40-4328-8A11-6C889750B8A4}"/>
-              </a:ext>
-            </a:extLst>
-          </p:cNvPr>
+          <p:cNvPr id="10" name="Picture 9"/>
           <p:cNvPicPr>
             <a:picLocks noChangeAspect="1"/>
           </p:cNvPicPr>
@@ -4527,55 +4925,8 @@
         </p:blipFill>
         <p:spPr>
           <a:xfrm>
-            <a:off x="13009941" y="0"/>
-            <a:ext cx="1620459" cy="1248355"/>
-          </a:xfrm>
-          <a:prstGeom prst="ellipse">
-            <a:avLst/>
-          </a:prstGeom>
-          <a:ln>
-            <a:noFill/>
-          </a:ln>
-          <a:effectLst>
-            <a:softEdge rad="112500"/>
-          </a:effectLst>
-        </p:spPr>
-      </p:pic>
-      <p:pic>
-        <p:nvPicPr>
-          <p:cNvPr id="14" name="Picture 13">
-            <a:extLst>
-              <a:ext uri="{FF2B5EF4-FFF2-40B4-BE49-F238E27FC236}">
-                <a16:creationId xmlns:a16="http://schemas.microsoft.com/office/drawing/2014/main" id="{68916ECB-23DB-4998-A24A-458AAFFADC67}"/>
-              </a:ext>
-            </a:extLst>
-          </p:cNvPr>
-          <p:cNvPicPr>
-            <a:picLocks noChangeAspect="1"/>
-          </p:cNvPicPr>
-          <p:nvPr/>
-        </p:nvPicPr>
-        <p:blipFill>
-          <a:blip r:embed="rId4">
-            <a:clrChange>
-              <a:clrFrom>
-                <a:srgbClr val="FFFFFF"/>
-              </a:clrFrom>
-              <a:clrTo>
-                <a:srgbClr val="FFFFFF">
-                  <a:alpha val="0"/>
-                </a:srgbClr>
-              </a:clrTo>
-            </a:clrChange>
-          </a:blip>
-          <a:stretch>
-            <a:fillRect/>
-          </a:stretch>
-        </p:blipFill>
-        <p:spPr>
-          <a:xfrm>
-            <a:off x="135175" y="214388"/>
-            <a:ext cx="2587660" cy="990339"/>
+            <a:off x="140464" y="170320"/>
+            <a:ext cx="4364725" cy="942384"/>
           </a:xfrm>
           <a:prstGeom prst="rect">
             <a:avLst/>
@@ -4584,10 +4935,10 @@
       </p:pic>
       <p:cxnSp>
         <p:nvCxnSpPr>
-          <p:cNvPr id="6" name="Straight Connector 5">
+          <p:cNvPr id="12" name="Straight Connector 11">
             <a:extLst>
               <a:ext uri="{FF2B5EF4-FFF2-40B4-BE49-F238E27FC236}">
-                <a16:creationId xmlns:a16="http://schemas.microsoft.com/office/drawing/2014/main" id="{4F36FEDF-BB64-41F0-A50F-35AB8F064119}"/>
+                <a16:creationId xmlns:a16="http://schemas.microsoft.com/office/drawing/2014/main" id="{75ECFB75-7731-4D6E-A854-3DBDCD81A9EA}"/>
               </a:ext>
             </a:extLst>
           </p:cNvPr>
@@ -4597,9 +4948,9 @@
           <p:nvPr/>
         </p:nvCxnSpPr>
         <p:spPr>
-          <a:xfrm>
-            <a:off x="3331597" y="1824924"/>
-            <a:ext cx="8022866" cy="0"/>
+          <a:xfrm flipV="1">
+            <a:off x="0" y="2390660"/>
+            <a:ext cx="14630400" cy="2"/>
           </a:xfrm>
           <a:prstGeom prst="line">
             <a:avLst/>
@@ -4625,6 +4976,42 @@
           </a:fontRef>
         </p:style>
       </p:cxnSp>
+      <p:pic>
+        <p:nvPicPr>
+          <p:cNvPr id="13" name="Picture 12">
+            <a:extLst>
+              <a:ext uri="{FF2B5EF4-FFF2-40B4-BE49-F238E27FC236}">
+                <a16:creationId xmlns:a16="http://schemas.microsoft.com/office/drawing/2014/main" id="{70333E6D-FF40-4328-8A11-6C889750B8A4}"/>
+              </a:ext>
+            </a:extLst>
+          </p:cNvPr>
+          <p:cNvPicPr>
+            <a:picLocks noChangeAspect="1"/>
+          </p:cNvPicPr>
+          <p:nvPr/>
+        </p:nvPicPr>
+        <p:blipFill>
+          <a:blip r:embed="rId4"/>
+          <a:stretch>
+            <a:fillRect/>
+          </a:stretch>
+        </p:blipFill>
+        <p:spPr>
+          <a:xfrm>
+            <a:off x="12613998" y="0"/>
+            <a:ext cx="2016402" cy="1553378"/>
+          </a:xfrm>
+          <a:prstGeom prst="ellipse">
+            <a:avLst/>
+          </a:prstGeom>
+          <a:ln>
+            <a:noFill/>
+          </a:ln>
+          <a:effectLst>
+            <a:softEdge rad="112500"/>
+          </a:effectLst>
+        </p:spPr>
+      </p:pic>
     </p:spTree>
     <p:extLst>
       <p:ext uri="{BB962C8B-B14F-4D97-AF65-F5344CB8AC3E}">
@@ -4641,17 +5028,6 @@
 <file path=ppt/slides/slide3.xml><?xml version="1.0" encoding="utf-8"?>
 <p:sld xmlns:a="http://schemas.openxmlformats.org/drawingml/2006/main" xmlns:r="http://schemas.openxmlformats.org/officeDocument/2006/relationships" xmlns:p="http://schemas.openxmlformats.org/presentationml/2006/main">
   <p:cSld>
-    <p:bg>
-      <p:bgPr>
-        <a:solidFill>
-          <a:schemeClr val="accent1">
-            <a:lumMod val="20000"/>
-            <a:lumOff val="80000"/>
-          </a:schemeClr>
-        </a:solidFill>
-        <a:effectLst/>
-      </p:bgPr>
-    </p:bg>
     <p:spTree>
       <p:nvGrpSpPr>
         <p:cNvPr id="1" name=""/>
@@ -4680,8 +5056,8 @@
         </p:nvSpPr>
         <p:spPr>
           <a:xfrm>
-            <a:off x="0" y="909935"/>
-            <a:ext cx="14630400" cy="923330"/>
+            <a:off x="0" y="1334362"/>
+            <a:ext cx="14630400" cy="1015663"/>
           </a:xfrm>
           <a:prstGeom prst="rect">
             <a:avLst/>
@@ -4696,7 +5072,7 @@
           <a:p>
             <a:pPr algn="ctr"/>
             <a:r>
-              <a:rPr lang="en-US" sz="5400" dirty="0">
+              <a:rPr lang="en-US" sz="6000" dirty="0">
                 <a:solidFill>
                   <a:srgbClr val="286CC0"/>
                 </a:solidFill>
@@ -4707,7 +5083,7 @@
               </a:rPr>
               <a:t>Essential of the R Language </a:t>
             </a:r>
-            <a:endParaRPr lang="en-US" sz="5400" dirty="0">
+            <a:endParaRPr lang="en-US" sz="6000" dirty="0">
               <a:solidFill>
                 <a:srgbClr val="286CC0"/>
               </a:solidFill>
@@ -4737,8 +5113,8 @@
         </p:blipFill>
         <p:spPr>
           <a:xfrm>
-            <a:off x="13009941" y="0"/>
-            <a:ext cx="1620459" cy="1248355"/>
+            <a:off x="12613998" y="0"/>
+            <a:ext cx="2016402" cy="1553378"/>
           </a:xfrm>
           <a:prstGeom prst="ellipse">
             <a:avLst/>
@@ -4753,39 +5129,22 @@
       </p:pic>
       <p:pic>
         <p:nvPicPr>
-          <p:cNvPr id="14" name="Picture 13">
-            <a:extLst>
-              <a:ext uri="{FF2B5EF4-FFF2-40B4-BE49-F238E27FC236}">
-                <a16:creationId xmlns:a16="http://schemas.microsoft.com/office/drawing/2014/main" id="{68916ECB-23DB-4998-A24A-458AAFFADC67}"/>
-              </a:ext>
-            </a:extLst>
-          </p:cNvPr>
+          <p:cNvPr id="8" name="Picture 7"/>
           <p:cNvPicPr>
             <a:picLocks noChangeAspect="1"/>
           </p:cNvPicPr>
           <p:nvPr/>
         </p:nvPicPr>
         <p:blipFill>
-          <a:blip r:embed="rId3">
-            <a:clrChange>
-              <a:clrFrom>
-                <a:srgbClr val="FFFFFF"/>
-              </a:clrFrom>
-              <a:clrTo>
-                <a:srgbClr val="FFFFFF">
-                  <a:alpha val="0"/>
-                </a:srgbClr>
-              </a:clrTo>
-            </a:clrChange>
-          </a:blip>
+          <a:blip r:embed="rId3"/>
           <a:stretch>
             <a:fillRect/>
           </a:stretch>
         </p:blipFill>
         <p:spPr>
           <a:xfrm>
-            <a:off x="135175" y="214388"/>
-            <a:ext cx="2587660" cy="990339"/>
+            <a:off x="140464" y="170320"/>
+            <a:ext cx="4364725" cy="942384"/>
           </a:xfrm>
           <a:prstGeom prst="rect">
             <a:avLst/>
@@ -4794,7 +5153,7 @@
       </p:pic>
       <p:cxnSp>
         <p:nvCxnSpPr>
-          <p:cNvPr id="10" name="Straight Connector 9">
+          <p:cNvPr id="12" name="Straight Connector 11">
             <a:extLst>
               <a:ext uri="{FF2B5EF4-FFF2-40B4-BE49-F238E27FC236}">
                 <a16:creationId xmlns:a16="http://schemas.microsoft.com/office/drawing/2014/main" id="{75ECFB75-7731-4D6E-A854-3DBDCD81A9EA}"/>
@@ -4807,9 +5166,9 @@
           <p:nvPr/>
         </p:nvCxnSpPr>
         <p:spPr>
-          <a:xfrm>
-            <a:off x="3331597" y="1824924"/>
-            <a:ext cx="8022866" cy="0"/>
+          <a:xfrm flipV="1">
+            <a:off x="0" y="2390660"/>
+            <a:ext cx="14630400" cy="2"/>
           </a:xfrm>
           <a:prstGeom prst="line">
             <a:avLst/>
@@ -4879,8 +5238,8 @@
         </p:nvSpPr>
         <p:spPr>
           <a:xfrm>
-            <a:off x="0" y="909935"/>
-            <a:ext cx="14630400" cy="923330"/>
+            <a:off x="0" y="1390211"/>
+            <a:ext cx="14630400" cy="1015663"/>
           </a:xfrm>
           <a:prstGeom prst="rect">
             <a:avLst/>
@@ -4895,7 +5254,7 @@
           <a:p>
             <a:pPr algn="ctr"/>
             <a:r>
-              <a:rPr lang="en-US" sz="5400" dirty="0">
+              <a:rPr lang="en-US" sz="6000" dirty="0">
                 <a:solidFill>
                   <a:srgbClr val="286CC0"/>
                 </a:solidFill>
@@ -4906,7 +5265,7 @@
               </a:rPr>
               <a:t>Introduction to Using R</a:t>
             </a:r>
-            <a:endParaRPr lang="en-US" sz="5400" dirty="0">
+            <a:endParaRPr lang="en-US" sz="6000" dirty="0">
               <a:solidFill>
                 <a:srgbClr val="286CC0"/>
               </a:solidFill>
@@ -4916,7 +5275,31 @@
       </p:sp>
       <p:pic>
         <p:nvPicPr>
-          <p:cNvPr id="11" name="Picture 10">
+          <p:cNvPr id="8" name="Picture 7"/>
+          <p:cNvPicPr>
+            <a:picLocks noChangeAspect="1"/>
+          </p:cNvPicPr>
+          <p:nvPr/>
+        </p:nvPicPr>
+        <p:blipFill>
+          <a:blip r:embed="rId2"/>
+          <a:stretch>
+            <a:fillRect/>
+          </a:stretch>
+        </p:blipFill>
+        <p:spPr>
+          <a:xfrm>
+            <a:off x="140464" y="170320"/>
+            <a:ext cx="4364725" cy="942384"/>
+          </a:xfrm>
+          <a:prstGeom prst="rect">
+            <a:avLst/>
+          </a:prstGeom>
+        </p:spPr>
+      </p:pic>
+      <p:pic>
+        <p:nvPicPr>
+          <p:cNvPr id="12" name="Picture 11">
             <a:extLst>
               <a:ext uri="{FF2B5EF4-FFF2-40B4-BE49-F238E27FC236}">
                 <a16:creationId xmlns:a16="http://schemas.microsoft.com/office/drawing/2014/main" id="{70333E6D-FF40-4328-8A11-6C889750B8A4}"/>
@@ -4929,15 +5312,15 @@
           <p:nvPr/>
         </p:nvPicPr>
         <p:blipFill>
-          <a:blip r:embed="rId2"/>
+          <a:blip r:embed="rId3"/>
           <a:stretch>
             <a:fillRect/>
           </a:stretch>
         </p:blipFill>
         <p:spPr>
           <a:xfrm>
-            <a:off x="13009941" y="0"/>
-            <a:ext cx="1620459" cy="1248355"/>
+            <a:off x="12613998" y="0"/>
+            <a:ext cx="2016402" cy="1553378"/>
           </a:xfrm>
           <a:prstGeom prst="ellipse">
             <a:avLst/>
@@ -4950,50 +5333,9 @@
           </a:effectLst>
         </p:spPr>
       </p:pic>
-      <p:pic>
-        <p:nvPicPr>
-          <p:cNvPr id="14" name="Picture 13">
-            <a:extLst>
-              <a:ext uri="{FF2B5EF4-FFF2-40B4-BE49-F238E27FC236}">
-                <a16:creationId xmlns:a16="http://schemas.microsoft.com/office/drawing/2014/main" id="{68916ECB-23DB-4998-A24A-458AAFFADC67}"/>
-              </a:ext>
-            </a:extLst>
-          </p:cNvPr>
-          <p:cNvPicPr>
-            <a:picLocks noChangeAspect="1"/>
-          </p:cNvPicPr>
-          <p:nvPr/>
-        </p:nvPicPr>
-        <p:blipFill>
-          <a:blip r:embed="rId3">
-            <a:clrChange>
-              <a:clrFrom>
-                <a:srgbClr val="FFFFFF"/>
-              </a:clrFrom>
-              <a:clrTo>
-                <a:srgbClr val="FFFFFF">
-                  <a:alpha val="0"/>
-                </a:srgbClr>
-              </a:clrTo>
-            </a:clrChange>
-          </a:blip>
-          <a:stretch>
-            <a:fillRect/>
-          </a:stretch>
-        </p:blipFill>
-        <p:spPr>
-          <a:xfrm>
-            <a:off x="135175" y="214388"/>
-            <a:ext cx="2587660" cy="990339"/>
-          </a:xfrm>
-          <a:prstGeom prst="rect">
-            <a:avLst/>
-          </a:prstGeom>
-        </p:spPr>
-      </p:pic>
       <p:cxnSp>
         <p:nvCxnSpPr>
-          <p:cNvPr id="10" name="Straight Connector 9">
+          <p:cNvPr id="13" name="Straight Connector 12">
             <a:extLst>
               <a:ext uri="{FF2B5EF4-FFF2-40B4-BE49-F238E27FC236}">
                 <a16:creationId xmlns:a16="http://schemas.microsoft.com/office/drawing/2014/main" id="{75ECFB75-7731-4D6E-A854-3DBDCD81A9EA}"/>
@@ -5006,9 +5348,9 @@
           <p:nvPr/>
         </p:nvCxnSpPr>
         <p:spPr>
-          <a:xfrm>
-            <a:off x="3331597" y="1824924"/>
-            <a:ext cx="8022866" cy="0"/>
+          <a:xfrm flipV="1">
+            <a:off x="0" y="2390660"/>
+            <a:ext cx="14630400" cy="2"/>
           </a:xfrm>
           <a:prstGeom prst="line">
             <a:avLst/>
@@ -5078,8 +5420,8 @@
         </p:nvSpPr>
         <p:spPr>
           <a:xfrm>
-            <a:off x="0" y="909935"/>
-            <a:ext cx="14630400" cy="769441"/>
+            <a:off x="0" y="1418048"/>
+            <a:ext cx="14630400" cy="1015663"/>
           </a:xfrm>
           <a:prstGeom prst="rect">
             <a:avLst/>
@@ -5094,34 +5436,19 @@
           <a:p>
             <a:pPr algn="ctr"/>
             <a:r>
-              <a:rPr lang="en-US" sz="4400" dirty="0">
+              <a:rPr lang="en-US" sz="6000" dirty="0">
                 <a:solidFill>
-                  <a:srgbClr val="286CC0"/>
+                  <a:srgbClr val="276BBF"/>
                 </a:solidFill>
-                <a:effectLst/>
-                <a:latin typeface="Calibri" panose="020F0502020204030204" pitchFamily="34" charset="0"/>
-                <a:ea typeface="Calibri" panose="020F0502020204030204" pitchFamily="34" charset="0"/>
-                <a:cs typeface="Times New Roman" panose="02020603050405020304" pitchFamily="18" charset="0"/>
               </a:rPr>
-              <a:t>Importing/Exporting  Data into/From R</a:t>
-            </a:r>
-            <a:endParaRPr lang="en-US" sz="4400" dirty="0">
-              <a:solidFill>
-                <a:srgbClr val="286CC0"/>
-              </a:solidFill>
-            </a:endParaRPr>
+              <a:t>R Data Import/Export</a:t>
+            </a:r>
           </a:p>
         </p:txBody>
       </p:sp>
       <p:pic>
         <p:nvPicPr>
-          <p:cNvPr id="11" name="Picture 10">
-            <a:extLst>
-              <a:ext uri="{FF2B5EF4-FFF2-40B4-BE49-F238E27FC236}">
-                <a16:creationId xmlns:a16="http://schemas.microsoft.com/office/drawing/2014/main" id="{70333E6D-FF40-4328-8A11-6C889750B8A4}"/>
-              </a:ext>
-            </a:extLst>
-          </p:cNvPr>
+          <p:cNvPr id="8" name="Picture 7"/>
           <p:cNvPicPr>
             <a:picLocks noChangeAspect="1"/>
           </p:cNvPicPr>
@@ -5135,55 +5462,8 @@
         </p:blipFill>
         <p:spPr>
           <a:xfrm>
-            <a:off x="13009941" y="0"/>
-            <a:ext cx="1620459" cy="1248355"/>
-          </a:xfrm>
-          <a:prstGeom prst="ellipse">
-            <a:avLst/>
-          </a:prstGeom>
-          <a:ln>
-            <a:noFill/>
-          </a:ln>
-          <a:effectLst>
-            <a:softEdge rad="112500"/>
-          </a:effectLst>
-        </p:spPr>
-      </p:pic>
-      <p:pic>
-        <p:nvPicPr>
-          <p:cNvPr id="14" name="Picture 13">
-            <a:extLst>
-              <a:ext uri="{FF2B5EF4-FFF2-40B4-BE49-F238E27FC236}">
-                <a16:creationId xmlns:a16="http://schemas.microsoft.com/office/drawing/2014/main" id="{68916ECB-23DB-4998-A24A-458AAFFADC67}"/>
-              </a:ext>
-            </a:extLst>
-          </p:cNvPr>
-          <p:cNvPicPr>
-            <a:picLocks noChangeAspect="1"/>
-          </p:cNvPicPr>
-          <p:nvPr/>
-        </p:nvPicPr>
-        <p:blipFill>
-          <a:blip r:embed="rId3">
-            <a:clrChange>
-              <a:clrFrom>
-                <a:srgbClr val="FFFFFF"/>
-              </a:clrFrom>
-              <a:clrTo>
-                <a:srgbClr val="FFFFFF">
-                  <a:alpha val="0"/>
-                </a:srgbClr>
-              </a:clrTo>
-            </a:clrChange>
-          </a:blip>
-          <a:stretch>
-            <a:fillRect/>
-          </a:stretch>
-        </p:blipFill>
-        <p:spPr>
-          <a:xfrm>
-            <a:off x="135175" y="214388"/>
-            <a:ext cx="2587660" cy="990339"/>
+            <a:off x="140464" y="170320"/>
+            <a:ext cx="4364725" cy="942384"/>
           </a:xfrm>
           <a:prstGeom prst="rect">
             <a:avLst/>
@@ -5192,7 +5472,7 @@
       </p:pic>
       <p:cxnSp>
         <p:nvCxnSpPr>
-          <p:cNvPr id="10" name="Straight Connector 9">
+          <p:cNvPr id="12" name="Straight Connector 11">
             <a:extLst>
               <a:ext uri="{FF2B5EF4-FFF2-40B4-BE49-F238E27FC236}">
                 <a16:creationId xmlns:a16="http://schemas.microsoft.com/office/drawing/2014/main" id="{75ECFB75-7731-4D6E-A854-3DBDCD81A9EA}"/>
@@ -5205,9 +5485,9 @@
           <p:nvPr/>
         </p:nvCxnSpPr>
         <p:spPr>
-          <a:xfrm>
-            <a:off x="2846567" y="1824924"/>
-            <a:ext cx="8937266" cy="0"/>
+          <a:xfrm flipV="1">
+            <a:off x="0" y="2390660"/>
+            <a:ext cx="14630400" cy="2"/>
           </a:xfrm>
           <a:prstGeom prst="line">
             <a:avLst/>
@@ -5233,6 +5513,42 @@
           </a:fontRef>
         </p:style>
       </p:cxnSp>
+      <p:pic>
+        <p:nvPicPr>
+          <p:cNvPr id="13" name="Picture 12">
+            <a:extLst>
+              <a:ext uri="{FF2B5EF4-FFF2-40B4-BE49-F238E27FC236}">
+                <a16:creationId xmlns:a16="http://schemas.microsoft.com/office/drawing/2014/main" id="{70333E6D-FF40-4328-8A11-6C889750B8A4}"/>
+              </a:ext>
+            </a:extLst>
+          </p:cNvPr>
+          <p:cNvPicPr>
+            <a:picLocks noChangeAspect="1"/>
+          </p:cNvPicPr>
+          <p:nvPr/>
+        </p:nvPicPr>
+        <p:blipFill>
+          <a:blip r:embed="rId3"/>
+          <a:stretch>
+            <a:fillRect/>
+          </a:stretch>
+        </p:blipFill>
+        <p:spPr>
+          <a:xfrm>
+            <a:off x="12613998" y="0"/>
+            <a:ext cx="2016402" cy="1553378"/>
+          </a:xfrm>
+          <a:prstGeom prst="ellipse">
+            <a:avLst/>
+          </a:prstGeom>
+          <a:ln>
+            <a:noFill/>
+          </a:ln>
+          <a:effectLst>
+            <a:softEdge rad="112500"/>
+          </a:effectLst>
+        </p:spPr>
+      </p:pic>
     </p:spTree>
     <p:extLst>
       <p:ext uri="{BB962C8B-B14F-4D97-AF65-F5344CB8AC3E}">
@@ -5277,8 +5593,8 @@
         </p:nvSpPr>
         <p:spPr>
           <a:xfrm>
-            <a:off x="0" y="909935"/>
-            <a:ext cx="14630400" cy="923330"/>
+            <a:off x="-5221" y="1372890"/>
+            <a:ext cx="14630400" cy="984885"/>
           </a:xfrm>
           <a:prstGeom prst="rect">
             <a:avLst/>
@@ -5293,7 +5609,7 @@
           <a:p>
             <a:pPr algn="ctr"/>
             <a:r>
-              <a:rPr lang="en-US" sz="5400" dirty="0">
+              <a:rPr lang="en-US" sz="5800" dirty="0">
                 <a:solidFill>
                   <a:srgbClr val="286CC0"/>
                 </a:solidFill>
@@ -5302,9 +5618,21 @@
                 <a:ea typeface="Calibri" panose="020F0502020204030204" pitchFamily="34" charset="0"/>
                 <a:cs typeface="Times New Roman" panose="02020603050405020304" pitchFamily="18" charset="0"/>
               </a:rPr>
-              <a:t>Data Visualization</a:t>
-            </a:r>
-            <a:endParaRPr lang="en-US" sz="5400" dirty="0">
+              <a:t>Data </a:t>
+            </a:r>
+            <a:r>
+              <a:rPr lang="en-US" sz="5800" dirty="0" smtClean="0">
+                <a:solidFill>
+                  <a:srgbClr val="286CC0"/>
+                </a:solidFill>
+                <a:effectLst/>
+                <a:latin typeface="Calibri" panose="020F0502020204030204" pitchFamily="34" charset="0"/>
+                <a:ea typeface="Calibri" panose="020F0502020204030204" pitchFamily="34" charset="0"/>
+                <a:cs typeface="Times New Roman" panose="02020603050405020304" pitchFamily="18" charset="0"/>
+              </a:rPr>
+              <a:t>Wrangling with R</a:t>
+            </a:r>
+            <a:endParaRPr lang="en-US" sz="5800" dirty="0">
               <a:solidFill>
                 <a:srgbClr val="286CC0"/>
               </a:solidFill>
@@ -5334,7 +5662,7 @@
         </p:blipFill>
         <p:spPr>
           <a:xfrm>
-            <a:off x="13009941" y="0"/>
+            <a:off x="13004720" y="-5558"/>
             <a:ext cx="1620459" cy="1248355"/>
           </a:xfrm>
           <a:prstGeom prst="ellipse">
@@ -5350,39 +5678,22 @@
       </p:pic>
       <p:pic>
         <p:nvPicPr>
-          <p:cNvPr id="14" name="Picture 13">
-            <a:extLst>
-              <a:ext uri="{FF2B5EF4-FFF2-40B4-BE49-F238E27FC236}">
-                <a16:creationId xmlns:a16="http://schemas.microsoft.com/office/drawing/2014/main" id="{68916ECB-23DB-4998-A24A-458AAFFADC67}"/>
-              </a:ext>
-            </a:extLst>
-          </p:cNvPr>
+          <p:cNvPr id="12" name="Picture 11"/>
           <p:cNvPicPr>
             <a:picLocks noChangeAspect="1"/>
           </p:cNvPicPr>
           <p:nvPr/>
         </p:nvPicPr>
         <p:blipFill>
-          <a:blip r:embed="rId3">
-            <a:clrChange>
-              <a:clrFrom>
-                <a:srgbClr val="FFFFFF"/>
-              </a:clrFrom>
-              <a:clrTo>
-                <a:srgbClr val="FFFFFF">
-                  <a:alpha val="0"/>
-                </a:srgbClr>
-              </a:clrTo>
-            </a:clrChange>
-          </a:blip>
+          <a:blip r:embed="rId3"/>
           <a:stretch>
             <a:fillRect/>
           </a:stretch>
         </p:blipFill>
         <p:spPr>
           <a:xfrm>
-            <a:off x="135175" y="214388"/>
-            <a:ext cx="2587660" cy="990339"/>
+            <a:off x="140464" y="170320"/>
+            <a:ext cx="4364725" cy="942384"/>
           </a:xfrm>
           <a:prstGeom prst="rect">
             <a:avLst/>
@@ -5391,7 +5702,7 @@
       </p:pic>
       <p:cxnSp>
         <p:nvCxnSpPr>
-          <p:cNvPr id="10" name="Straight Connector 9">
+          <p:cNvPr id="7" name="Straight Connector 6">
             <a:extLst>
               <a:ext uri="{FF2B5EF4-FFF2-40B4-BE49-F238E27FC236}">
                 <a16:creationId xmlns:a16="http://schemas.microsoft.com/office/drawing/2014/main" id="{75ECFB75-7731-4D6E-A854-3DBDCD81A9EA}"/>
@@ -5404,9 +5715,9 @@
           <p:nvPr/>
         </p:nvCxnSpPr>
         <p:spPr>
-          <a:xfrm>
-            <a:off x="3331597" y="1824924"/>
-            <a:ext cx="8022866" cy="0"/>
+          <a:xfrm flipV="1">
+            <a:off x="0" y="2390660"/>
+            <a:ext cx="14630400" cy="2"/>
           </a:xfrm>
           <a:prstGeom prst="line">
             <a:avLst/>
@@ -5435,7 +5746,7 @@
     </p:spTree>
     <p:extLst>
       <p:ext uri="{BB962C8B-B14F-4D97-AF65-F5344CB8AC3E}">
-        <p14:creationId xmlns:p14="http://schemas.microsoft.com/office/powerpoint/2010/main" val="2015510881"/>
+        <p14:creationId xmlns:p14="http://schemas.microsoft.com/office/powerpoint/2010/main" val="779916061"/>
       </p:ext>
     </p:extLst>
   </p:cSld>
@@ -5476,8 +5787,8 @@
         </p:nvSpPr>
         <p:spPr>
           <a:xfrm>
-            <a:off x="0" y="909935"/>
-            <a:ext cx="14630400" cy="923330"/>
+            <a:off x="140464" y="1362795"/>
+            <a:ext cx="14080994" cy="984885"/>
           </a:xfrm>
           <a:prstGeom prst="rect">
             <a:avLst/>
@@ -5492,16 +5803,18 @@
           <a:p>
             <a:pPr algn="ctr"/>
             <a:r>
-              <a:rPr lang="en-US" sz="5400" dirty="0">
+              <a:rPr lang="en-US" sz="5800" dirty="0" smtClean="0">
                 <a:solidFill>
                   <a:srgbClr val="286CC0"/>
                 </a:solidFill>
+                <a:effectLst/>
                 <a:latin typeface="Calibri" panose="020F0502020204030204" pitchFamily="34" charset="0"/>
+                <a:ea typeface="Calibri" panose="020F0502020204030204" pitchFamily="34" charset="0"/>
                 <a:cs typeface="Times New Roman" panose="02020603050405020304" pitchFamily="18" charset="0"/>
               </a:rPr>
-              <a:t>Basic Statistics</a:t>
-            </a:r>
-            <a:endParaRPr lang="en-US" sz="5400" dirty="0">
+              <a:t>Simple Mathematics with R</a:t>
+            </a:r>
+            <a:endParaRPr lang="en-US" sz="5800" dirty="0">
               <a:solidFill>
                 <a:srgbClr val="286CC0"/>
               </a:solidFill>
@@ -5511,13 +5824,7 @@
       </p:sp>
       <p:pic>
         <p:nvPicPr>
-          <p:cNvPr id="11" name="Picture 10">
-            <a:extLst>
-              <a:ext uri="{FF2B5EF4-FFF2-40B4-BE49-F238E27FC236}">
-                <a16:creationId xmlns:a16="http://schemas.microsoft.com/office/drawing/2014/main" id="{70333E6D-FF40-4328-8A11-6C889750B8A4}"/>
-              </a:ext>
-            </a:extLst>
-          </p:cNvPr>
+          <p:cNvPr id="12" name="Picture 11"/>
           <p:cNvPicPr>
             <a:picLocks noChangeAspect="1"/>
           </p:cNvPicPr>
@@ -5531,55 +5838,8 @@
         </p:blipFill>
         <p:spPr>
           <a:xfrm>
-            <a:off x="13009941" y="0"/>
-            <a:ext cx="1620459" cy="1248355"/>
-          </a:xfrm>
-          <a:prstGeom prst="ellipse">
-            <a:avLst/>
-          </a:prstGeom>
-          <a:ln>
-            <a:noFill/>
-          </a:ln>
-          <a:effectLst>
-            <a:softEdge rad="112500"/>
-          </a:effectLst>
-        </p:spPr>
-      </p:pic>
-      <p:pic>
-        <p:nvPicPr>
-          <p:cNvPr id="14" name="Picture 13">
-            <a:extLst>
-              <a:ext uri="{FF2B5EF4-FFF2-40B4-BE49-F238E27FC236}">
-                <a16:creationId xmlns:a16="http://schemas.microsoft.com/office/drawing/2014/main" id="{68916ECB-23DB-4998-A24A-458AAFFADC67}"/>
-              </a:ext>
-            </a:extLst>
-          </p:cNvPr>
-          <p:cNvPicPr>
-            <a:picLocks noChangeAspect="1"/>
-          </p:cNvPicPr>
-          <p:nvPr/>
-        </p:nvPicPr>
-        <p:blipFill>
-          <a:blip r:embed="rId3">
-            <a:clrChange>
-              <a:clrFrom>
-                <a:srgbClr val="FFFFFF"/>
-              </a:clrFrom>
-              <a:clrTo>
-                <a:srgbClr val="FFFFFF">
-                  <a:alpha val="0"/>
-                </a:srgbClr>
-              </a:clrTo>
-            </a:clrChange>
-          </a:blip>
-          <a:stretch>
-            <a:fillRect/>
-          </a:stretch>
-        </p:blipFill>
-        <p:spPr>
-          <a:xfrm>
-            <a:off x="135175" y="214388"/>
-            <a:ext cx="2587660" cy="990339"/>
+            <a:off x="140464" y="170320"/>
+            <a:ext cx="4364725" cy="942384"/>
           </a:xfrm>
           <a:prstGeom prst="rect">
             <a:avLst/>
@@ -5588,7 +5848,7 @@
       </p:pic>
       <p:cxnSp>
         <p:nvCxnSpPr>
-          <p:cNvPr id="10" name="Straight Connector 9">
+          <p:cNvPr id="15" name="Straight Connector 14">
             <a:extLst>
               <a:ext uri="{FF2B5EF4-FFF2-40B4-BE49-F238E27FC236}">
                 <a16:creationId xmlns:a16="http://schemas.microsoft.com/office/drawing/2014/main" id="{75ECFB75-7731-4D6E-A854-3DBDCD81A9EA}"/>
@@ -5601,9 +5861,9 @@
           <p:nvPr/>
         </p:nvCxnSpPr>
         <p:spPr>
-          <a:xfrm>
-            <a:off x="3331597" y="1824924"/>
-            <a:ext cx="8022866" cy="0"/>
+          <a:xfrm flipV="1">
+            <a:off x="0" y="2390660"/>
+            <a:ext cx="14630400" cy="2"/>
           </a:xfrm>
           <a:prstGeom prst="line">
             <a:avLst/>
@@ -5629,10 +5889,46 @@
           </a:fontRef>
         </p:style>
       </p:cxnSp>
+      <p:pic>
+        <p:nvPicPr>
+          <p:cNvPr id="16" name="Picture 15">
+            <a:extLst>
+              <a:ext uri="{FF2B5EF4-FFF2-40B4-BE49-F238E27FC236}">
+                <a16:creationId xmlns:a16="http://schemas.microsoft.com/office/drawing/2014/main" id="{70333E6D-FF40-4328-8A11-6C889750B8A4}"/>
+              </a:ext>
+            </a:extLst>
+          </p:cNvPr>
+          <p:cNvPicPr>
+            <a:picLocks noChangeAspect="1"/>
+          </p:cNvPicPr>
+          <p:nvPr/>
+        </p:nvPicPr>
+        <p:blipFill>
+          <a:blip r:embed="rId3"/>
+          <a:stretch>
+            <a:fillRect/>
+          </a:stretch>
+        </p:blipFill>
+        <p:spPr>
+          <a:xfrm>
+            <a:off x="12613998" y="0"/>
+            <a:ext cx="2016402" cy="1553378"/>
+          </a:xfrm>
+          <a:prstGeom prst="ellipse">
+            <a:avLst/>
+          </a:prstGeom>
+          <a:ln>
+            <a:noFill/>
+          </a:ln>
+          <a:effectLst>
+            <a:softEdge rad="112500"/>
+          </a:effectLst>
+        </p:spPr>
+      </p:pic>
     </p:spTree>
     <p:extLst>
       <p:ext uri="{BB962C8B-B14F-4D97-AF65-F5344CB8AC3E}">
-        <p14:creationId xmlns:p14="http://schemas.microsoft.com/office/powerpoint/2010/main" val="1893343646"/>
+        <p14:creationId xmlns:p14="http://schemas.microsoft.com/office/powerpoint/2010/main" val="4191780948"/>
       </p:ext>
     </p:extLst>
   </p:cSld>
@@ -5645,17 +5941,6 @@
 <file path=ppt/slides/slide8.xml><?xml version="1.0" encoding="utf-8"?>
 <p:sld xmlns:a="http://schemas.openxmlformats.org/drawingml/2006/main" xmlns:r="http://schemas.openxmlformats.org/officeDocument/2006/relationships" xmlns:p="http://schemas.openxmlformats.org/presentationml/2006/main">
   <p:cSld>
-    <p:bg>
-      <p:bgPr>
-        <a:solidFill>
-          <a:schemeClr val="accent1">
-            <a:lumMod val="20000"/>
-            <a:lumOff val="80000"/>
-          </a:schemeClr>
-        </a:solidFill>
-        <a:effectLst/>
-      </p:bgPr>
-    </p:bg>
     <p:spTree>
       <p:nvGrpSpPr>
         <p:cNvPr id="1" name=""/>
@@ -5684,8 +5969,8 @@
         </p:nvSpPr>
         <p:spPr>
           <a:xfrm>
-            <a:off x="0" y="909935"/>
-            <a:ext cx="14630400" cy="923330"/>
+            <a:off x="0" y="1397781"/>
+            <a:ext cx="14630400" cy="1015663"/>
           </a:xfrm>
           <a:prstGeom prst="rect">
             <a:avLst/>
@@ -5700,18 +5985,26 @@
           <a:p>
             <a:pPr algn="ctr"/>
             <a:r>
-              <a:rPr lang="en-US" sz="5400" dirty="0">
+              <a:rPr lang="en-US" sz="6000" dirty="0">
                 <a:solidFill>
                   <a:srgbClr val="286CC0"/>
                 </a:solidFill>
-                <a:effectLst/>
                 <a:latin typeface="Calibri" panose="020F0502020204030204" pitchFamily="34" charset="0"/>
-                <a:ea typeface="Calibri" panose="020F0502020204030204" pitchFamily="34" charset="0"/>
                 <a:cs typeface="Times New Roman" panose="02020603050405020304" pitchFamily="18" charset="0"/>
               </a:rPr>
-              <a:t>Curve Fitting With R</a:t>
-            </a:r>
-            <a:endParaRPr lang="en-US" sz="5400" dirty="0">
+              <a:t>Basic </a:t>
+            </a:r>
+            <a:r>
+              <a:rPr lang="en-US" sz="6000" dirty="0" smtClean="0">
+                <a:solidFill>
+                  <a:srgbClr val="286CC0"/>
+                </a:solidFill>
+                <a:latin typeface="Calibri" panose="020F0502020204030204" pitchFamily="34" charset="0"/>
+                <a:cs typeface="Times New Roman" panose="02020603050405020304" pitchFamily="18" charset="0"/>
+              </a:rPr>
+              <a:t>Statistics with R</a:t>
+            </a:r>
+            <a:endParaRPr lang="en-US" sz="6000" dirty="0">
               <a:solidFill>
                 <a:srgbClr val="286CC0"/>
               </a:solidFill>
@@ -5721,13 +6014,7 @@
       </p:sp>
       <p:pic>
         <p:nvPicPr>
-          <p:cNvPr id="11" name="Picture 10">
-            <a:extLst>
-              <a:ext uri="{FF2B5EF4-FFF2-40B4-BE49-F238E27FC236}">
-                <a16:creationId xmlns:a16="http://schemas.microsoft.com/office/drawing/2014/main" id="{70333E6D-FF40-4328-8A11-6C889750B8A4}"/>
-              </a:ext>
-            </a:extLst>
-          </p:cNvPr>
+          <p:cNvPr id="8" name="Picture 7"/>
           <p:cNvPicPr>
             <a:picLocks noChangeAspect="1"/>
           </p:cNvPicPr>
@@ -5741,55 +6028,8 @@
         </p:blipFill>
         <p:spPr>
           <a:xfrm>
-            <a:off x="13009941" y="0"/>
-            <a:ext cx="1620459" cy="1248355"/>
-          </a:xfrm>
-          <a:prstGeom prst="ellipse">
-            <a:avLst/>
-          </a:prstGeom>
-          <a:ln>
-            <a:noFill/>
-          </a:ln>
-          <a:effectLst>
-            <a:softEdge rad="112500"/>
-          </a:effectLst>
-        </p:spPr>
-      </p:pic>
-      <p:pic>
-        <p:nvPicPr>
-          <p:cNvPr id="14" name="Picture 13">
-            <a:extLst>
-              <a:ext uri="{FF2B5EF4-FFF2-40B4-BE49-F238E27FC236}">
-                <a16:creationId xmlns:a16="http://schemas.microsoft.com/office/drawing/2014/main" id="{68916ECB-23DB-4998-A24A-458AAFFADC67}"/>
-              </a:ext>
-            </a:extLst>
-          </p:cNvPr>
-          <p:cNvPicPr>
-            <a:picLocks noChangeAspect="1"/>
-          </p:cNvPicPr>
-          <p:nvPr/>
-        </p:nvPicPr>
-        <p:blipFill>
-          <a:blip r:embed="rId3">
-            <a:clrChange>
-              <a:clrFrom>
-                <a:srgbClr val="FFFFFF"/>
-              </a:clrFrom>
-              <a:clrTo>
-                <a:srgbClr val="FFFFFF">
-                  <a:alpha val="0"/>
-                </a:srgbClr>
-              </a:clrTo>
-            </a:clrChange>
-          </a:blip>
-          <a:stretch>
-            <a:fillRect/>
-          </a:stretch>
-        </p:blipFill>
-        <p:spPr>
-          <a:xfrm>
-            <a:off x="135175" y="214388"/>
-            <a:ext cx="2587660" cy="990339"/>
+            <a:off x="140464" y="170320"/>
+            <a:ext cx="4364725" cy="942384"/>
           </a:xfrm>
           <a:prstGeom prst="rect">
             <a:avLst/>
@@ -5798,7 +6038,7 @@
       </p:pic>
       <p:cxnSp>
         <p:nvCxnSpPr>
-          <p:cNvPr id="10" name="Straight Connector 9">
+          <p:cNvPr id="12" name="Straight Connector 11">
             <a:extLst>
               <a:ext uri="{FF2B5EF4-FFF2-40B4-BE49-F238E27FC236}">
                 <a16:creationId xmlns:a16="http://schemas.microsoft.com/office/drawing/2014/main" id="{75ECFB75-7731-4D6E-A854-3DBDCD81A9EA}"/>
@@ -5811,9 +6051,9 @@
           <p:nvPr/>
         </p:nvCxnSpPr>
         <p:spPr>
-          <a:xfrm>
-            <a:off x="3331597" y="1824924"/>
-            <a:ext cx="8022866" cy="0"/>
+          <a:xfrm flipV="1">
+            <a:off x="0" y="2390660"/>
+            <a:ext cx="14630400" cy="2"/>
           </a:xfrm>
           <a:prstGeom prst="line">
             <a:avLst/>
@@ -5839,10 +6079,46 @@
           </a:fontRef>
         </p:style>
       </p:cxnSp>
+      <p:pic>
+        <p:nvPicPr>
+          <p:cNvPr id="15" name="Picture 14">
+            <a:extLst>
+              <a:ext uri="{FF2B5EF4-FFF2-40B4-BE49-F238E27FC236}">
+                <a16:creationId xmlns:a16="http://schemas.microsoft.com/office/drawing/2014/main" id="{70333E6D-FF40-4328-8A11-6C889750B8A4}"/>
+              </a:ext>
+            </a:extLst>
+          </p:cNvPr>
+          <p:cNvPicPr>
+            <a:picLocks noChangeAspect="1"/>
+          </p:cNvPicPr>
+          <p:nvPr/>
+        </p:nvPicPr>
+        <p:blipFill>
+          <a:blip r:embed="rId3"/>
+          <a:stretch>
+            <a:fillRect/>
+          </a:stretch>
+        </p:blipFill>
+        <p:spPr>
+          <a:xfrm>
+            <a:off x="12613998" y="-5132"/>
+            <a:ext cx="2016402" cy="1553378"/>
+          </a:xfrm>
+          <a:prstGeom prst="ellipse">
+            <a:avLst/>
+          </a:prstGeom>
+          <a:ln>
+            <a:noFill/>
+          </a:ln>
+          <a:effectLst>
+            <a:softEdge rad="112500"/>
+          </a:effectLst>
+        </p:spPr>
+      </p:pic>
     </p:spTree>
     <p:extLst>
       <p:ext uri="{BB962C8B-B14F-4D97-AF65-F5344CB8AC3E}">
-        <p14:creationId xmlns:p14="http://schemas.microsoft.com/office/powerpoint/2010/main" val="773549360"/>
+        <p14:creationId xmlns:p14="http://schemas.microsoft.com/office/powerpoint/2010/main" val="1893343646"/>
       </p:ext>
     </p:extLst>
   </p:cSld>
@@ -5855,17 +6131,6 @@
 <file path=ppt/slides/slide9.xml><?xml version="1.0" encoding="utf-8"?>
 <p:sld xmlns:a="http://schemas.openxmlformats.org/drawingml/2006/main" xmlns:r="http://schemas.openxmlformats.org/officeDocument/2006/relationships" xmlns:p="http://schemas.openxmlformats.org/presentationml/2006/main">
   <p:cSld>
-    <p:bg>
-      <p:bgPr>
-        <a:solidFill>
-          <a:schemeClr val="accent1">
-            <a:lumMod val="20000"/>
-            <a:lumOff val="80000"/>
-          </a:schemeClr>
-        </a:solidFill>
-        <a:effectLst/>
-      </p:bgPr>
-    </p:bg>
     <p:spTree>
       <p:nvGrpSpPr>
         <p:cNvPr id="1" name=""/>
@@ -5894,8 +6159,8 @@
         </p:nvSpPr>
         <p:spPr>
           <a:xfrm>
-            <a:off x="0" y="909935"/>
-            <a:ext cx="14630400" cy="923330"/>
+            <a:off x="0" y="1325474"/>
+            <a:ext cx="14630400" cy="1015663"/>
           </a:xfrm>
           <a:prstGeom prst="rect">
             <a:avLst/>
@@ -5910,18 +6175,16 @@
           <a:p>
             <a:pPr algn="ctr"/>
             <a:r>
-              <a:rPr lang="en-US" sz="5400" dirty="0">
+              <a:rPr lang="en-US" sz="6000" dirty="0" smtClean="0">
                 <a:solidFill>
                   <a:srgbClr val="286CC0"/>
                 </a:solidFill>
-                <a:effectLst/>
                 <a:latin typeface="Calibri" panose="020F0502020204030204" pitchFamily="34" charset="0"/>
-                <a:ea typeface="Calibri" panose="020F0502020204030204" pitchFamily="34" charset="0"/>
                 <a:cs typeface="Times New Roman" panose="02020603050405020304" pitchFamily="18" charset="0"/>
               </a:rPr>
-              <a:t>Cheminformatics with R</a:t>
-            </a:r>
-            <a:endParaRPr lang="en-US" sz="5400" dirty="0">
+              <a:t>Multivariate Statistics with R</a:t>
+            </a:r>
+            <a:endParaRPr lang="en-US" sz="6000" dirty="0">
               <a:solidFill>
                 <a:srgbClr val="286CC0"/>
               </a:solidFill>
@@ -5931,13 +6194,7 @@
       </p:sp>
       <p:pic>
         <p:nvPicPr>
-          <p:cNvPr id="11" name="Picture 10">
-            <a:extLst>
-              <a:ext uri="{FF2B5EF4-FFF2-40B4-BE49-F238E27FC236}">
-                <a16:creationId xmlns:a16="http://schemas.microsoft.com/office/drawing/2014/main" id="{70333E6D-FF40-4328-8A11-6C889750B8A4}"/>
-              </a:ext>
-            </a:extLst>
-          </p:cNvPr>
+          <p:cNvPr id="8" name="Picture 7"/>
           <p:cNvPicPr>
             <a:picLocks noChangeAspect="1"/>
           </p:cNvPicPr>
@@ -5951,55 +6208,8 @@
         </p:blipFill>
         <p:spPr>
           <a:xfrm>
-            <a:off x="13009941" y="0"/>
-            <a:ext cx="1620459" cy="1248355"/>
-          </a:xfrm>
-          <a:prstGeom prst="ellipse">
-            <a:avLst/>
-          </a:prstGeom>
-          <a:ln>
-            <a:noFill/>
-          </a:ln>
-          <a:effectLst>
-            <a:softEdge rad="112500"/>
-          </a:effectLst>
-        </p:spPr>
-      </p:pic>
-      <p:pic>
-        <p:nvPicPr>
-          <p:cNvPr id="14" name="Picture 13">
-            <a:extLst>
-              <a:ext uri="{FF2B5EF4-FFF2-40B4-BE49-F238E27FC236}">
-                <a16:creationId xmlns:a16="http://schemas.microsoft.com/office/drawing/2014/main" id="{68916ECB-23DB-4998-A24A-458AAFFADC67}"/>
-              </a:ext>
-            </a:extLst>
-          </p:cNvPr>
-          <p:cNvPicPr>
-            <a:picLocks noChangeAspect="1"/>
-          </p:cNvPicPr>
-          <p:nvPr/>
-        </p:nvPicPr>
-        <p:blipFill>
-          <a:blip r:embed="rId3">
-            <a:clrChange>
-              <a:clrFrom>
-                <a:srgbClr val="FFFFFF"/>
-              </a:clrFrom>
-              <a:clrTo>
-                <a:srgbClr val="FFFFFF">
-                  <a:alpha val="0"/>
-                </a:srgbClr>
-              </a:clrTo>
-            </a:clrChange>
-          </a:blip>
-          <a:stretch>
-            <a:fillRect/>
-          </a:stretch>
-        </p:blipFill>
-        <p:spPr>
-          <a:xfrm>
-            <a:off x="135175" y="214388"/>
-            <a:ext cx="2587660" cy="990339"/>
+            <a:off x="140464" y="170320"/>
+            <a:ext cx="4364725" cy="942384"/>
           </a:xfrm>
           <a:prstGeom prst="rect">
             <a:avLst/>
@@ -6008,7 +6218,7 @@
       </p:pic>
       <p:cxnSp>
         <p:nvCxnSpPr>
-          <p:cNvPr id="10" name="Straight Connector 9">
+          <p:cNvPr id="6" name="Straight Connector 5">
             <a:extLst>
               <a:ext uri="{FF2B5EF4-FFF2-40B4-BE49-F238E27FC236}">
                 <a16:creationId xmlns:a16="http://schemas.microsoft.com/office/drawing/2014/main" id="{75ECFB75-7731-4D6E-A854-3DBDCD81A9EA}"/>
@@ -6021,9 +6231,9 @@
           <p:nvPr/>
         </p:nvCxnSpPr>
         <p:spPr>
-          <a:xfrm>
-            <a:off x="3331597" y="1824924"/>
-            <a:ext cx="8022866" cy="0"/>
+          <a:xfrm flipV="1">
+            <a:off x="0" y="2390660"/>
+            <a:ext cx="14630400" cy="2"/>
           </a:xfrm>
           <a:prstGeom prst="line">
             <a:avLst/>
@@ -6049,10 +6259,46 @@
           </a:fontRef>
         </p:style>
       </p:cxnSp>
+      <p:pic>
+        <p:nvPicPr>
+          <p:cNvPr id="7" name="Picture 6">
+            <a:extLst>
+              <a:ext uri="{FF2B5EF4-FFF2-40B4-BE49-F238E27FC236}">
+                <a16:creationId xmlns:a16="http://schemas.microsoft.com/office/drawing/2014/main" id="{70333E6D-FF40-4328-8A11-6C889750B8A4}"/>
+              </a:ext>
+            </a:extLst>
+          </p:cNvPr>
+          <p:cNvPicPr>
+            <a:picLocks noChangeAspect="1"/>
+          </p:cNvPicPr>
+          <p:nvPr/>
+        </p:nvPicPr>
+        <p:blipFill>
+          <a:blip r:embed="rId3"/>
+          <a:stretch>
+            <a:fillRect/>
+          </a:stretch>
+        </p:blipFill>
+        <p:spPr>
+          <a:xfrm>
+            <a:off x="12613998" y="-5132"/>
+            <a:ext cx="2016402" cy="1553378"/>
+          </a:xfrm>
+          <a:prstGeom prst="ellipse">
+            <a:avLst/>
+          </a:prstGeom>
+          <a:ln>
+            <a:noFill/>
+          </a:ln>
+          <a:effectLst>
+            <a:softEdge rad="112500"/>
+          </a:effectLst>
+        </p:spPr>
+      </p:pic>
     </p:spTree>
     <p:extLst>
       <p:ext uri="{BB962C8B-B14F-4D97-AF65-F5344CB8AC3E}">
-        <p14:creationId xmlns:p14="http://schemas.microsoft.com/office/powerpoint/2010/main" val="350584560"/>
+        <p14:creationId xmlns:p14="http://schemas.microsoft.com/office/powerpoint/2010/main" val="3991078591"/>
       </p:ext>
     </p:extLst>
   </p:cSld>

--- a/Image/Banners.pptx
+++ b/Image/Banners.pptx
@@ -11,16 +11,20 @@
     <p:sldId id="266" r:id="rId5"/>
     <p:sldId id="267" r:id="rId6"/>
     <p:sldId id="274" r:id="rId7"/>
-    <p:sldId id="272" r:id="rId8"/>
-    <p:sldId id="265" r:id="rId9"/>
-    <p:sldId id="273" r:id="rId10"/>
-    <p:sldId id="262" r:id="rId11"/>
-    <p:sldId id="263" r:id="rId12"/>
-    <p:sldId id="264" r:id="rId13"/>
-    <p:sldId id="268" r:id="rId14"/>
-    <p:sldId id="269" r:id="rId15"/>
-    <p:sldId id="270" r:id="rId16"/>
-    <p:sldId id="271" r:id="rId17"/>
+    <p:sldId id="265" r:id="rId8"/>
+    <p:sldId id="276" r:id="rId9"/>
+    <p:sldId id="272" r:id="rId10"/>
+    <p:sldId id="275" r:id="rId11"/>
+    <p:sldId id="277" r:id="rId12"/>
+    <p:sldId id="278" r:id="rId13"/>
+    <p:sldId id="273" r:id="rId14"/>
+    <p:sldId id="262" r:id="rId15"/>
+    <p:sldId id="263" r:id="rId16"/>
+    <p:sldId id="264" r:id="rId17"/>
+    <p:sldId id="268" r:id="rId18"/>
+    <p:sldId id="269" r:id="rId19"/>
+    <p:sldId id="270" r:id="rId20"/>
+    <p:sldId id="271" r:id="rId21"/>
   </p:sldIdLst>
   <p:sldSz cx="14630400" cy="2743200"/>
   <p:notesSz cx="6858000" cy="9144000"/>
@@ -258,7 +262,7 @@
           <a:p>
             <a:fld id="{B46AAE34-CC7D-44A2-8AD8-29A5577BC5DC}" type="datetimeFigureOut">
               <a:rPr lang="en-US" smtClean="0"/>
-              <a:t>10/26/2022</a:t>
+              <a:t>12/6/2022</a:t>
             </a:fld>
             <a:endParaRPr lang="en-US"/>
           </a:p>
@@ -428,7 +432,7 @@
           <a:p>
             <a:fld id="{B46AAE34-CC7D-44A2-8AD8-29A5577BC5DC}" type="datetimeFigureOut">
               <a:rPr lang="en-US" smtClean="0"/>
-              <a:t>10/26/2022</a:t>
+              <a:t>12/6/2022</a:t>
             </a:fld>
             <a:endParaRPr lang="en-US"/>
           </a:p>
@@ -608,7 +612,7 @@
           <a:p>
             <a:fld id="{B46AAE34-CC7D-44A2-8AD8-29A5577BC5DC}" type="datetimeFigureOut">
               <a:rPr lang="en-US" smtClean="0"/>
-              <a:t>10/26/2022</a:t>
+              <a:t>12/6/2022</a:t>
             </a:fld>
             <a:endParaRPr lang="en-US"/>
           </a:p>
@@ -778,7 +782,7 @@
           <a:p>
             <a:fld id="{B46AAE34-CC7D-44A2-8AD8-29A5577BC5DC}" type="datetimeFigureOut">
               <a:rPr lang="en-US" smtClean="0"/>
-              <a:t>10/26/2022</a:t>
+              <a:t>12/6/2022</a:t>
             </a:fld>
             <a:endParaRPr lang="en-US"/>
           </a:p>
@@ -1024,7 +1028,7 @@
           <a:p>
             <a:fld id="{B46AAE34-CC7D-44A2-8AD8-29A5577BC5DC}" type="datetimeFigureOut">
               <a:rPr lang="en-US" smtClean="0"/>
-              <a:t>10/26/2022</a:t>
+              <a:t>12/6/2022</a:t>
             </a:fld>
             <a:endParaRPr lang="en-US"/>
           </a:p>
@@ -1256,7 +1260,7 @@
           <a:p>
             <a:fld id="{B46AAE34-CC7D-44A2-8AD8-29A5577BC5DC}" type="datetimeFigureOut">
               <a:rPr lang="en-US" smtClean="0"/>
-              <a:t>10/26/2022</a:t>
+              <a:t>12/6/2022</a:t>
             </a:fld>
             <a:endParaRPr lang="en-US"/>
           </a:p>
@@ -1623,7 +1627,7 @@
           <a:p>
             <a:fld id="{B46AAE34-CC7D-44A2-8AD8-29A5577BC5DC}" type="datetimeFigureOut">
               <a:rPr lang="en-US" smtClean="0"/>
-              <a:t>10/26/2022</a:t>
+              <a:t>12/6/2022</a:t>
             </a:fld>
             <a:endParaRPr lang="en-US"/>
           </a:p>
@@ -1741,7 +1745,7 @@
           <a:p>
             <a:fld id="{B46AAE34-CC7D-44A2-8AD8-29A5577BC5DC}" type="datetimeFigureOut">
               <a:rPr lang="en-US" smtClean="0"/>
-              <a:t>10/26/2022</a:t>
+              <a:t>12/6/2022</a:t>
             </a:fld>
             <a:endParaRPr lang="en-US"/>
           </a:p>
@@ -1836,7 +1840,7 @@
           <a:p>
             <a:fld id="{B46AAE34-CC7D-44A2-8AD8-29A5577BC5DC}" type="datetimeFigureOut">
               <a:rPr lang="en-US" smtClean="0"/>
-              <a:t>10/26/2022</a:t>
+              <a:t>12/6/2022</a:t>
             </a:fld>
             <a:endParaRPr lang="en-US"/>
           </a:p>
@@ -2113,7 +2117,7 @@
           <a:p>
             <a:fld id="{B46AAE34-CC7D-44A2-8AD8-29A5577BC5DC}" type="datetimeFigureOut">
               <a:rPr lang="en-US" smtClean="0"/>
-              <a:t>10/26/2022</a:t>
+              <a:t>12/6/2022</a:t>
             </a:fld>
             <a:endParaRPr lang="en-US"/>
           </a:p>
@@ -2370,7 +2374,7 @@
           <a:p>
             <a:fld id="{B46AAE34-CC7D-44A2-8AD8-29A5577BC5DC}" type="datetimeFigureOut">
               <a:rPr lang="en-US" smtClean="0"/>
-              <a:t>10/26/2022</a:t>
+              <a:t>12/6/2022</a:t>
             </a:fld>
             <a:endParaRPr lang="en-US"/>
           </a:p>
@@ -2583,7 +2587,7 @@
           <a:p>
             <a:fld id="{B46AAE34-CC7D-44A2-8AD8-29A5577BC5DC}" type="datetimeFigureOut">
               <a:rPr lang="en-US" smtClean="0"/>
-              <a:t>10/26/2022</a:t>
+              <a:t>12/6/2022</a:t>
             </a:fld>
             <a:endParaRPr lang="en-US"/>
           </a:p>
@@ -3479,8 +3483,8 @@
         </p:nvSpPr>
         <p:spPr>
           <a:xfrm>
-            <a:off x="0" y="1412245"/>
-            <a:ext cx="14630400" cy="1015663"/>
+            <a:off x="140464" y="1362795"/>
+            <a:ext cx="14080994" cy="984885"/>
           </a:xfrm>
           <a:prstGeom prst="rect">
             <a:avLst/>
@@ -3495,7 +3499,7 @@
           <a:p>
             <a:pPr algn="ctr"/>
             <a:r>
-              <a:rPr lang="en-US" sz="6000" dirty="0">
+              <a:rPr lang="en-US" sz="5800" dirty="0" smtClean="0">
                 <a:solidFill>
                   <a:srgbClr val="286CC0"/>
                 </a:solidFill>
@@ -3504,21 +3508,9 @@
                 <a:ea typeface="Calibri" panose="020F0502020204030204" pitchFamily="34" charset="0"/>
                 <a:cs typeface="Times New Roman" panose="02020603050405020304" pitchFamily="18" charset="0"/>
               </a:rPr>
-              <a:t>Data </a:t>
-            </a:r>
-            <a:r>
-              <a:rPr lang="en-US" sz="6000" dirty="0" smtClean="0">
-                <a:solidFill>
-                  <a:srgbClr val="286CC0"/>
-                </a:solidFill>
-                <a:effectLst/>
-                <a:latin typeface="Calibri" panose="020F0502020204030204" pitchFamily="34" charset="0"/>
-                <a:ea typeface="Calibri" panose="020F0502020204030204" pitchFamily="34" charset="0"/>
-                <a:cs typeface="Times New Roman" panose="02020603050405020304" pitchFamily="18" charset="0"/>
-              </a:rPr>
-              <a:t>Visualization with R</a:t>
-            </a:r>
-            <a:endParaRPr lang="en-US" sz="6000" dirty="0">
+              <a:t>Correlation Analysis</a:t>
+            </a:r>
+            <a:endParaRPr lang="en-US" sz="5800" dirty="0">
               <a:solidFill>
                 <a:srgbClr val="286CC0"/>
               </a:solidFill>
@@ -3528,7 +3520,7 @@
       </p:sp>
       <p:pic>
         <p:nvPicPr>
-          <p:cNvPr id="13" name="Picture 12"/>
+          <p:cNvPr id="12" name="Picture 11"/>
           <p:cNvPicPr>
             <a:picLocks noChangeAspect="1"/>
           </p:cNvPicPr>
@@ -3632,6 +3624,755 @@
     </p:spTree>
     <p:extLst>
       <p:ext uri="{BB962C8B-B14F-4D97-AF65-F5344CB8AC3E}">
+        <p14:creationId xmlns:p14="http://schemas.microsoft.com/office/powerpoint/2010/main" val="3828667895"/>
+      </p:ext>
+    </p:extLst>
+  </p:cSld>
+  <p:clrMapOvr>
+    <a:masterClrMapping/>
+  </p:clrMapOvr>
+</p:sld>
+</file>
+
+<file path=ppt/slides/slide11.xml><?xml version="1.0" encoding="utf-8"?>
+<p:sld xmlns:a="http://schemas.openxmlformats.org/drawingml/2006/main" xmlns:r="http://schemas.openxmlformats.org/officeDocument/2006/relationships" xmlns:p="http://schemas.openxmlformats.org/presentationml/2006/main">
+  <p:cSld>
+    <p:spTree>
+      <p:nvGrpSpPr>
+        <p:cNvPr id="1" name=""/>
+        <p:cNvGrpSpPr/>
+        <p:nvPr/>
+      </p:nvGrpSpPr>
+      <p:grpSpPr>
+        <a:xfrm>
+          <a:off x="0" y="0"/>
+          <a:ext cx="0" cy="0"/>
+          <a:chOff x="0" y="0"/>
+          <a:chExt cx="0" cy="0"/>
+        </a:xfrm>
+      </p:grpSpPr>
+      <p:sp>
+        <p:nvSpPr>
+          <p:cNvPr id="9" name="TextBox 8">
+            <a:extLst>
+              <a:ext uri="{FF2B5EF4-FFF2-40B4-BE49-F238E27FC236}">
+                <a16:creationId xmlns:a16="http://schemas.microsoft.com/office/drawing/2014/main" id="{95343033-0742-40F4-BD0C-4AE6F575980C}"/>
+              </a:ext>
+            </a:extLst>
+          </p:cNvPr>
+          <p:cNvSpPr txBox="1"/>
+          <p:nvPr/>
+        </p:nvSpPr>
+        <p:spPr>
+          <a:xfrm>
+            <a:off x="140464" y="1362795"/>
+            <a:ext cx="14080994" cy="984885"/>
+          </a:xfrm>
+          <a:prstGeom prst="rect">
+            <a:avLst/>
+          </a:prstGeom>
+          <a:noFill/>
+        </p:spPr>
+        <p:txBody>
+          <a:bodyPr wrap="square" rtlCol="0">
+            <a:spAutoFit/>
+          </a:bodyPr>
+          <a:lstStyle/>
+          <a:p>
+            <a:pPr algn="ctr"/>
+            <a:r>
+              <a:rPr lang="en-US" sz="5800" dirty="0" smtClean="0">
+                <a:solidFill>
+                  <a:srgbClr val="286CC0"/>
+                </a:solidFill>
+                <a:effectLst/>
+                <a:latin typeface="Calibri" panose="020F0502020204030204" pitchFamily="34" charset="0"/>
+                <a:ea typeface="Calibri" panose="020F0502020204030204" pitchFamily="34" charset="0"/>
+                <a:cs typeface="Times New Roman" panose="02020603050405020304" pitchFamily="18" charset="0"/>
+              </a:rPr>
+              <a:t>Regression </a:t>
+            </a:r>
+            <a:r>
+              <a:rPr lang="en-US" sz="5800" dirty="0" smtClean="0">
+                <a:solidFill>
+                  <a:srgbClr val="286CC0"/>
+                </a:solidFill>
+                <a:effectLst/>
+                <a:latin typeface="Calibri" panose="020F0502020204030204" pitchFamily="34" charset="0"/>
+                <a:ea typeface="Calibri" panose="020F0502020204030204" pitchFamily="34" charset="0"/>
+                <a:cs typeface="Times New Roman" panose="02020603050405020304" pitchFamily="18" charset="0"/>
+              </a:rPr>
+              <a:t>Analysis</a:t>
+            </a:r>
+            <a:endParaRPr lang="en-US" sz="5800" dirty="0">
+              <a:solidFill>
+                <a:srgbClr val="286CC0"/>
+              </a:solidFill>
+            </a:endParaRPr>
+          </a:p>
+        </p:txBody>
+      </p:sp>
+      <p:pic>
+        <p:nvPicPr>
+          <p:cNvPr id="12" name="Picture 11"/>
+          <p:cNvPicPr>
+            <a:picLocks noChangeAspect="1"/>
+          </p:cNvPicPr>
+          <p:nvPr/>
+        </p:nvPicPr>
+        <p:blipFill>
+          <a:blip r:embed="rId2"/>
+          <a:stretch>
+            <a:fillRect/>
+          </a:stretch>
+        </p:blipFill>
+        <p:spPr>
+          <a:xfrm>
+            <a:off x="140464" y="170320"/>
+            <a:ext cx="4364725" cy="942384"/>
+          </a:xfrm>
+          <a:prstGeom prst="rect">
+            <a:avLst/>
+          </a:prstGeom>
+        </p:spPr>
+      </p:pic>
+      <p:cxnSp>
+        <p:nvCxnSpPr>
+          <p:cNvPr id="15" name="Straight Connector 14">
+            <a:extLst>
+              <a:ext uri="{FF2B5EF4-FFF2-40B4-BE49-F238E27FC236}">
+                <a16:creationId xmlns:a16="http://schemas.microsoft.com/office/drawing/2014/main" id="{75ECFB75-7731-4D6E-A854-3DBDCD81A9EA}"/>
+              </a:ext>
+            </a:extLst>
+          </p:cNvPr>
+          <p:cNvCxnSpPr>
+            <a:cxnSpLocks/>
+          </p:cNvCxnSpPr>
+          <p:nvPr/>
+        </p:nvCxnSpPr>
+        <p:spPr>
+          <a:xfrm flipV="1">
+            <a:off x="0" y="2390660"/>
+            <a:ext cx="14630400" cy="2"/>
+          </a:xfrm>
+          <a:prstGeom prst="line">
+            <a:avLst/>
+          </a:prstGeom>
+          <a:ln w="69850">
+            <a:solidFill>
+              <a:srgbClr val="286CC0"/>
+            </a:solidFill>
+          </a:ln>
+        </p:spPr>
+        <p:style>
+          <a:lnRef idx="1">
+            <a:schemeClr val="accent1"/>
+          </a:lnRef>
+          <a:fillRef idx="0">
+            <a:schemeClr val="accent1"/>
+          </a:fillRef>
+          <a:effectRef idx="0">
+            <a:schemeClr val="accent1"/>
+          </a:effectRef>
+          <a:fontRef idx="minor">
+            <a:schemeClr val="tx1"/>
+          </a:fontRef>
+        </p:style>
+      </p:cxnSp>
+      <p:pic>
+        <p:nvPicPr>
+          <p:cNvPr id="16" name="Picture 15">
+            <a:extLst>
+              <a:ext uri="{FF2B5EF4-FFF2-40B4-BE49-F238E27FC236}">
+                <a16:creationId xmlns:a16="http://schemas.microsoft.com/office/drawing/2014/main" id="{70333E6D-FF40-4328-8A11-6C889750B8A4}"/>
+              </a:ext>
+            </a:extLst>
+          </p:cNvPr>
+          <p:cNvPicPr>
+            <a:picLocks noChangeAspect="1"/>
+          </p:cNvPicPr>
+          <p:nvPr/>
+        </p:nvPicPr>
+        <p:blipFill>
+          <a:blip r:embed="rId3"/>
+          <a:stretch>
+            <a:fillRect/>
+          </a:stretch>
+        </p:blipFill>
+        <p:spPr>
+          <a:xfrm>
+            <a:off x="12613998" y="0"/>
+            <a:ext cx="2016402" cy="1553378"/>
+          </a:xfrm>
+          <a:prstGeom prst="ellipse">
+            <a:avLst/>
+          </a:prstGeom>
+          <a:ln>
+            <a:noFill/>
+          </a:ln>
+          <a:effectLst>
+            <a:softEdge rad="112500"/>
+          </a:effectLst>
+        </p:spPr>
+      </p:pic>
+    </p:spTree>
+    <p:extLst>
+      <p:ext uri="{BB962C8B-B14F-4D97-AF65-F5344CB8AC3E}">
+        <p14:creationId xmlns:p14="http://schemas.microsoft.com/office/powerpoint/2010/main" val="4153951393"/>
+      </p:ext>
+    </p:extLst>
+  </p:cSld>
+  <p:clrMapOvr>
+    <a:masterClrMapping/>
+  </p:clrMapOvr>
+</p:sld>
+</file>
+
+<file path=ppt/slides/slide12.xml><?xml version="1.0" encoding="utf-8"?>
+<p:sld xmlns:a="http://schemas.openxmlformats.org/drawingml/2006/main" xmlns:r="http://schemas.openxmlformats.org/officeDocument/2006/relationships" xmlns:p="http://schemas.openxmlformats.org/presentationml/2006/main">
+  <p:cSld>
+    <p:spTree>
+      <p:nvGrpSpPr>
+        <p:cNvPr id="1" name=""/>
+        <p:cNvGrpSpPr/>
+        <p:nvPr/>
+      </p:nvGrpSpPr>
+      <p:grpSpPr>
+        <a:xfrm>
+          <a:off x="0" y="0"/>
+          <a:ext cx="0" cy="0"/>
+          <a:chOff x="0" y="0"/>
+          <a:chExt cx="0" cy="0"/>
+        </a:xfrm>
+      </p:grpSpPr>
+      <p:sp>
+        <p:nvSpPr>
+          <p:cNvPr id="9" name="TextBox 8">
+            <a:extLst>
+              <a:ext uri="{FF2B5EF4-FFF2-40B4-BE49-F238E27FC236}">
+                <a16:creationId xmlns:a16="http://schemas.microsoft.com/office/drawing/2014/main" id="{95343033-0742-40F4-BD0C-4AE6F575980C}"/>
+              </a:ext>
+            </a:extLst>
+          </p:cNvPr>
+          <p:cNvSpPr txBox="1"/>
+          <p:nvPr/>
+        </p:nvSpPr>
+        <p:spPr>
+          <a:xfrm>
+            <a:off x="140464" y="1362795"/>
+            <a:ext cx="14080994" cy="1015663"/>
+          </a:xfrm>
+          <a:prstGeom prst="rect">
+            <a:avLst/>
+          </a:prstGeom>
+          <a:noFill/>
+        </p:spPr>
+        <p:txBody>
+          <a:bodyPr wrap="square" rtlCol="0">
+            <a:spAutoFit/>
+          </a:bodyPr>
+          <a:lstStyle/>
+          <a:p>
+            <a:pPr algn="ctr"/>
+            <a:r>
+              <a:rPr lang="en-US" sz="6000" dirty="0" smtClean="0">
+                <a:solidFill>
+                  <a:srgbClr val="276BBF"/>
+                </a:solidFill>
+              </a:rPr>
+              <a:t>Nonlinear </a:t>
+            </a:r>
+            <a:r>
+              <a:rPr lang="en-US" sz="6000" dirty="0">
+                <a:solidFill>
+                  <a:srgbClr val="276BBF"/>
+                </a:solidFill>
+              </a:rPr>
+              <a:t>Regression</a:t>
+            </a:r>
+          </a:p>
+        </p:txBody>
+      </p:sp>
+      <p:pic>
+        <p:nvPicPr>
+          <p:cNvPr id="12" name="Picture 11"/>
+          <p:cNvPicPr>
+            <a:picLocks noChangeAspect="1"/>
+          </p:cNvPicPr>
+          <p:nvPr/>
+        </p:nvPicPr>
+        <p:blipFill>
+          <a:blip r:embed="rId2"/>
+          <a:stretch>
+            <a:fillRect/>
+          </a:stretch>
+        </p:blipFill>
+        <p:spPr>
+          <a:xfrm>
+            <a:off x="140464" y="170320"/>
+            <a:ext cx="4364725" cy="942384"/>
+          </a:xfrm>
+          <a:prstGeom prst="rect">
+            <a:avLst/>
+          </a:prstGeom>
+        </p:spPr>
+      </p:pic>
+      <p:cxnSp>
+        <p:nvCxnSpPr>
+          <p:cNvPr id="15" name="Straight Connector 14">
+            <a:extLst>
+              <a:ext uri="{FF2B5EF4-FFF2-40B4-BE49-F238E27FC236}">
+                <a16:creationId xmlns:a16="http://schemas.microsoft.com/office/drawing/2014/main" id="{75ECFB75-7731-4D6E-A854-3DBDCD81A9EA}"/>
+              </a:ext>
+            </a:extLst>
+          </p:cNvPr>
+          <p:cNvCxnSpPr>
+            <a:cxnSpLocks/>
+          </p:cNvCxnSpPr>
+          <p:nvPr/>
+        </p:nvCxnSpPr>
+        <p:spPr>
+          <a:xfrm flipV="1">
+            <a:off x="0" y="2390660"/>
+            <a:ext cx="14630400" cy="2"/>
+          </a:xfrm>
+          <a:prstGeom prst="line">
+            <a:avLst/>
+          </a:prstGeom>
+          <a:ln w="69850">
+            <a:solidFill>
+              <a:srgbClr val="286CC0"/>
+            </a:solidFill>
+          </a:ln>
+        </p:spPr>
+        <p:style>
+          <a:lnRef idx="1">
+            <a:schemeClr val="accent1"/>
+          </a:lnRef>
+          <a:fillRef idx="0">
+            <a:schemeClr val="accent1"/>
+          </a:fillRef>
+          <a:effectRef idx="0">
+            <a:schemeClr val="accent1"/>
+          </a:effectRef>
+          <a:fontRef idx="minor">
+            <a:schemeClr val="tx1"/>
+          </a:fontRef>
+        </p:style>
+      </p:cxnSp>
+      <p:pic>
+        <p:nvPicPr>
+          <p:cNvPr id="16" name="Picture 15">
+            <a:extLst>
+              <a:ext uri="{FF2B5EF4-FFF2-40B4-BE49-F238E27FC236}">
+                <a16:creationId xmlns:a16="http://schemas.microsoft.com/office/drawing/2014/main" id="{70333E6D-FF40-4328-8A11-6C889750B8A4}"/>
+              </a:ext>
+            </a:extLst>
+          </p:cNvPr>
+          <p:cNvPicPr>
+            <a:picLocks noChangeAspect="1"/>
+          </p:cNvPicPr>
+          <p:nvPr/>
+        </p:nvPicPr>
+        <p:blipFill>
+          <a:blip r:embed="rId3"/>
+          <a:stretch>
+            <a:fillRect/>
+          </a:stretch>
+        </p:blipFill>
+        <p:spPr>
+          <a:xfrm>
+            <a:off x="12613998" y="0"/>
+            <a:ext cx="2016402" cy="1553378"/>
+          </a:xfrm>
+          <a:prstGeom prst="ellipse">
+            <a:avLst/>
+          </a:prstGeom>
+          <a:ln>
+            <a:noFill/>
+          </a:ln>
+          <a:effectLst>
+            <a:softEdge rad="112500"/>
+          </a:effectLst>
+        </p:spPr>
+      </p:pic>
+    </p:spTree>
+    <p:extLst>
+      <p:ext uri="{BB962C8B-B14F-4D97-AF65-F5344CB8AC3E}">
+        <p14:creationId xmlns:p14="http://schemas.microsoft.com/office/powerpoint/2010/main" val="3257634441"/>
+      </p:ext>
+    </p:extLst>
+  </p:cSld>
+  <p:clrMapOvr>
+    <a:masterClrMapping/>
+  </p:clrMapOvr>
+</p:sld>
+</file>
+
+<file path=ppt/slides/slide13.xml><?xml version="1.0" encoding="utf-8"?>
+<p:sld xmlns:a="http://schemas.openxmlformats.org/drawingml/2006/main" xmlns:r="http://schemas.openxmlformats.org/officeDocument/2006/relationships" xmlns:p="http://schemas.openxmlformats.org/presentationml/2006/main">
+  <p:cSld>
+    <p:spTree>
+      <p:nvGrpSpPr>
+        <p:cNvPr id="1" name=""/>
+        <p:cNvGrpSpPr/>
+        <p:nvPr/>
+      </p:nvGrpSpPr>
+      <p:grpSpPr>
+        <a:xfrm>
+          <a:off x="0" y="0"/>
+          <a:ext cx="0" cy="0"/>
+          <a:chOff x="0" y="0"/>
+          <a:chExt cx="0" cy="0"/>
+        </a:xfrm>
+      </p:grpSpPr>
+      <p:sp>
+        <p:nvSpPr>
+          <p:cNvPr id="9" name="TextBox 8">
+            <a:extLst>
+              <a:ext uri="{FF2B5EF4-FFF2-40B4-BE49-F238E27FC236}">
+                <a16:creationId xmlns:a16="http://schemas.microsoft.com/office/drawing/2014/main" id="{95343033-0742-40F4-BD0C-4AE6F575980C}"/>
+              </a:ext>
+            </a:extLst>
+          </p:cNvPr>
+          <p:cNvSpPr txBox="1"/>
+          <p:nvPr/>
+        </p:nvSpPr>
+        <p:spPr>
+          <a:xfrm>
+            <a:off x="0" y="1325474"/>
+            <a:ext cx="14630400" cy="1015663"/>
+          </a:xfrm>
+          <a:prstGeom prst="rect">
+            <a:avLst/>
+          </a:prstGeom>
+          <a:noFill/>
+        </p:spPr>
+        <p:txBody>
+          <a:bodyPr wrap="square" rtlCol="0">
+            <a:spAutoFit/>
+          </a:bodyPr>
+          <a:lstStyle/>
+          <a:p>
+            <a:pPr algn="ctr"/>
+            <a:r>
+              <a:rPr lang="en-US" sz="6000" dirty="0" smtClean="0">
+                <a:solidFill>
+                  <a:srgbClr val="286CC0"/>
+                </a:solidFill>
+                <a:latin typeface="Calibri" panose="020F0502020204030204" pitchFamily="34" charset="0"/>
+                <a:cs typeface="Times New Roman" panose="02020603050405020304" pitchFamily="18" charset="0"/>
+              </a:rPr>
+              <a:t>Multivariate Statistics with R</a:t>
+            </a:r>
+            <a:endParaRPr lang="en-US" sz="6000" dirty="0">
+              <a:solidFill>
+                <a:srgbClr val="286CC0"/>
+              </a:solidFill>
+            </a:endParaRPr>
+          </a:p>
+        </p:txBody>
+      </p:sp>
+      <p:pic>
+        <p:nvPicPr>
+          <p:cNvPr id="8" name="Picture 7"/>
+          <p:cNvPicPr>
+            <a:picLocks noChangeAspect="1"/>
+          </p:cNvPicPr>
+          <p:nvPr/>
+        </p:nvPicPr>
+        <p:blipFill>
+          <a:blip r:embed="rId2"/>
+          <a:stretch>
+            <a:fillRect/>
+          </a:stretch>
+        </p:blipFill>
+        <p:spPr>
+          <a:xfrm>
+            <a:off x="140464" y="170320"/>
+            <a:ext cx="4364725" cy="942384"/>
+          </a:xfrm>
+          <a:prstGeom prst="rect">
+            <a:avLst/>
+          </a:prstGeom>
+        </p:spPr>
+      </p:pic>
+      <p:cxnSp>
+        <p:nvCxnSpPr>
+          <p:cNvPr id="6" name="Straight Connector 5">
+            <a:extLst>
+              <a:ext uri="{FF2B5EF4-FFF2-40B4-BE49-F238E27FC236}">
+                <a16:creationId xmlns:a16="http://schemas.microsoft.com/office/drawing/2014/main" id="{75ECFB75-7731-4D6E-A854-3DBDCD81A9EA}"/>
+              </a:ext>
+            </a:extLst>
+          </p:cNvPr>
+          <p:cNvCxnSpPr>
+            <a:cxnSpLocks/>
+          </p:cNvCxnSpPr>
+          <p:nvPr/>
+        </p:nvCxnSpPr>
+        <p:spPr>
+          <a:xfrm flipV="1">
+            <a:off x="0" y="2390660"/>
+            <a:ext cx="14630400" cy="2"/>
+          </a:xfrm>
+          <a:prstGeom prst="line">
+            <a:avLst/>
+          </a:prstGeom>
+          <a:ln w="69850">
+            <a:solidFill>
+              <a:srgbClr val="286CC0"/>
+            </a:solidFill>
+          </a:ln>
+        </p:spPr>
+        <p:style>
+          <a:lnRef idx="1">
+            <a:schemeClr val="accent1"/>
+          </a:lnRef>
+          <a:fillRef idx="0">
+            <a:schemeClr val="accent1"/>
+          </a:fillRef>
+          <a:effectRef idx="0">
+            <a:schemeClr val="accent1"/>
+          </a:effectRef>
+          <a:fontRef idx="minor">
+            <a:schemeClr val="tx1"/>
+          </a:fontRef>
+        </p:style>
+      </p:cxnSp>
+      <p:pic>
+        <p:nvPicPr>
+          <p:cNvPr id="7" name="Picture 6">
+            <a:extLst>
+              <a:ext uri="{FF2B5EF4-FFF2-40B4-BE49-F238E27FC236}">
+                <a16:creationId xmlns:a16="http://schemas.microsoft.com/office/drawing/2014/main" id="{70333E6D-FF40-4328-8A11-6C889750B8A4}"/>
+              </a:ext>
+            </a:extLst>
+          </p:cNvPr>
+          <p:cNvPicPr>
+            <a:picLocks noChangeAspect="1"/>
+          </p:cNvPicPr>
+          <p:nvPr/>
+        </p:nvPicPr>
+        <p:blipFill>
+          <a:blip r:embed="rId3"/>
+          <a:stretch>
+            <a:fillRect/>
+          </a:stretch>
+        </p:blipFill>
+        <p:spPr>
+          <a:xfrm>
+            <a:off x="12613998" y="-5132"/>
+            <a:ext cx="2016402" cy="1553378"/>
+          </a:xfrm>
+          <a:prstGeom prst="ellipse">
+            <a:avLst/>
+          </a:prstGeom>
+          <a:ln>
+            <a:noFill/>
+          </a:ln>
+          <a:effectLst>
+            <a:softEdge rad="112500"/>
+          </a:effectLst>
+        </p:spPr>
+      </p:pic>
+    </p:spTree>
+    <p:extLst>
+      <p:ext uri="{BB962C8B-B14F-4D97-AF65-F5344CB8AC3E}">
+        <p14:creationId xmlns:p14="http://schemas.microsoft.com/office/powerpoint/2010/main" val="3991078591"/>
+      </p:ext>
+    </p:extLst>
+  </p:cSld>
+  <p:clrMapOvr>
+    <a:masterClrMapping/>
+  </p:clrMapOvr>
+</p:sld>
+</file>
+
+<file path=ppt/slides/slide14.xml><?xml version="1.0" encoding="utf-8"?>
+<p:sld xmlns:a="http://schemas.openxmlformats.org/drawingml/2006/main" xmlns:r="http://schemas.openxmlformats.org/officeDocument/2006/relationships" xmlns:p="http://schemas.openxmlformats.org/presentationml/2006/main">
+  <p:cSld>
+    <p:spTree>
+      <p:nvGrpSpPr>
+        <p:cNvPr id="1" name=""/>
+        <p:cNvGrpSpPr/>
+        <p:nvPr/>
+      </p:nvGrpSpPr>
+      <p:grpSpPr>
+        <a:xfrm>
+          <a:off x="0" y="0"/>
+          <a:ext cx="0" cy="0"/>
+          <a:chOff x="0" y="0"/>
+          <a:chExt cx="0" cy="0"/>
+        </a:xfrm>
+      </p:grpSpPr>
+      <p:sp>
+        <p:nvSpPr>
+          <p:cNvPr id="9" name="TextBox 8">
+            <a:extLst>
+              <a:ext uri="{FF2B5EF4-FFF2-40B4-BE49-F238E27FC236}">
+                <a16:creationId xmlns:a16="http://schemas.microsoft.com/office/drawing/2014/main" id="{95343033-0742-40F4-BD0C-4AE6F575980C}"/>
+              </a:ext>
+            </a:extLst>
+          </p:cNvPr>
+          <p:cNvSpPr txBox="1"/>
+          <p:nvPr/>
+        </p:nvSpPr>
+        <p:spPr>
+          <a:xfrm>
+            <a:off x="0" y="1412245"/>
+            <a:ext cx="14630400" cy="1015663"/>
+          </a:xfrm>
+          <a:prstGeom prst="rect">
+            <a:avLst/>
+          </a:prstGeom>
+          <a:noFill/>
+        </p:spPr>
+        <p:txBody>
+          <a:bodyPr wrap="square" rtlCol="0">
+            <a:spAutoFit/>
+          </a:bodyPr>
+          <a:lstStyle/>
+          <a:p>
+            <a:pPr algn="ctr"/>
+            <a:r>
+              <a:rPr lang="en-US" sz="6000" dirty="0">
+                <a:solidFill>
+                  <a:srgbClr val="286CC0"/>
+                </a:solidFill>
+                <a:effectLst/>
+                <a:latin typeface="Calibri" panose="020F0502020204030204" pitchFamily="34" charset="0"/>
+                <a:ea typeface="Calibri" panose="020F0502020204030204" pitchFamily="34" charset="0"/>
+                <a:cs typeface="Times New Roman" panose="02020603050405020304" pitchFamily="18" charset="0"/>
+              </a:rPr>
+              <a:t>Data </a:t>
+            </a:r>
+            <a:r>
+              <a:rPr lang="en-US" sz="6000" dirty="0" smtClean="0">
+                <a:solidFill>
+                  <a:srgbClr val="286CC0"/>
+                </a:solidFill>
+                <a:effectLst/>
+                <a:latin typeface="Calibri" panose="020F0502020204030204" pitchFamily="34" charset="0"/>
+                <a:ea typeface="Calibri" panose="020F0502020204030204" pitchFamily="34" charset="0"/>
+                <a:cs typeface="Times New Roman" panose="02020603050405020304" pitchFamily="18" charset="0"/>
+              </a:rPr>
+              <a:t>Visualization with R</a:t>
+            </a:r>
+            <a:endParaRPr lang="en-US" sz="6000" dirty="0">
+              <a:solidFill>
+                <a:srgbClr val="286CC0"/>
+              </a:solidFill>
+            </a:endParaRPr>
+          </a:p>
+        </p:txBody>
+      </p:sp>
+      <p:pic>
+        <p:nvPicPr>
+          <p:cNvPr id="13" name="Picture 12"/>
+          <p:cNvPicPr>
+            <a:picLocks noChangeAspect="1"/>
+          </p:cNvPicPr>
+          <p:nvPr/>
+        </p:nvPicPr>
+        <p:blipFill>
+          <a:blip r:embed="rId2"/>
+          <a:stretch>
+            <a:fillRect/>
+          </a:stretch>
+        </p:blipFill>
+        <p:spPr>
+          <a:xfrm>
+            <a:off x="140464" y="170320"/>
+            <a:ext cx="4364725" cy="942384"/>
+          </a:xfrm>
+          <a:prstGeom prst="rect">
+            <a:avLst/>
+          </a:prstGeom>
+        </p:spPr>
+      </p:pic>
+      <p:cxnSp>
+        <p:nvCxnSpPr>
+          <p:cNvPr id="15" name="Straight Connector 14">
+            <a:extLst>
+              <a:ext uri="{FF2B5EF4-FFF2-40B4-BE49-F238E27FC236}">
+                <a16:creationId xmlns:a16="http://schemas.microsoft.com/office/drawing/2014/main" id="{75ECFB75-7731-4D6E-A854-3DBDCD81A9EA}"/>
+              </a:ext>
+            </a:extLst>
+          </p:cNvPr>
+          <p:cNvCxnSpPr>
+            <a:cxnSpLocks/>
+          </p:cNvCxnSpPr>
+          <p:nvPr/>
+        </p:nvCxnSpPr>
+        <p:spPr>
+          <a:xfrm flipV="1">
+            <a:off x="0" y="2390660"/>
+            <a:ext cx="14630400" cy="2"/>
+          </a:xfrm>
+          <a:prstGeom prst="line">
+            <a:avLst/>
+          </a:prstGeom>
+          <a:ln w="69850">
+            <a:solidFill>
+              <a:srgbClr val="286CC0"/>
+            </a:solidFill>
+          </a:ln>
+        </p:spPr>
+        <p:style>
+          <a:lnRef idx="1">
+            <a:schemeClr val="accent1"/>
+          </a:lnRef>
+          <a:fillRef idx="0">
+            <a:schemeClr val="accent1"/>
+          </a:fillRef>
+          <a:effectRef idx="0">
+            <a:schemeClr val="accent1"/>
+          </a:effectRef>
+          <a:fontRef idx="minor">
+            <a:schemeClr val="tx1"/>
+          </a:fontRef>
+        </p:style>
+      </p:cxnSp>
+      <p:pic>
+        <p:nvPicPr>
+          <p:cNvPr id="16" name="Picture 15">
+            <a:extLst>
+              <a:ext uri="{FF2B5EF4-FFF2-40B4-BE49-F238E27FC236}">
+                <a16:creationId xmlns:a16="http://schemas.microsoft.com/office/drawing/2014/main" id="{70333E6D-FF40-4328-8A11-6C889750B8A4}"/>
+              </a:ext>
+            </a:extLst>
+          </p:cNvPr>
+          <p:cNvPicPr>
+            <a:picLocks noChangeAspect="1"/>
+          </p:cNvPicPr>
+          <p:nvPr/>
+        </p:nvPicPr>
+        <p:blipFill>
+          <a:blip r:embed="rId3"/>
+          <a:stretch>
+            <a:fillRect/>
+          </a:stretch>
+        </p:blipFill>
+        <p:spPr>
+          <a:xfrm>
+            <a:off x="12613998" y="0"/>
+            <a:ext cx="2016402" cy="1553378"/>
+          </a:xfrm>
+          <a:prstGeom prst="ellipse">
+            <a:avLst/>
+          </a:prstGeom>
+          <a:ln>
+            <a:noFill/>
+          </a:ln>
+          <a:effectLst>
+            <a:softEdge rad="112500"/>
+          </a:effectLst>
+        </p:spPr>
+      </p:pic>
+    </p:spTree>
+    <p:extLst>
+      <p:ext uri="{BB962C8B-B14F-4D97-AF65-F5344CB8AC3E}">
         <p14:creationId xmlns:p14="http://schemas.microsoft.com/office/powerpoint/2010/main" val="2015510881"/>
       </p:ext>
     </p:extLst>
@@ -3642,7 +4383,7 @@
 </p:sld>
 </file>
 
-<file path=ppt/slides/slide11.xml><?xml version="1.0" encoding="utf-8"?>
+<file path=ppt/slides/slide15.xml><?xml version="1.0" encoding="utf-8"?>
 <p:sld xmlns:a="http://schemas.openxmlformats.org/drawingml/2006/main" xmlns:r="http://schemas.openxmlformats.org/officeDocument/2006/relationships" xmlns:p="http://schemas.openxmlformats.org/presentationml/2006/main">
   <p:cSld>
     <p:spTree>
@@ -3836,7 +4577,7 @@
 </p:sld>
 </file>
 
-<file path=ppt/slides/slide12.xml><?xml version="1.0" encoding="utf-8"?>
+<file path=ppt/slides/slide16.xml><?xml version="1.0" encoding="utf-8"?>
 <p:sld xmlns:a="http://schemas.openxmlformats.org/drawingml/2006/main" xmlns:r="http://schemas.openxmlformats.org/officeDocument/2006/relationships" xmlns:p="http://schemas.openxmlformats.org/presentationml/2006/main" showMasterSp="0">
   <p:cSld>
     <p:spTree>
@@ -4018,7 +4759,7 @@
 </p:sld>
 </file>
 
-<file path=ppt/slides/slide13.xml><?xml version="1.0" encoding="utf-8"?>
+<file path=ppt/slides/slide17.xml><?xml version="1.0" encoding="utf-8"?>
 <p:sld xmlns:a="http://schemas.openxmlformats.org/drawingml/2006/main" xmlns:r="http://schemas.openxmlformats.org/officeDocument/2006/relationships" xmlns:p="http://schemas.openxmlformats.org/presentationml/2006/main">
   <p:cSld>
     <p:spTree>
@@ -4209,7 +4950,7 @@
 </p:sld>
 </file>
 
-<file path=ppt/slides/slide14.xml><?xml version="1.0" encoding="utf-8"?>
+<file path=ppt/slides/slide18.xml><?xml version="1.0" encoding="utf-8"?>
 <p:sld xmlns:a="http://schemas.openxmlformats.org/drawingml/2006/main" xmlns:r="http://schemas.openxmlformats.org/officeDocument/2006/relationships" xmlns:p="http://schemas.openxmlformats.org/presentationml/2006/main">
   <p:cSld>
     <p:spTree>
@@ -4419,7 +5160,7 @@
 </p:sld>
 </file>
 
-<file path=ppt/slides/slide15.xml><?xml version="1.0" encoding="utf-8"?>
+<file path=ppt/slides/slide19.xml><?xml version="1.0" encoding="utf-8"?>
 <p:sld xmlns:a="http://schemas.openxmlformats.org/drawingml/2006/main" xmlns:r="http://schemas.openxmlformats.org/officeDocument/2006/relationships" xmlns:p="http://schemas.openxmlformats.org/presentationml/2006/main">
   <p:cSld>
     <p:spTree>
@@ -4608,196 +5349,6 @@
     <p:extLst>
       <p:ext uri="{BB962C8B-B14F-4D97-AF65-F5344CB8AC3E}">
         <p14:creationId xmlns:p14="http://schemas.microsoft.com/office/powerpoint/2010/main" val="3698109576"/>
-      </p:ext>
-    </p:extLst>
-  </p:cSld>
-  <p:clrMapOvr>
-    <a:masterClrMapping/>
-  </p:clrMapOvr>
-</p:sld>
-</file>
-
-<file path=ppt/slides/slide16.xml><?xml version="1.0" encoding="utf-8"?>
-<p:sld xmlns:a="http://schemas.openxmlformats.org/drawingml/2006/main" xmlns:r="http://schemas.openxmlformats.org/officeDocument/2006/relationships" xmlns:p="http://schemas.openxmlformats.org/presentationml/2006/main">
-  <p:cSld>
-    <p:bg>
-      <p:bgPr>
-        <a:solidFill>
-          <a:schemeClr val="bg1"/>
-        </a:solidFill>
-        <a:effectLst/>
-      </p:bgPr>
-    </p:bg>
-    <p:spTree>
-      <p:nvGrpSpPr>
-        <p:cNvPr id="1" name=""/>
-        <p:cNvGrpSpPr/>
-        <p:nvPr/>
-      </p:nvGrpSpPr>
-      <p:grpSpPr>
-        <a:xfrm>
-          <a:off x="0" y="0"/>
-          <a:ext cx="0" cy="0"/>
-          <a:chOff x="0" y="0"/>
-          <a:chExt cx="0" cy="0"/>
-        </a:xfrm>
-      </p:grpSpPr>
-      <p:sp>
-        <p:nvSpPr>
-          <p:cNvPr id="9" name="TextBox 8">
-            <a:extLst>
-              <a:ext uri="{FF2B5EF4-FFF2-40B4-BE49-F238E27FC236}">
-                <a16:creationId xmlns:a16="http://schemas.microsoft.com/office/drawing/2014/main" id="{95343033-0742-40F4-BD0C-4AE6F575980C}"/>
-              </a:ext>
-            </a:extLst>
-          </p:cNvPr>
-          <p:cNvSpPr txBox="1"/>
-          <p:nvPr/>
-        </p:nvSpPr>
-        <p:spPr>
-          <a:xfrm>
-            <a:off x="0" y="1418048"/>
-            <a:ext cx="14630400" cy="769441"/>
-          </a:xfrm>
-          <a:prstGeom prst="rect">
-            <a:avLst/>
-          </a:prstGeom>
-          <a:noFill/>
-        </p:spPr>
-        <p:txBody>
-          <a:bodyPr wrap="square" rtlCol="0">
-            <a:spAutoFit/>
-          </a:bodyPr>
-          <a:lstStyle/>
-          <a:p>
-            <a:pPr algn="ctr"/>
-            <a:r>
-              <a:rPr lang="en-US" sz="4400" dirty="0">
-                <a:solidFill>
-                  <a:srgbClr val="286CC0"/>
-                </a:solidFill>
-                <a:effectLst/>
-                <a:latin typeface="Calibri" panose="020F0502020204030204" pitchFamily="34" charset="0"/>
-                <a:ea typeface="Calibri" panose="020F0502020204030204" pitchFamily="34" charset="0"/>
-                <a:cs typeface="Times New Roman" panose="02020603050405020304" pitchFamily="18" charset="0"/>
-              </a:rPr>
-              <a:t>ICP-MS data Processing and Analysis</a:t>
-            </a:r>
-            <a:endParaRPr lang="en-US" sz="4400" dirty="0">
-              <a:solidFill>
-                <a:srgbClr val="286CC0"/>
-              </a:solidFill>
-            </a:endParaRPr>
-          </a:p>
-        </p:txBody>
-      </p:sp>
-      <p:pic>
-        <p:nvPicPr>
-          <p:cNvPr id="11" name="Picture 10">
-            <a:extLst>
-              <a:ext uri="{FF2B5EF4-FFF2-40B4-BE49-F238E27FC236}">
-                <a16:creationId xmlns:a16="http://schemas.microsoft.com/office/drawing/2014/main" id="{70333E6D-FF40-4328-8A11-6C889750B8A4}"/>
-              </a:ext>
-            </a:extLst>
-          </p:cNvPr>
-          <p:cNvPicPr>
-            <a:picLocks noChangeAspect="1"/>
-          </p:cNvPicPr>
-          <p:nvPr/>
-        </p:nvPicPr>
-        <p:blipFill>
-          <a:blip r:embed="rId2"/>
-          <a:stretch>
-            <a:fillRect/>
-          </a:stretch>
-        </p:blipFill>
-        <p:spPr>
-          <a:xfrm>
-            <a:off x="13009941" y="0"/>
-            <a:ext cx="1620459" cy="1248355"/>
-          </a:xfrm>
-          <a:prstGeom prst="ellipse">
-            <a:avLst/>
-          </a:prstGeom>
-          <a:ln>
-            <a:noFill/>
-          </a:ln>
-          <a:effectLst>
-            <a:softEdge rad="112500"/>
-          </a:effectLst>
-        </p:spPr>
-      </p:pic>
-      <p:cxnSp>
-        <p:nvCxnSpPr>
-          <p:cNvPr id="10" name="Straight Connector 9">
-            <a:extLst>
-              <a:ext uri="{FF2B5EF4-FFF2-40B4-BE49-F238E27FC236}">
-                <a16:creationId xmlns:a16="http://schemas.microsoft.com/office/drawing/2014/main" id="{75ECFB75-7731-4D6E-A854-3DBDCD81A9EA}"/>
-              </a:ext>
-            </a:extLst>
-          </p:cNvPr>
-          <p:cNvCxnSpPr>
-            <a:cxnSpLocks/>
-          </p:cNvCxnSpPr>
-          <p:nvPr/>
-        </p:nvCxnSpPr>
-        <p:spPr>
-          <a:xfrm>
-            <a:off x="3191539" y="2221531"/>
-            <a:ext cx="8396577" cy="0"/>
-          </a:xfrm>
-          <a:prstGeom prst="line">
-            <a:avLst/>
-          </a:prstGeom>
-          <a:ln w="69850">
-            <a:solidFill>
-              <a:srgbClr val="286CC0"/>
-            </a:solidFill>
-          </a:ln>
-        </p:spPr>
-        <p:style>
-          <a:lnRef idx="1">
-            <a:schemeClr val="accent1"/>
-          </a:lnRef>
-          <a:fillRef idx="0">
-            <a:schemeClr val="accent1"/>
-          </a:fillRef>
-          <a:effectRef idx="0">
-            <a:schemeClr val="accent1"/>
-          </a:effectRef>
-          <a:fontRef idx="minor">
-            <a:schemeClr val="tx1"/>
-          </a:fontRef>
-        </p:style>
-      </p:cxnSp>
-      <p:pic>
-        <p:nvPicPr>
-          <p:cNvPr id="7" name="Picture 6"/>
-          <p:cNvPicPr>
-            <a:picLocks noChangeAspect="1"/>
-          </p:cNvPicPr>
-          <p:nvPr/>
-        </p:nvPicPr>
-        <p:blipFill>
-          <a:blip r:embed="rId3"/>
-          <a:stretch>
-            <a:fillRect/>
-          </a:stretch>
-        </p:blipFill>
-        <p:spPr>
-          <a:xfrm>
-            <a:off x="140464" y="170320"/>
-            <a:ext cx="4364725" cy="942384"/>
-          </a:xfrm>
-          <a:prstGeom prst="rect">
-            <a:avLst/>
-          </a:prstGeom>
-        </p:spPr>
-      </p:pic>
-    </p:spTree>
-    <p:extLst>
-      <p:ext uri="{BB962C8B-B14F-4D97-AF65-F5344CB8AC3E}">
-        <p14:creationId xmlns:p14="http://schemas.microsoft.com/office/powerpoint/2010/main" val="2492138440"/>
       </p:ext>
     </p:extLst>
   </p:cSld>
@@ -5025,6 +5576,196 @@
 </p:sld>
 </file>
 
+<file path=ppt/slides/slide20.xml><?xml version="1.0" encoding="utf-8"?>
+<p:sld xmlns:a="http://schemas.openxmlformats.org/drawingml/2006/main" xmlns:r="http://schemas.openxmlformats.org/officeDocument/2006/relationships" xmlns:p="http://schemas.openxmlformats.org/presentationml/2006/main">
+  <p:cSld>
+    <p:bg>
+      <p:bgPr>
+        <a:solidFill>
+          <a:schemeClr val="bg1"/>
+        </a:solidFill>
+        <a:effectLst/>
+      </p:bgPr>
+    </p:bg>
+    <p:spTree>
+      <p:nvGrpSpPr>
+        <p:cNvPr id="1" name=""/>
+        <p:cNvGrpSpPr/>
+        <p:nvPr/>
+      </p:nvGrpSpPr>
+      <p:grpSpPr>
+        <a:xfrm>
+          <a:off x="0" y="0"/>
+          <a:ext cx="0" cy="0"/>
+          <a:chOff x="0" y="0"/>
+          <a:chExt cx="0" cy="0"/>
+        </a:xfrm>
+      </p:grpSpPr>
+      <p:sp>
+        <p:nvSpPr>
+          <p:cNvPr id="9" name="TextBox 8">
+            <a:extLst>
+              <a:ext uri="{FF2B5EF4-FFF2-40B4-BE49-F238E27FC236}">
+                <a16:creationId xmlns:a16="http://schemas.microsoft.com/office/drawing/2014/main" id="{95343033-0742-40F4-BD0C-4AE6F575980C}"/>
+              </a:ext>
+            </a:extLst>
+          </p:cNvPr>
+          <p:cNvSpPr txBox="1"/>
+          <p:nvPr/>
+        </p:nvSpPr>
+        <p:spPr>
+          <a:xfrm>
+            <a:off x="0" y="1418048"/>
+            <a:ext cx="14630400" cy="769441"/>
+          </a:xfrm>
+          <a:prstGeom prst="rect">
+            <a:avLst/>
+          </a:prstGeom>
+          <a:noFill/>
+        </p:spPr>
+        <p:txBody>
+          <a:bodyPr wrap="square" rtlCol="0">
+            <a:spAutoFit/>
+          </a:bodyPr>
+          <a:lstStyle/>
+          <a:p>
+            <a:pPr algn="ctr"/>
+            <a:r>
+              <a:rPr lang="en-US" sz="4400" dirty="0">
+                <a:solidFill>
+                  <a:srgbClr val="286CC0"/>
+                </a:solidFill>
+                <a:effectLst/>
+                <a:latin typeface="Calibri" panose="020F0502020204030204" pitchFamily="34" charset="0"/>
+                <a:ea typeface="Calibri" panose="020F0502020204030204" pitchFamily="34" charset="0"/>
+                <a:cs typeface="Times New Roman" panose="02020603050405020304" pitchFamily="18" charset="0"/>
+              </a:rPr>
+              <a:t>ICP-MS data Processing and Analysis</a:t>
+            </a:r>
+            <a:endParaRPr lang="en-US" sz="4400" dirty="0">
+              <a:solidFill>
+                <a:srgbClr val="286CC0"/>
+              </a:solidFill>
+            </a:endParaRPr>
+          </a:p>
+        </p:txBody>
+      </p:sp>
+      <p:pic>
+        <p:nvPicPr>
+          <p:cNvPr id="11" name="Picture 10">
+            <a:extLst>
+              <a:ext uri="{FF2B5EF4-FFF2-40B4-BE49-F238E27FC236}">
+                <a16:creationId xmlns:a16="http://schemas.microsoft.com/office/drawing/2014/main" id="{70333E6D-FF40-4328-8A11-6C889750B8A4}"/>
+              </a:ext>
+            </a:extLst>
+          </p:cNvPr>
+          <p:cNvPicPr>
+            <a:picLocks noChangeAspect="1"/>
+          </p:cNvPicPr>
+          <p:nvPr/>
+        </p:nvPicPr>
+        <p:blipFill>
+          <a:blip r:embed="rId2"/>
+          <a:stretch>
+            <a:fillRect/>
+          </a:stretch>
+        </p:blipFill>
+        <p:spPr>
+          <a:xfrm>
+            <a:off x="13009941" y="0"/>
+            <a:ext cx="1620459" cy="1248355"/>
+          </a:xfrm>
+          <a:prstGeom prst="ellipse">
+            <a:avLst/>
+          </a:prstGeom>
+          <a:ln>
+            <a:noFill/>
+          </a:ln>
+          <a:effectLst>
+            <a:softEdge rad="112500"/>
+          </a:effectLst>
+        </p:spPr>
+      </p:pic>
+      <p:cxnSp>
+        <p:nvCxnSpPr>
+          <p:cNvPr id="10" name="Straight Connector 9">
+            <a:extLst>
+              <a:ext uri="{FF2B5EF4-FFF2-40B4-BE49-F238E27FC236}">
+                <a16:creationId xmlns:a16="http://schemas.microsoft.com/office/drawing/2014/main" id="{75ECFB75-7731-4D6E-A854-3DBDCD81A9EA}"/>
+              </a:ext>
+            </a:extLst>
+          </p:cNvPr>
+          <p:cNvCxnSpPr>
+            <a:cxnSpLocks/>
+          </p:cNvCxnSpPr>
+          <p:nvPr/>
+        </p:nvCxnSpPr>
+        <p:spPr>
+          <a:xfrm>
+            <a:off x="3191539" y="2221531"/>
+            <a:ext cx="8396577" cy="0"/>
+          </a:xfrm>
+          <a:prstGeom prst="line">
+            <a:avLst/>
+          </a:prstGeom>
+          <a:ln w="69850">
+            <a:solidFill>
+              <a:srgbClr val="286CC0"/>
+            </a:solidFill>
+          </a:ln>
+        </p:spPr>
+        <p:style>
+          <a:lnRef idx="1">
+            <a:schemeClr val="accent1"/>
+          </a:lnRef>
+          <a:fillRef idx="0">
+            <a:schemeClr val="accent1"/>
+          </a:fillRef>
+          <a:effectRef idx="0">
+            <a:schemeClr val="accent1"/>
+          </a:effectRef>
+          <a:fontRef idx="minor">
+            <a:schemeClr val="tx1"/>
+          </a:fontRef>
+        </p:style>
+      </p:cxnSp>
+      <p:pic>
+        <p:nvPicPr>
+          <p:cNvPr id="7" name="Picture 6"/>
+          <p:cNvPicPr>
+            <a:picLocks noChangeAspect="1"/>
+          </p:cNvPicPr>
+          <p:nvPr/>
+        </p:nvPicPr>
+        <p:blipFill>
+          <a:blip r:embed="rId3"/>
+          <a:stretch>
+            <a:fillRect/>
+          </a:stretch>
+        </p:blipFill>
+        <p:spPr>
+          <a:xfrm>
+            <a:off x="140464" y="170320"/>
+            <a:ext cx="4364725" cy="942384"/>
+          </a:xfrm>
+          <a:prstGeom prst="rect">
+            <a:avLst/>
+          </a:prstGeom>
+        </p:spPr>
+      </p:pic>
+    </p:spTree>
+    <p:extLst>
+      <p:ext uri="{BB962C8B-B14F-4D97-AF65-F5344CB8AC3E}">
+        <p14:creationId xmlns:p14="http://schemas.microsoft.com/office/powerpoint/2010/main" val="2492138440"/>
+      </p:ext>
+    </p:extLst>
+  </p:cSld>
+  <p:clrMapOvr>
+    <a:masterClrMapping/>
+  </p:clrMapOvr>
+</p:sld>
+</file>
+
 <file path=ppt/slides/slide3.xml><?xml version="1.0" encoding="utf-8"?>
 <p:sld xmlns:a="http://schemas.openxmlformats.org/drawingml/2006/main" xmlns:r="http://schemas.openxmlformats.org/officeDocument/2006/relationships" xmlns:p="http://schemas.openxmlformats.org/presentationml/2006/main">
   <p:cSld>
@@ -5787,6 +6528,365 @@
         </p:nvSpPr>
         <p:spPr>
           <a:xfrm>
+            <a:off x="0" y="1397781"/>
+            <a:ext cx="14630400" cy="1015663"/>
+          </a:xfrm>
+          <a:prstGeom prst="rect">
+            <a:avLst/>
+          </a:prstGeom>
+          <a:noFill/>
+        </p:spPr>
+        <p:txBody>
+          <a:bodyPr wrap="square" rtlCol="0">
+            <a:spAutoFit/>
+          </a:bodyPr>
+          <a:lstStyle/>
+          <a:p>
+            <a:pPr algn="ctr"/>
+            <a:r>
+              <a:rPr lang="en-US" sz="6000" dirty="0" smtClean="0">
+                <a:solidFill>
+                  <a:srgbClr val="276BBF"/>
+                </a:solidFill>
+              </a:rPr>
+              <a:t>Exploratory </a:t>
+            </a:r>
+            <a:r>
+              <a:rPr lang="en-US" sz="6000" dirty="0">
+                <a:solidFill>
+                  <a:srgbClr val="276BBF"/>
+                </a:solidFill>
+              </a:rPr>
+              <a:t>Data Analysis</a:t>
+            </a:r>
+          </a:p>
+        </p:txBody>
+      </p:sp>
+      <p:pic>
+        <p:nvPicPr>
+          <p:cNvPr id="8" name="Picture 7"/>
+          <p:cNvPicPr>
+            <a:picLocks noChangeAspect="1"/>
+          </p:cNvPicPr>
+          <p:nvPr/>
+        </p:nvPicPr>
+        <p:blipFill>
+          <a:blip r:embed="rId2"/>
+          <a:stretch>
+            <a:fillRect/>
+          </a:stretch>
+        </p:blipFill>
+        <p:spPr>
+          <a:xfrm>
+            <a:off x="140464" y="170320"/>
+            <a:ext cx="4364725" cy="942384"/>
+          </a:xfrm>
+          <a:prstGeom prst="rect">
+            <a:avLst/>
+          </a:prstGeom>
+        </p:spPr>
+      </p:pic>
+      <p:cxnSp>
+        <p:nvCxnSpPr>
+          <p:cNvPr id="12" name="Straight Connector 11">
+            <a:extLst>
+              <a:ext uri="{FF2B5EF4-FFF2-40B4-BE49-F238E27FC236}">
+                <a16:creationId xmlns:a16="http://schemas.microsoft.com/office/drawing/2014/main" id="{75ECFB75-7731-4D6E-A854-3DBDCD81A9EA}"/>
+              </a:ext>
+            </a:extLst>
+          </p:cNvPr>
+          <p:cNvCxnSpPr>
+            <a:cxnSpLocks/>
+          </p:cNvCxnSpPr>
+          <p:nvPr/>
+        </p:nvCxnSpPr>
+        <p:spPr>
+          <a:xfrm flipV="1">
+            <a:off x="0" y="2390660"/>
+            <a:ext cx="14630400" cy="2"/>
+          </a:xfrm>
+          <a:prstGeom prst="line">
+            <a:avLst/>
+          </a:prstGeom>
+          <a:ln w="69850">
+            <a:solidFill>
+              <a:srgbClr val="286CC0"/>
+            </a:solidFill>
+          </a:ln>
+        </p:spPr>
+        <p:style>
+          <a:lnRef idx="1">
+            <a:schemeClr val="accent1"/>
+          </a:lnRef>
+          <a:fillRef idx="0">
+            <a:schemeClr val="accent1"/>
+          </a:fillRef>
+          <a:effectRef idx="0">
+            <a:schemeClr val="accent1"/>
+          </a:effectRef>
+          <a:fontRef idx="minor">
+            <a:schemeClr val="tx1"/>
+          </a:fontRef>
+        </p:style>
+      </p:cxnSp>
+      <p:pic>
+        <p:nvPicPr>
+          <p:cNvPr id="15" name="Picture 14">
+            <a:extLst>
+              <a:ext uri="{FF2B5EF4-FFF2-40B4-BE49-F238E27FC236}">
+                <a16:creationId xmlns:a16="http://schemas.microsoft.com/office/drawing/2014/main" id="{70333E6D-FF40-4328-8A11-6C889750B8A4}"/>
+              </a:ext>
+            </a:extLst>
+          </p:cNvPr>
+          <p:cNvPicPr>
+            <a:picLocks noChangeAspect="1"/>
+          </p:cNvPicPr>
+          <p:nvPr/>
+        </p:nvPicPr>
+        <p:blipFill>
+          <a:blip r:embed="rId3"/>
+          <a:stretch>
+            <a:fillRect/>
+          </a:stretch>
+        </p:blipFill>
+        <p:spPr>
+          <a:xfrm>
+            <a:off x="12613998" y="-5132"/>
+            <a:ext cx="2016402" cy="1553378"/>
+          </a:xfrm>
+          <a:prstGeom prst="ellipse">
+            <a:avLst/>
+          </a:prstGeom>
+          <a:ln>
+            <a:noFill/>
+          </a:ln>
+          <a:effectLst>
+            <a:softEdge rad="112500"/>
+          </a:effectLst>
+        </p:spPr>
+      </p:pic>
+    </p:spTree>
+    <p:extLst>
+      <p:ext uri="{BB962C8B-B14F-4D97-AF65-F5344CB8AC3E}">
+        <p14:creationId xmlns:p14="http://schemas.microsoft.com/office/powerpoint/2010/main" val="1893343646"/>
+      </p:ext>
+    </p:extLst>
+  </p:cSld>
+  <p:clrMapOvr>
+    <a:masterClrMapping/>
+  </p:clrMapOvr>
+</p:sld>
+</file>
+
+<file path=ppt/slides/slide8.xml><?xml version="1.0" encoding="utf-8"?>
+<p:sld xmlns:a="http://schemas.openxmlformats.org/drawingml/2006/main" xmlns:r="http://schemas.openxmlformats.org/officeDocument/2006/relationships" xmlns:p="http://schemas.openxmlformats.org/presentationml/2006/main">
+  <p:cSld>
+    <p:spTree>
+      <p:nvGrpSpPr>
+        <p:cNvPr id="1" name=""/>
+        <p:cNvGrpSpPr/>
+        <p:nvPr/>
+      </p:nvGrpSpPr>
+      <p:grpSpPr>
+        <a:xfrm>
+          <a:off x="0" y="0"/>
+          <a:ext cx="0" cy="0"/>
+          <a:chOff x="0" y="0"/>
+          <a:chExt cx="0" cy="0"/>
+        </a:xfrm>
+      </p:grpSpPr>
+      <p:sp>
+        <p:nvSpPr>
+          <p:cNvPr id="9" name="TextBox 8">
+            <a:extLst>
+              <a:ext uri="{FF2B5EF4-FFF2-40B4-BE49-F238E27FC236}">
+                <a16:creationId xmlns:a16="http://schemas.microsoft.com/office/drawing/2014/main" id="{95343033-0742-40F4-BD0C-4AE6F575980C}"/>
+              </a:ext>
+            </a:extLst>
+          </p:cNvPr>
+          <p:cNvSpPr txBox="1"/>
+          <p:nvPr/>
+        </p:nvSpPr>
+        <p:spPr>
+          <a:xfrm>
+            <a:off x="0" y="1397781"/>
+            <a:ext cx="14630400" cy="1015663"/>
+          </a:xfrm>
+          <a:prstGeom prst="rect">
+            <a:avLst/>
+          </a:prstGeom>
+          <a:noFill/>
+        </p:spPr>
+        <p:txBody>
+          <a:bodyPr wrap="square" rtlCol="0">
+            <a:spAutoFit/>
+          </a:bodyPr>
+          <a:lstStyle/>
+          <a:p>
+            <a:pPr algn="ctr"/>
+            <a:r>
+              <a:rPr lang="en-US" sz="6000" dirty="0" smtClean="0">
+                <a:solidFill>
+                  <a:srgbClr val="276BBF"/>
+                </a:solidFill>
+              </a:rPr>
+              <a:t>Statistical Test</a:t>
+            </a:r>
+            <a:endParaRPr lang="en-US" sz="6000" dirty="0">
+              <a:solidFill>
+                <a:srgbClr val="276BBF"/>
+              </a:solidFill>
+            </a:endParaRPr>
+          </a:p>
+        </p:txBody>
+      </p:sp>
+      <p:pic>
+        <p:nvPicPr>
+          <p:cNvPr id="8" name="Picture 7"/>
+          <p:cNvPicPr>
+            <a:picLocks noChangeAspect="1"/>
+          </p:cNvPicPr>
+          <p:nvPr/>
+        </p:nvPicPr>
+        <p:blipFill>
+          <a:blip r:embed="rId2"/>
+          <a:stretch>
+            <a:fillRect/>
+          </a:stretch>
+        </p:blipFill>
+        <p:spPr>
+          <a:xfrm>
+            <a:off x="140464" y="170320"/>
+            <a:ext cx="4364725" cy="942384"/>
+          </a:xfrm>
+          <a:prstGeom prst="rect">
+            <a:avLst/>
+          </a:prstGeom>
+        </p:spPr>
+      </p:pic>
+      <p:cxnSp>
+        <p:nvCxnSpPr>
+          <p:cNvPr id="12" name="Straight Connector 11">
+            <a:extLst>
+              <a:ext uri="{FF2B5EF4-FFF2-40B4-BE49-F238E27FC236}">
+                <a16:creationId xmlns:a16="http://schemas.microsoft.com/office/drawing/2014/main" id="{75ECFB75-7731-4D6E-A854-3DBDCD81A9EA}"/>
+              </a:ext>
+            </a:extLst>
+          </p:cNvPr>
+          <p:cNvCxnSpPr>
+            <a:cxnSpLocks/>
+          </p:cNvCxnSpPr>
+          <p:nvPr/>
+        </p:nvCxnSpPr>
+        <p:spPr>
+          <a:xfrm flipV="1">
+            <a:off x="0" y="2390660"/>
+            <a:ext cx="14630400" cy="2"/>
+          </a:xfrm>
+          <a:prstGeom prst="line">
+            <a:avLst/>
+          </a:prstGeom>
+          <a:ln w="69850">
+            <a:solidFill>
+              <a:srgbClr val="286CC0"/>
+            </a:solidFill>
+          </a:ln>
+        </p:spPr>
+        <p:style>
+          <a:lnRef idx="1">
+            <a:schemeClr val="accent1"/>
+          </a:lnRef>
+          <a:fillRef idx="0">
+            <a:schemeClr val="accent1"/>
+          </a:fillRef>
+          <a:effectRef idx="0">
+            <a:schemeClr val="accent1"/>
+          </a:effectRef>
+          <a:fontRef idx="minor">
+            <a:schemeClr val="tx1"/>
+          </a:fontRef>
+        </p:style>
+      </p:cxnSp>
+      <p:pic>
+        <p:nvPicPr>
+          <p:cNvPr id="15" name="Picture 14">
+            <a:extLst>
+              <a:ext uri="{FF2B5EF4-FFF2-40B4-BE49-F238E27FC236}">
+                <a16:creationId xmlns:a16="http://schemas.microsoft.com/office/drawing/2014/main" id="{70333E6D-FF40-4328-8A11-6C889750B8A4}"/>
+              </a:ext>
+            </a:extLst>
+          </p:cNvPr>
+          <p:cNvPicPr>
+            <a:picLocks noChangeAspect="1"/>
+          </p:cNvPicPr>
+          <p:nvPr/>
+        </p:nvPicPr>
+        <p:blipFill>
+          <a:blip r:embed="rId3"/>
+          <a:stretch>
+            <a:fillRect/>
+          </a:stretch>
+        </p:blipFill>
+        <p:spPr>
+          <a:xfrm>
+            <a:off x="12613998" y="-5132"/>
+            <a:ext cx="2016402" cy="1553378"/>
+          </a:xfrm>
+          <a:prstGeom prst="ellipse">
+            <a:avLst/>
+          </a:prstGeom>
+          <a:ln>
+            <a:noFill/>
+          </a:ln>
+          <a:effectLst>
+            <a:softEdge rad="112500"/>
+          </a:effectLst>
+        </p:spPr>
+      </p:pic>
+    </p:spTree>
+    <p:extLst>
+      <p:ext uri="{BB962C8B-B14F-4D97-AF65-F5344CB8AC3E}">
+        <p14:creationId xmlns:p14="http://schemas.microsoft.com/office/powerpoint/2010/main" val="3490083874"/>
+      </p:ext>
+    </p:extLst>
+  </p:cSld>
+  <p:clrMapOvr>
+    <a:masterClrMapping/>
+  </p:clrMapOvr>
+</p:sld>
+</file>
+
+<file path=ppt/slides/slide9.xml><?xml version="1.0" encoding="utf-8"?>
+<p:sld xmlns:a="http://schemas.openxmlformats.org/drawingml/2006/main" xmlns:r="http://schemas.openxmlformats.org/officeDocument/2006/relationships" xmlns:p="http://schemas.openxmlformats.org/presentationml/2006/main">
+  <p:cSld>
+    <p:spTree>
+      <p:nvGrpSpPr>
+        <p:cNvPr id="1" name=""/>
+        <p:cNvGrpSpPr/>
+        <p:nvPr/>
+      </p:nvGrpSpPr>
+      <p:grpSpPr>
+        <a:xfrm>
+          <a:off x="0" y="0"/>
+          <a:ext cx="0" cy="0"/>
+          <a:chOff x="0" y="0"/>
+          <a:chExt cx="0" cy="0"/>
+        </a:xfrm>
+      </p:grpSpPr>
+      <p:sp>
+        <p:nvSpPr>
+          <p:cNvPr id="9" name="TextBox 8">
+            <a:extLst>
+              <a:ext uri="{FF2B5EF4-FFF2-40B4-BE49-F238E27FC236}">
+                <a16:creationId xmlns:a16="http://schemas.microsoft.com/office/drawing/2014/main" id="{95343033-0742-40F4-BD0C-4AE6F575980C}"/>
+              </a:ext>
+            </a:extLst>
+          </p:cNvPr>
+          <p:cNvSpPr txBox="1"/>
+          <p:nvPr/>
+        </p:nvSpPr>
+        <p:spPr>
+          <a:xfrm>
             <a:off x="140464" y="1362795"/>
             <a:ext cx="14080994" cy="984885"/>
           </a:xfrm>
@@ -5812,7 +6912,7 @@
                 <a:ea typeface="Calibri" panose="020F0502020204030204" pitchFamily="34" charset="0"/>
                 <a:cs typeface="Times New Roman" panose="02020603050405020304" pitchFamily="18" charset="0"/>
               </a:rPr>
-              <a:t>Simple Mathematics with R</a:t>
+              <a:t>Analysis of Variance (ANOVA)</a:t>
             </a:r>
             <a:endParaRPr lang="en-US" sz="5800" dirty="0">
               <a:solidFill>
@@ -5929,376 +7029,6 @@
     <p:extLst>
       <p:ext uri="{BB962C8B-B14F-4D97-AF65-F5344CB8AC3E}">
         <p14:creationId xmlns:p14="http://schemas.microsoft.com/office/powerpoint/2010/main" val="4191780948"/>
-      </p:ext>
-    </p:extLst>
-  </p:cSld>
-  <p:clrMapOvr>
-    <a:masterClrMapping/>
-  </p:clrMapOvr>
-</p:sld>
-</file>
-
-<file path=ppt/slides/slide8.xml><?xml version="1.0" encoding="utf-8"?>
-<p:sld xmlns:a="http://schemas.openxmlformats.org/drawingml/2006/main" xmlns:r="http://schemas.openxmlformats.org/officeDocument/2006/relationships" xmlns:p="http://schemas.openxmlformats.org/presentationml/2006/main">
-  <p:cSld>
-    <p:spTree>
-      <p:nvGrpSpPr>
-        <p:cNvPr id="1" name=""/>
-        <p:cNvGrpSpPr/>
-        <p:nvPr/>
-      </p:nvGrpSpPr>
-      <p:grpSpPr>
-        <a:xfrm>
-          <a:off x="0" y="0"/>
-          <a:ext cx="0" cy="0"/>
-          <a:chOff x="0" y="0"/>
-          <a:chExt cx="0" cy="0"/>
-        </a:xfrm>
-      </p:grpSpPr>
-      <p:sp>
-        <p:nvSpPr>
-          <p:cNvPr id="9" name="TextBox 8">
-            <a:extLst>
-              <a:ext uri="{FF2B5EF4-FFF2-40B4-BE49-F238E27FC236}">
-                <a16:creationId xmlns:a16="http://schemas.microsoft.com/office/drawing/2014/main" id="{95343033-0742-40F4-BD0C-4AE6F575980C}"/>
-              </a:ext>
-            </a:extLst>
-          </p:cNvPr>
-          <p:cNvSpPr txBox="1"/>
-          <p:nvPr/>
-        </p:nvSpPr>
-        <p:spPr>
-          <a:xfrm>
-            <a:off x="0" y="1397781"/>
-            <a:ext cx="14630400" cy="1015663"/>
-          </a:xfrm>
-          <a:prstGeom prst="rect">
-            <a:avLst/>
-          </a:prstGeom>
-          <a:noFill/>
-        </p:spPr>
-        <p:txBody>
-          <a:bodyPr wrap="square" rtlCol="0">
-            <a:spAutoFit/>
-          </a:bodyPr>
-          <a:lstStyle/>
-          <a:p>
-            <a:pPr algn="ctr"/>
-            <a:r>
-              <a:rPr lang="en-US" sz="6000" dirty="0">
-                <a:solidFill>
-                  <a:srgbClr val="286CC0"/>
-                </a:solidFill>
-                <a:latin typeface="Calibri" panose="020F0502020204030204" pitchFamily="34" charset="0"/>
-                <a:cs typeface="Times New Roman" panose="02020603050405020304" pitchFamily="18" charset="0"/>
-              </a:rPr>
-              <a:t>Basic </a:t>
-            </a:r>
-            <a:r>
-              <a:rPr lang="en-US" sz="6000" dirty="0" smtClean="0">
-                <a:solidFill>
-                  <a:srgbClr val="286CC0"/>
-                </a:solidFill>
-                <a:latin typeface="Calibri" panose="020F0502020204030204" pitchFamily="34" charset="0"/>
-                <a:cs typeface="Times New Roman" panose="02020603050405020304" pitchFamily="18" charset="0"/>
-              </a:rPr>
-              <a:t>Statistics with R</a:t>
-            </a:r>
-            <a:endParaRPr lang="en-US" sz="6000" dirty="0">
-              <a:solidFill>
-                <a:srgbClr val="286CC0"/>
-              </a:solidFill>
-            </a:endParaRPr>
-          </a:p>
-        </p:txBody>
-      </p:sp>
-      <p:pic>
-        <p:nvPicPr>
-          <p:cNvPr id="8" name="Picture 7"/>
-          <p:cNvPicPr>
-            <a:picLocks noChangeAspect="1"/>
-          </p:cNvPicPr>
-          <p:nvPr/>
-        </p:nvPicPr>
-        <p:blipFill>
-          <a:blip r:embed="rId2"/>
-          <a:stretch>
-            <a:fillRect/>
-          </a:stretch>
-        </p:blipFill>
-        <p:spPr>
-          <a:xfrm>
-            <a:off x="140464" y="170320"/>
-            <a:ext cx="4364725" cy="942384"/>
-          </a:xfrm>
-          <a:prstGeom prst="rect">
-            <a:avLst/>
-          </a:prstGeom>
-        </p:spPr>
-      </p:pic>
-      <p:cxnSp>
-        <p:nvCxnSpPr>
-          <p:cNvPr id="12" name="Straight Connector 11">
-            <a:extLst>
-              <a:ext uri="{FF2B5EF4-FFF2-40B4-BE49-F238E27FC236}">
-                <a16:creationId xmlns:a16="http://schemas.microsoft.com/office/drawing/2014/main" id="{75ECFB75-7731-4D6E-A854-3DBDCD81A9EA}"/>
-              </a:ext>
-            </a:extLst>
-          </p:cNvPr>
-          <p:cNvCxnSpPr>
-            <a:cxnSpLocks/>
-          </p:cNvCxnSpPr>
-          <p:nvPr/>
-        </p:nvCxnSpPr>
-        <p:spPr>
-          <a:xfrm flipV="1">
-            <a:off x="0" y="2390660"/>
-            <a:ext cx="14630400" cy="2"/>
-          </a:xfrm>
-          <a:prstGeom prst="line">
-            <a:avLst/>
-          </a:prstGeom>
-          <a:ln w="69850">
-            <a:solidFill>
-              <a:srgbClr val="286CC0"/>
-            </a:solidFill>
-          </a:ln>
-        </p:spPr>
-        <p:style>
-          <a:lnRef idx="1">
-            <a:schemeClr val="accent1"/>
-          </a:lnRef>
-          <a:fillRef idx="0">
-            <a:schemeClr val="accent1"/>
-          </a:fillRef>
-          <a:effectRef idx="0">
-            <a:schemeClr val="accent1"/>
-          </a:effectRef>
-          <a:fontRef idx="minor">
-            <a:schemeClr val="tx1"/>
-          </a:fontRef>
-        </p:style>
-      </p:cxnSp>
-      <p:pic>
-        <p:nvPicPr>
-          <p:cNvPr id="15" name="Picture 14">
-            <a:extLst>
-              <a:ext uri="{FF2B5EF4-FFF2-40B4-BE49-F238E27FC236}">
-                <a16:creationId xmlns:a16="http://schemas.microsoft.com/office/drawing/2014/main" id="{70333E6D-FF40-4328-8A11-6C889750B8A4}"/>
-              </a:ext>
-            </a:extLst>
-          </p:cNvPr>
-          <p:cNvPicPr>
-            <a:picLocks noChangeAspect="1"/>
-          </p:cNvPicPr>
-          <p:nvPr/>
-        </p:nvPicPr>
-        <p:blipFill>
-          <a:blip r:embed="rId3"/>
-          <a:stretch>
-            <a:fillRect/>
-          </a:stretch>
-        </p:blipFill>
-        <p:spPr>
-          <a:xfrm>
-            <a:off x="12613998" y="-5132"/>
-            <a:ext cx="2016402" cy="1553378"/>
-          </a:xfrm>
-          <a:prstGeom prst="ellipse">
-            <a:avLst/>
-          </a:prstGeom>
-          <a:ln>
-            <a:noFill/>
-          </a:ln>
-          <a:effectLst>
-            <a:softEdge rad="112500"/>
-          </a:effectLst>
-        </p:spPr>
-      </p:pic>
-    </p:spTree>
-    <p:extLst>
-      <p:ext uri="{BB962C8B-B14F-4D97-AF65-F5344CB8AC3E}">
-        <p14:creationId xmlns:p14="http://schemas.microsoft.com/office/powerpoint/2010/main" val="1893343646"/>
-      </p:ext>
-    </p:extLst>
-  </p:cSld>
-  <p:clrMapOvr>
-    <a:masterClrMapping/>
-  </p:clrMapOvr>
-</p:sld>
-</file>
-
-<file path=ppt/slides/slide9.xml><?xml version="1.0" encoding="utf-8"?>
-<p:sld xmlns:a="http://schemas.openxmlformats.org/drawingml/2006/main" xmlns:r="http://schemas.openxmlformats.org/officeDocument/2006/relationships" xmlns:p="http://schemas.openxmlformats.org/presentationml/2006/main">
-  <p:cSld>
-    <p:spTree>
-      <p:nvGrpSpPr>
-        <p:cNvPr id="1" name=""/>
-        <p:cNvGrpSpPr/>
-        <p:nvPr/>
-      </p:nvGrpSpPr>
-      <p:grpSpPr>
-        <a:xfrm>
-          <a:off x="0" y="0"/>
-          <a:ext cx="0" cy="0"/>
-          <a:chOff x="0" y="0"/>
-          <a:chExt cx="0" cy="0"/>
-        </a:xfrm>
-      </p:grpSpPr>
-      <p:sp>
-        <p:nvSpPr>
-          <p:cNvPr id="9" name="TextBox 8">
-            <a:extLst>
-              <a:ext uri="{FF2B5EF4-FFF2-40B4-BE49-F238E27FC236}">
-                <a16:creationId xmlns:a16="http://schemas.microsoft.com/office/drawing/2014/main" id="{95343033-0742-40F4-BD0C-4AE6F575980C}"/>
-              </a:ext>
-            </a:extLst>
-          </p:cNvPr>
-          <p:cNvSpPr txBox="1"/>
-          <p:nvPr/>
-        </p:nvSpPr>
-        <p:spPr>
-          <a:xfrm>
-            <a:off x="0" y="1325474"/>
-            <a:ext cx="14630400" cy="1015663"/>
-          </a:xfrm>
-          <a:prstGeom prst="rect">
-            <a:avLst/>
-          </a:prstGeom>
-          <a:noFill/>
-        </p:spPr>
-        <p:txBody>
-          <a:bodyPr wrap="square" rtlCol="0">
-            <a:spAutoFit/>
-          </a:bodyPr>
-          <a:lstStyle/>
-          <a:p>
-            <a:pPr algn="ctr"/>
-            <a:r>
-              <a:rPr lang="en-US" sz="6000" dirty="0" smtClean="0">
-                <a:solidFill>
-                  <a:srgbClr val="286CC0"/>
-                </a:solidFill>
-                <a:latin typeface="Calibri" panose="020F0502020204030204" pitchFamily="34" charset="0"/>
-                <a:cs typeface="Times New Roman" panose="02020603050405020304" pitchFamily="18" charset="0"/>
-              </a:rPr>
-              <a:t>Multivariate Statistics with R</a:t>
-            </a:r>
-            <a:endParaRPr lang="en-US" sz="6000" dirty="0">
-              <a:solidFill>
-                <a:srgbClr val="286CC0"/>
-              </a:solidFill>
-            </a:endParaRPr>
-          </a:p>
-        </p:txBody>
-      </p:sp>
-      <p:pic>
-        <p:nvPicPr>
-          <p:cNvPr id="8" name="Picture 7"/>
-          <p:cNvPicPr>
-            <a:picLocks noChangeAspect="1"/>
-          </p:cNvPicPr>
-          <p:nvPr/>
-        </p:nvPicPr>
-        <p:blipFill>
-          <a:blip r:embed="rId2"/>
-          <a:stretch>
-            <a:fillRect/>
-          </a:stretch>
-        </p:blipFill>
-        <p:spPr>
-          <a:xfrm>
-            <a:off x="140464" y="170320"/>
-            <a:ext cx="4364725" cy="942384"/>
-          </a:xfrm>
-          <a:prstGeom prst="rect">
-            <a:avLst/>
-          </a:prstGeom>
-        </p:spPr>
-      </p:pic>
-      <p:cxnSp>
-        <p:nvCxnSpPr>
-          <p:cNvPr id="6" name="Straight Connector 5">
-            <a:extLst>
-              <a:ext uri="{FF2B5EF4-FFF2-40B4-BE49-F238E27FC236}">
-                <a16:creationId xmlns:a16="http://schemas.microsoft.com/office/drawing/2014/main" id="{75ECFB75-7731-4D6E-A854-3DBDCD81A9EA}"/>
-              </a:ext>
-            </a:extLst>
-          </p:cNvPr>
-          <p:cNvCxnSpPr>
-            <a:cxnSpLocks/>
-          </p:cNvCxnSpPr>
-          <p:nvPr/>
-        </p:nvCxnSpPr>
-        <p:spPr>
-          <a:xfrm flipV="1">
-            <a:off x="0" y="2390660"/>
-            <a:ext cx="14630400" cy="2"/>
-          </a:xfrm>
-          <a:prstGeom prst="line">
-            <a:avLst/>
-          </a:prstGeom>
-          <a:ln w="69850">
-            <a:solidFill>
-              <a:srgbClr val="286CC0"/>
-            </a:solidFill>
-          </a:ln>
-        </p:spPr>
-        <p:style>
-          <a:lnRef idx="1">
-            <a:schemeClr val="accent1"/>
-          </a:lnRef>
-          <a:fillRef idx="0">
-            <a:schemeClr val="accent1"/>
-          </a:fillRef>
-          <a:effectRef idx="0">
-            <a:schemeClr val="accent1"/>
-          </a:effectRef>
-          <a:fontRef idx="minor">
-            <a:schemeClr val="tx1"/>
-          </a:fontRef>
-        </p:style>
-      </p:cxnSp>
-      <p:pic>
-        <p:nvPicPr>
-          <p:cNvPr id="7" name="Picture 6">
-            <a:extLst>
-              <a:ext uri="{FF2B5EF4-FFF2-40B4-BE49-F238E27FC236}">
-                <a16:creationId xmlns:a16="http://schemas.microsoft.com/office/drawing/2014/main" id="{70333E6D-FF40-4328-8A11-6C889750B8A4}"/>
-              </a:ext>
-            </a:extLst>
-          </p:cNvPr>
-          <p:cNvPicPr>
-            <a:picLocks noChangeAspect="1"/>
-          </p:cNvPicPr>
-          <p:nvPr/>
-        </p:nvPicPr>
-        <p:blipFill>
-          <a:blip r:embed="rId3"/>
-          <a:stretch>
-            <a:fillRect/>
-          </a:stretch>
-        </p:blipFill>
-        <p:spPr>
-          <a:xfrm>
-            <a:off x="12613998" y="-5132"/>
-            <a:ext cx="2016402" cy="1553378"/>
-          </a:xfrm>
-          <a:prstGeom prst="ellipse">
-            <a:avLst/>
-          </a:prstGeom>
-          <a:ln>
-            <a:noFill/>
-          </a:ln>
-          <a:effectLst>
-            <a:softEdge rad="112500"/>
-          </a:effectLst>
-        </p:spPr>
-      </p:pic>
-    </p:spTree>
-    <p:extLst>
-      <p:ext uri="{BB962C8B-B14F-4D97-AF65-F5344CB8AC3E}">
-        <p14:creationId xmlns:p14="http://schemas.microsoft.com/office/powerpoint/2010/main" val="3991078591"/>
       </p:ext>
     </p:extLst>
   </p:cSld>
